--- a/papers/thesis/gfx/diagrams/Wisconsin_Shock_Tube.pptx
+++ b/papers/thesis/gfx/diagrams/Wisconsin_Shock_Tube.pptx
@@ -7,6 +7,7 @@
   <p:sldIdLst>
     <p:sldId id="256" r:id="rId2"/>
     <p:sldId id="257" r:id="rId3"/>
+    <p:sldId id="258" r:id="rId4"/>
   </p:sldIdLst>
   <p:sldSz cx="6858000" cy="9144000" type="letter"/>
   <p:notesSz cx="6858000" cy="9144000"/>
@@ -105,6 +106,11 @@
       </a:defRPr>
     </a:lvl9pPr>
   </p:defaultTextStyle>
+  <p:extLst>
+    <p:ext uri="{EFAFB233-063F-42B5-8137-9DF3F51BA10A}">
+      <p15:sldGuideLst xmlns:p15="http://schemas.microsoft.com/office/powerpoint/2012/main"/>
+    </p:ext>
+  </p:extLst>
 </p:presentation>
 </file>
 
@@ -239,7 +245,7 @@
           <a:p>
             <a:fld id="{2A9E2E5C-F851-4CA1-A9D2-6A067EAD9855}" type="datetimeFigureOut">
               <a:rPr lang="en-US" smtClean="0"/>
-              <a:t>5/11/2023</a:t>
+              <a:t>5/12/2023</a:t>
             </a:fld>
             <a:endParaRPr lang="en-US"/>
           </a:p>
@@ -409,7 +415,7 @@
           <a:p>
             <a:fld id="{2A9E2E5C-F851-4CA1-A9D2-6A067EAD9855}" type="datetimeFigureOut">
               <a:rPr lang="en-US" smtClean="0"/>
-              <a:t>5/11/2023</a:t>
+              <a:t>5/12/2023</a:t>
             </a:fld>
             <a:endParaRPr lang="en-US"/>
           </a:p>
@@ -589,7 +595,7 @@
           <a:p>
             <a:fld id="{2A9E2E5C-F851-4CA1-A9D2-6A067EAD9855}" type="datetimeFigureOut">
               <a:rPr lang="en-US" smtClean="0"/>
-              <a:t>5/11/2023</a:t>
+              <a:t>5/12/2023</a:t>
             </a:fld>
             <a:endParaRPr lang="en-US"/>
           </a:p>
@@ -759,7 +765,7 @@
           <a:p>
             <a:fld id="{2A9E2E5C-F851-4CA1-A9D2-6A067EAD9855}" type="datetimeFigureOut">
               <a:rPr lang="en-US" smtClean="0"/>
-              <a:t>5/11/2023</a:t>
+              <a:t>5/12/2023</a:t>
             </a:fld>
             <a:endParaRPr lang="en-US"/>
           </a:p>
@@ -1003,7 +1009,7 @@
           <a:p>
             <a:fld id="{2A9E2E5C-F851-4CA1-A9D2-6A067EAD9855}" type="datetimeFigureOut">
               <a:rPr lang="en-US" smtClean="0"/>
-              <a:t>5/11/2023</a:t>
+              <a:t>5/12/2023</a:t>
             </a:fld>
             <a:endParaRPr lang="en-US"/>
           </a:p>
@@ -1235,7 +1241,7 @@
           <a:p>
             <a:fld id="{2A9E2E5C-F851-4CA1-A9D2-6A067EAD9855}" type="datetimeFigureOut">
               <a:rPr lang="en-US" smtClean="0"/>
-              <a:t>5/11/2023</a:t>
+              <a:t>5/12/2023</a:t>
             </a:fld>
             <a:endParaRPr lang="en-US"/>
           </a:p>
@@ -1602,7 +1608,7 @@
           <a:p>
             <a:fld id="{2A9E2E5C-F851-4CA1-A9D2-6A067EAD9855}" type="datetimeFigureOut">
               <a:rPr lang="en-US" smtClean="0"/>
-              <a:t>5/11/2023</a:t>
+              <a:t>5/12/2023</a:t>
             </a:fld>
             <a:endParaRPr lang="en-US"/>
           </a:p>
@@ -1720,7 +1726,7 @@
           <a:p>
             <a:fld id="{2A9E2E5C-F851-4CA1-A9D2-6A067EAD9855}" type="datetimeFigureOut">
               <a:rPr lang="en-US" smtClean="0"/>
-              <a:t>5/11/2023</a:t>
+              <a:t>5/12/2023</a:t>
             </a:fld>
             <a:endParaRPr lang="en-US"/>
           </a:p>
@@ -1815,7 +1821,7 @@
           <a:p>
             <a:fld id="{2A9E2E5C-F851-4CA1-A9D2-6A067EAD9855}" type="datetimeFigureOut">
               <a:rPr lang="en-US" smtClean="0"/>
-              <a:t>5/11/2023</a:t>
+              <a:t>5/12/2023</a:t>
             </a:fld>
             <a:endParaRPr lang="en-US"/>
           </a:p>
@@ -2092,7 +2098,7 @@
           <a:p>
             <a:fld id="{2A9E2E5C-F851-4CA1-A9D2-6A067EAD9855}" type="datetimeFigureOut">
               <a:rPr lang="en-US" smtClean="0"/>
-              <a:t>5/11/2023</a:t>
+              <a:t>5/12/2023</a:t>
             </a:fld>
             <a:endParaRPr lang="en-US"/>
           </a:p>
@@ -2349,7 +2355,7 @@
           <a:p>
             <a:fld id="{2A9E2E5C-F851-4CA1-A9D2-6A067EAD9855}" type="datetimeFigureOut">
               <a:rPr lang="en-US" smtClean="0"/>
-              <a:t>5/11/2023</a:t>
+              <a:t>5/12/2023</a:t>
             </a:fld>
             <a:endParaRPr lang="en-US"/>
           </a:p>
@@ -2562,7 +2568,7 @@
           <a:p>
             <a:fld id="{2A9E2E5C-F851-4CA1-A9D2-6A067EAD9855}" type="datetimeFigureOut">
               <a:rPr lang="en-US" smtClean="0"/>
-              <a:t>5/11/2023</a:t>
+              <a:t>5/12/2023</a:t>
             </a:fld>
             <a:endParaRPr lang="en-US"/>
           </a:p>
@@ -15011,6 +15017,2141 @@
 </p:sld>
 </file>
 
+<file path=ppt/slides/slide3.xml><?xml version="1.0" encoding="utf-8"?>
+<p:sld xmlns:a="http://schemas.openxmlformats.org/drawingml/2006/main" xmlns:r="http://schemas.openxmlformats.org/officeDocument/2006/relationships" xmlns:p="http://schemas.openxmlformats.org/presentationml/2006/main">
+  <p:cSld>
+    <p:spTree>
+      <p:nvGrpSpPr>
+        <p:cNvPr id="1" name=""/>
+        <p:cNvGrpSpPr/>
+        <p:nvPr/>
+      </p:nvGrpSpPr>
+      <p:grpSpPr>
+        <a:xfrm>
+          <a:off x="0" y="0"/>
+          <a:ext cx="0" cy="0"/>
+          <a:chOff x="0" y="0"/>
+          <a:chExt cx="0" cy="0"/>
+        </a:xfrm>
+      </p:grpSpPr>
+      <p:grpSp>
+        <p:nvGrpSpPr>
+          <p:cNvPr id="2" name="Group 1">
+            <a:extLst>
+              <a:ext uri="{FF2B5EF4-FFF2-40B4-BE49-F238E27FC236}">
+                <a16:creationId xmlns:a16="http://schemas.microsoft.com/office/drawing/2014/main" id="{0105B34E-EBCE-6E18-D231-ED189A8A732E}"/>
+              </a:ext>
+            </a:extLst>
+          </p:cNvPr>
+          <p:cNvGrpSpPr/>
+          <p:nvPr/>
+        </p:nvGrpSpPr>
+        <p:grpSpPr>
+          <a:xfrm>
+            <a:off x="1850118" y="1506555"/>
+            <a:ext cx="3408894" cy="4832169"/>
+            <a:chOff x="4324348" y="-673521"/>
+            <a:chExt cx="4578544" cy="6436409"/>
+          </a:xfrm>
+        </p:grpSpPr>
+        <p:sp>
+          <p:nvSpPr>
+            <p:cNvPr id="3" name="Cylinder 2">
+              <a:extLst>
+                <a:ext uri="{FF2B5EF4-FFF2-40B4-BE49-F238E27FC236}">
+                  <a16:creationId xmlns:a16="http://schemas.microsoft.com/office/drawing/2014/main" id="{88A4FC14-F5F9-A0B1-B3D2-988A1F1AA8C1}"/>
+                </a:ext>
+              </a:extLst>
+            </p:cNvPr>
+            <p:cNvSpPr/>
+            <p:nvPr/>
+          </p:nvSpPr>
+          <p:spPr>
+            <a:xfrm>
+              <a:off x="5310189" y="5351066"/>
+              <a:ext cx="288130" cy="113503"/>
+            </a:xfrm>
+            <a:prstGeom prst="can">
+              <a:avLst>
+                <a:gd name="adj" fmla="val 50000"/>
+              </a:avLst>
+            </a:prstGeom>
+            <a:solidFill>
+              <a:schemeClr val="bg1">
+                <a:lumMod val="75000"/>
+              </a:schemeClr>
+            </a:solidFill>
+            <a:ln w="15875" cap="flat" cmpd="sng" algn="ctr">
+              <a:solidFill>
+                <a:schemeClr val="dk1"/>
+              </a:solidFill>
+              <a:prstDash val="solid"/>
+              <a:round/>
+              <a:headEnd type="none" w="med" len="med"/>
+              <a:tailEnd type="none" w="med" len="med"/>
+            </a:ln>
+          </p:spPr>
+          <p:style>
+            <a:lnRef idx="0">
+              <a:scrgbClr r="0" g="0" b="0"/>
+            </a:lnRef>
+            <a:fillRef idx="0">
+              <a:scrgbClr r="0" g="0" b="0"/>
+            </a:fillRef>
+            <a:effectRef idx="0">
+              <a:scrgbClr r="0" g="0" b="0"/>
+            </a:effectRef>
+            <a:fontRef idx="minor">
+              <a:schemeClr val="dk1"/>
+            </a:fontRef>
+          </p:style>
+          <p:txBody>
+            <a:bodyPr rtlCol="0" anchor="ctr"/>
+            <a:lstStyle/>
+            <a:p>
+              <a:pPr algn="ctr"/>
+              <a:endParaRPr lang="en-US"/>
+            </a:p>
+          </p:txBody>
+        </p:sp>
+        <p:sp>
+          <p:nvSpPr>
+            <p:cNvPr id="4" name="Cylinder 3">
+              <a:extLst>
+                <a:ext uri="{FF2B5EF4-FFF2-40B4-BE49-F238E27FC236}">
+                  <a16:creationId xmlns:a16="http://schemas.microsoft.com/office/drawing/2014/main" id="{D3F4A5F3-0C24-A316-89DD-C9604E06E59E}"/>
+                </a:ext>
+              </a:extLst>
+            </p:cNvPr>
+            <p:cNvSpPr/>
+            <p:nvPr/>
+          </p:nvSpPr>
+          <p:spPr>
+            <a:xfrm>
+              <a:off x="5310189" y="5067298"/>
+              <a:ext cx="288130" cy="340520"/>
+            </a:xfrm>
+            <a:prstGeom prst="can">
+              <a:avLst/>
+            </a:prstGeom>
+            <a:solidFill>
+              <a:schemeClr val="bg1">
+                <a:lumMod val="75000"/>
+              </a:schemeClr>
+            </a:solidFill>
+            <a:ln w="15875" cap="flat" cmpd="sng" algn="ctr">
+              <a:solidFill>
+                <a:schemeClr val="dk1"/>
+              </a:solidFill>
+              <a:prstDash val="solid"/>
+              <a:round/>
+              <a:headEnd type="none" w="med" len="med"/>
+              <a:tailEnd type="none" w="med" len="med"/>
+            </a:ln>
+          </p:spPr>
+          <p:style>
+            <a:lnRef idx="0">
+              <a:scrgbClr r="0" g="0" b="0"/>
+            </a:lnRef>
+            <a:fillRef idx="0">
+              <a:scrgbClr r="0" g="0" b="0"/>
+            </a:fillRef>
+            <a:effectRef idx="0">
+              <a:scrgbClr r="0" g="0" b="0"/>
+            </a:effectRef>
+            <a:fontRef idx="minor">
+              <a:schemeClr val="dk1"/>
+            </a:fontRef>
+          </p:style>
+          <p:txBody>
+            <a:bodyPr rtlCol="0" anchor="ctr"/>
+            <a:lstStyle/>
+            <a:p>
+              <a:pPr algn="ctr"/>
+              <a:endParaRPr lang="en-US"/>
+            </a:p>
+          </p:txBody>
+        </p:sp>
+        <p:sp>
+          <p:nvSpPr>
+            <p:cNvPr id="5" name="Cylinder 4">
+              <a:extLst>
+                <a:ext uri="{FF2B5EF4-FFF2-40B4-BE49-F238E27FC236}">
+                  <a16:creationId xmlns:a16="http://schemas.microsoft.com/office/drawing/2014/main" id="{E6AFD74F-DFDC-5B67-97BE-97889A43C36F}"/>
+                </a:ext>
+              </a:extLst>
+            </p:cNvPr>
+            <p:cNvSpPr/>
+            <p:nvPr/>
+          </p:nvSpPr>
+          <p:spPr>
+            <a:xfrm>
+              <a:off x="5310189" y="5029572"/>
+              <a:ext cx="288130" cy="113503"/>
+            </a:xfrm>
+            <a:prstGeom prst="can">
+              <a:avLst>
+                <a:gd name="adj" fmla="val 50000"/>
+              </a:avLst>
+            </a:prstGeom>
+            <a:solidFill>
+              <a:schemeClr val="bg1">
+                <a:lumMod val="75000"/>
+              </a:schemeClr>
+            </a:solidFill>
+            <a:ln w="15875" cap="flat" cmpd="sng" algn="ctr">
+              <a:solidFill>
+                <a:schemeClr val="dk1"/>
+              </a:solidFill>
+              <a:prstDash val="solid"/>
+              <a:round/>
+              <a:headEnd type="none" w="med" len="med"/>
+              <a:tailEnd type="none" w="med" len="med"/>
+            </a:ln>
+          </p:spPr>
+          <p:style>
+            <a:lnRef idx="0">
+              <a:scrgbClr r="0" g="0" b="0"/>
+            </a:lnRef>
+            <a:fillRef idx="0">
+              <a:scrgbClr r="0" g="0" b="0"/>
+            </a:fillRef>
+            <a:effectRef idx="0">
+              <a:scrgbClr r="0" g="0" b="0"/>
+            </a:effectRef>
+            <a:fontRef idx="minor">
+              <a:schemeClr val="dk1"/>
+            </a:fontRef>
+          </p:style>
+          <p:txBody>
+            <a:bodyPr rtlCol="0" anchor="ctr"/>
+            <a:lstStyle/>
+            <a:p>
+              <a:pPr algn="ctr"/>
+              <a:endParaRPr lang="en-US" dirty="0"/>
+            </a:p>
+          </p:txBody>
+        </p:sp>
+        <p:sp>
+          <p:nvSpPr>
+            <p:cNvPr id="6" name="Cylinder 5">
+              <a:extLst>
+                <a:ext uri="{FF2B5EF4-FFF2-40B4-BE49-F238E27FC236}">
+                  <a16:creationId xmlns:a16="http://schemas.microsoft.com/office/drawing/2014/main" id="{527FE12E-A77D-D8EF-6DD6-903F82A4F9E9}"/>
+                </a:ext>
+              </a:extLst>
+            </p:cNvPr>
+            <p:cNvSpPr/>
+            <p:nvPr/>
+          </p:nvSpPr>
+          <p:spPr>
+            <a:xfrm>
+              <a:off x="5401863" y="4357688"/>
+              <a:ext cx="103586" cy="702467"/>
+            </a:xfrm>
+            <a:prstGeom prst="can">
+              <a:avLst/>
+            </a:prstGeom>
+            <a:solidFill>
+              <a:schemeClr val="bg1">
+                <a:lumMod val="75000"/>
+              </a:schemeClr>
+            </a:solidFill>
+            <a:ln w="15875" cap="flat" cmpd="sng" algn="ctr">
+              <a:solidFill>
+                <a:schemeClr val="dk1"/>
+              </a:solidFill>
+              <a:prstDash val="solid"/>
+              <a:round/>
+              <a:headEnd type="none" w="med" len="med"/>
+              <a:tailEnd type="none" w="med" len="med"/>
+            </a:ln>
+          </p:spPr>
+          <p:style>
+            <a:lnRef idx="0">
+              <a:scrgbClr r="0" g="0" b="0"/>
+            </a:lnRef>
+            <a:fillRef idx="0">
+              <a:scrgbClr r="0" g="0" b="0"/>
+            </a:fillRef>
+            <a:effectRef idx="0">
+              <a:scrgbClr r="0" g="0" b="0"/>
+            </a:effectRef>
+            <a:fontRef idx="minor">
+              <a:schemeClr val="dk1"/>
+            </a:fontRef>
+          </p:style>
+          <p:txBody>
+            <a:bodyPr rtlCol="0" anchor="ctr"/>
+            <a:lstStyle/>
+            <a:p>
+              <a:pPr algn="ctr"/>
+              <a:endParaRPr lang="en-US"/>
+            </a:p>
+          </p:txBody>
+        </p:sp>
+        <p:sp>
+          <p:nvSpPr>
+            <p:cNvPr id="7" name="Parallelogram 6">
+              <a:extLst>
+                <a:ext uri="{FF2B5EF4-FFF2-40B4-BE49-F238E27FC236}">
+                  <a16:creationId xmlns:a16="http://schemas.microsoft.com/office/drawing/2014/main" id="{0ACE2F49-1C36-8478-F0A4-F207E9D90496}"/>
+                </a:ext>
+              </a:extLst>
+            </p:cNvPr>
+            <p:cNvSpPr/>
+            <p:nvPr/>
+          </p:nvSpPr>
+          <p:spPr>
+            <a:xfrm>
+              <a:off x="4324349" y="3848100"/>
+              <a:ext cx="2155031" cy="561975"/>
+            </a:xfrm>
+            <a:prstGeom prst="parallelogram">
+              <a:avLst>
+                <a:gd name="adj" fmla="val 134722"/>
+              </a:avLst>
+            </a:prstGeom>
+            <a:solidFill>
+              <a:schemeClr val="bg1"/>
+            </a:solidFill>
+            <a:ln w="19050" cap="flat" cmpd="sng" algn="ctr">
+              <a:solidFill>
+                <a:schemeClr val="dk1"/>
+              </a:solidFill>
+              <a:prstDash val="solid"/>
+              <a:round/>
+              <a:headEnd type="none" w="med" len="med"/>
+              <a:tailEnd type="none" w="med" len="med"/>
+            </a:ln>
+          </p:spPr>
+          <p:style>
+            <a:lnRef idx="0">
+              <a:scrgbClr r="0" g="0" b="0"/>
+            </a:lnRef>
+            <a:fillRef idx="0">
+              <a:scrgbClr r="0" g="0" b="0"/>
+            </a:fillRef>
+            <a:effectRef idx="0">
+              <a:scrgbClr r="0" g="0" b="0"/>
+            </a:effectRef>
+            <a:fontRef idx="minor">
+              <a:schemeClr val="dk1"/>
+            </a:fontRef>
+          </p:style>
+          <p:txBody>
+            <a:bodyPr rtlCol="0" anchor="ctr"/>
+            <a:lstStyle/>
+            <a:p>
+              <a:pPr algn="ctr"/>
+              <a:endParaRPr lang="en-US"/>
+            </a:p>
+          </p:txBody>
+        </p:sp>
+        <p:sp>
+          <p:nvSpPr>
+            <p:cNvPr id="8" name="Rectangle: Rounded Corners 7">
+              <a:extLst>
+                <a:ext uri="{FF2B5EF4-FFF2-40B4-BE49-F238E27FC236}">
+                  <a16:creationId xmlns:a16="http://schemas.microsoft.com/office/drawing/2014/main" id="{E83A0031-18A8-47C8-A9CC-A366FA65C240}"/>
+                </a:ext>
+              </a:extLst>
+            </p:cNvPr>
+            <p:cNvSpPr/>
+            <p:nvPr/>
+          </p:nvSpPr>
+          <p:spPr>
+            <a:xfrm>
+              <a:off x="5422407" y="3929512"/>
+              <a:ext cx="276320" cy="73945"/>
+            </a:xfrm>
+            <a:prstGeom prst="roundRect">
+              <a:avLst>
+                <a:gd name="adj" fmla="val 50000"/>
+              </a:avLst>
+            </a:prstGeom>
+            <a:solidFill>
+              <a:schemeClr val="bg2">
+                <a:lumMod val="75000"/>
+              </a:schemeClr>
+            </a:solidFill>
+            <a:ln>
+              <a:solidFill>
+                <a:schemeClr val="tx1"/>
+              </a:solidFill>
+            </a:ln>
+            <a:scene3d>
+              <a:camera prst="orthographicFront">
+                <a:rot lat="18640250" lon="20440525" rev="3171800"/>
+              </a:camera>
+              <a:lightRig rig="threePt" dir="t"/>
+            </a:scene3d>
+          </p:spPr>
+          <p:style>
+            <a:lnRef idx="2">
+              <a:schemeClr val="accent1">
+                <a:shade val="50000"/>
+              </a:schemeClr>
+            </a:lnRef>
+            <a:fillRef idx="1">
+              <a:schemeClr val="accent1"/>
+            </a:fillRef>
+            <a:effectRef idx="0">
+              <a:schemeClr val="accent1"/>
+            </a:effectRef>
+            <a:fontRef idx="minor">
+              <a:schemeClr val="lt1"/>
+            </a:fontRef>
+          </p:style>
+          <p:txBody>
+            <a:bodyPr rtlCol="0" anchor="ctr"/>
+            <a:lstStyle/>
+            <a:p>
+              <a:pPr algn="ctr"/>
+              <a:endParaRPr lang="en-US"/>
+            </a:p>
+          </p:txBody>
+        </p:sp>
+        <p:sp>
+          <p:nvSpPr>
+            <p:cNvPr id="9" name="Trapezoid 8">
+              <a:extLst>
+                <a:ext uri="{FF2B5EF4-FFF2-40B4-BE49-F238E27FC236}">
+                  <a16:creationId xmlns:a16="http://schemas.microsoft.com/office/drawing/2014/main" id="{835890A3-F9AA-F917-24BB-C84298D47687}"/>
+                </a:ext>
+              </a:extLst>
+            </p:cNvPr>
+            <p:cNvSpPr/>
+            <p:nvPr/>
+          </p:nvSpPr>
+          <p:spPr>
+            <a:xfrm rot="10800000">
+              <a:off x="5263880" y="2020747"/>
+              <a:ext cx="499892" cy="2192282"/>
+            </a:xfrm>
+            <a:prstGeom prst="trapezoid">
+              <a:avLst/>
+            </a:prstGeom>
+            <a:solidFill>
+              <a:schemeClr val="accent1">
+                <a:alpha val="34000"/>
+              </a:schemeClr>
+            </a:solidFill>
+            <a:scene3d>
+              <a:camera prst="orthographicFront">
+                <a:rot lat="19200000" lon="2820000" rev="252000"/>
+              </a:camera>
+              <a:lightRig rig="threePt" dir="t"/>
+            </a:scene3d>
+          </p:spPr>
+          <p:style>
+            <a:lnRef idx="2">
+              <a:schemeClr val="accent1">
+                <a:shade val="50000"/>
+              </a:schemeClr>
+            </a:lnRef>
+            <a:fillRef idx="1">
+              <a:schemeClr val="accent1"/>
+            </a:fillRef>
+            <a:effectRef idx="0">
+              <a:schemeClr val="accent1"/>
+            </a:effectRef>
+            <a:fontRef idx="minor">
+              <a:schemeClr val="lt1"/>
+            </a:fontRef>
+          </p:style>
+          <p:txBody>
+            <a:bodyPr rtlCol="0" anchor="ctr"/>
+            <a:lstStyle/>
+            <a:p>
+              <a:pPr algn="ctr"/>
+              <a:endParaRPr lang="en-US"/>
+            </a:p>
+          </p:txBody>
+        </p:sp>
+        <p:sp>
+          <p:nvSpPr>
+            <p:cNvPr id="10" name="Cylinder 9">
+              <a:extLst>
+                <a:ext uri="{FF2B5EF4-FFF2-40B4-BE49-F238E27FC236}">
+                  <a16:creationId xmlns:a16="http://schemas.microsoft.com/office/drawing/2014/main" id="{4E482D2C-2599-7681-B74C-C50A2C56FAEC}"/>
+                </a:ext>
+              </a:extLst>
+            </p:cNvPr>
+            <p:cNvSpPr/>
+            <p:nvPr/>
+          </p:nvSpPr>
+          <p:spPr>
+            <a:xfrm>
+              <a:off x="5401864" y="4005262"/>
+              <a:ext cx="103586" cy="100011"/>
+            </a:xfrm>
+            <a:prstGeom prst="can">
+              <a:avLst/>
+            </a:prstGeom>
+            <a:solidFill>
+              <a:schemeClr val="bg1">
+                <a:lumMod val="75000"/>
+              </a:schemeClr>
+            </a:solidFill>
+            <a:ln w="15875" cap="flat" cmpd="sng" algn="ctr">
+              <a:solidFill>
+                <a:schemeClr val="dk1"/>
+              </a:solidFill>
+              <a:prstDash val="solid"/>
+              <a:round/>
+              <a:headEnd type="none" w="med" len="med"/>
+              <a:tailEnd type="none" w="med" len="med"/>
+            </a:ln>
+          </p:spPr>
+          <p:style>
+            <a:lnRef idx="0">
+              <a:scrgbClr r="0" g="0" b="0"/>
+            </a:lnRef>
+            <a:fillRef idx="0">
+              <a:scrgbClr r="0" g="0" b="0"/>
+            </a:fillRef>
+            <a:effectRef idx="0">
+              <a:scrgbClr r="0" g="0" b="0"/>
+            </a:effectRef>
+            <a:fontRef idx="minor">
+              <a:schemeClr val="dk1"/>
+            </a:fontRef>
+          </p:style>
+          <p:txBody>
+            <a:bodyPr rtlCol="0" anchor="ctr"/>
+            <a:lstStyle/>
+            <a:p>
+              <a:pPr algn="ctr"/>
+              <a:endParaRPr lang="en-US"/>
+            </a:p>
+          </p:txBody>
+        </p:sp>
+        <p:sp>
+          <p:nvSpPr>
+            <p:cNvPr id="11" name="Parallelogram 10">
+              <a:extLst>
+                <a:ext uri="{FF2B5EF4-FFF2-40B4-BE49-F238E27FC236}">
+                  <a16:creationId xmlns:a16="http://schemas.microsoft.com/office/drawing/2014/main" id="{C6B6FDC8-E945-15F8-4456-A60FBA78286C}"/>
+                </a:ext>
+              </a:extLst>
+            </p:cNvPr>
+            <p:cNvSpPr/>
+            <p:nvPr/>
+          </p:nvSpPr>
+          <p:spPr>
+            <a:xfrm rot="19458327">
+              <a:off x="5472264" y="2454297"/>
+              <a:ext cx="1274224" cy="782189"/>
+            </a:xfrm>
+            <a:prstGeom prst="parallelogram">
+              <a:avLst>
+                <a:gd name="adj" fmla="val 71531"/>
+              </a:avLst>
+            </a:prstGeom>
+            <a:solidFill>
+              <a:schemeClr val="bg2">
+                <a:lumMod val="90000"/>
+                <a:alpha val="34000"/>
+              </a:schemeClr>
+            </a:solidFill>
+            <a:ln w="19050">
+              <a:solidFill>
+                <a:schemeClr val="tx1"/>
+              </a:solidFill>
+            </a:ln>
+          </p:spPr>
+          <p:style>
+            <a:lnRef idx="2">
+              <a:schemeClr val="accent1">
+                <a:shade val="50000"/>
+              </a:schemeClr>
+            </a:lnRef>
+            <a:fillRef idx="1">
+              <a:schemeClr val="accent1"/>
+            </a:fillRef>
+            <a:effectRef idx="0">
+              <a:schemeClr val="accent1"/>
+            </a:effectRef>
+            <a:fontRef idx="minor">
+              <a:schemeClr val="lt1"/>
+            </a:fontRef>
+          </p:style>
+          <p:txBody>
+            <a:bodyPr rtlCol="0" anchor="ctr"/>
+            <a:lstStyle/>
+            <a:p>
+              <a:pPr algn="ctr"/>
+              <a:endParaRPr lang="en-US"/>
+            </a:p>
+          </p:txBody>
+        </p:sp>
+        <p:sp>
+          <p:nvSpPr>
+            <p:cNvPr id="12" name="Cylinder 11">
+              <a:extLst>
+                <a:ext uri="{FF2B5EF4-FFF2-40B4-BE49-F238E27FC236}">
+                  <a16:creationId xmlns:a16="http://schemas.microsoft.com/office/drawing/2014/main" id="{6B685E6F-EC88-BD7C-EA75-A413159A5D7C}"/>
+                </a:ext>
+              </a:extLst>
+            </p:cNvPr>
+            <p:cNvSpPr/>
+            <p:nvPr/>
+          </p:nvSpPr>
+          <p:spPr>
+            <a:xfrm rot="5400000">
+              <a:off x="7675005" y="2770841"/>
+              <a:ext cx="235187" cy="391339"/>
+            </a:xfrm>
+            <a:prstGeom prst="can">
+              <a:avLst/>
+            </a:prstGeom>
+            <a:solidFill>
+              <a:srgbClr val="AF3ECE"/>
+            </a:solidFill>
+            <a:ln>
+              <a:solidFill>
+                <a:schemeClr val="tx1"/>
+              </a:solidFill>
+            </a:ln>
+          </p:spPr>
+          <p:style>
+            <a:lnRef idx="2">
+              <a:schemeClr val="accent1">
+                <a:shade val="50000"/>
+              </a:schemeClr>
+            </a:lnRef>
+            <a:fillRef idx="1">
+              <a:schemeClr val="accent1"/>
+            </a:fillRef>
+            <a:effectRef idx="0">
+              <a:schemeClr val="accent1"/>
+            </a:effectRef>
+            <a:fontRef idx="minor">
+              <a:schemeClr val="lt1"/>
+            </a:fontRef>
+          </p:style>
+          <p:txBody>
+            <a:bodyPr rtlCol="0" anchor="ctr"/>
+            <a:lstStyle/>
+            <a:p>
+              <a:pPr algn="ctr"/>
+              <a:endParaRPr lang="en-US"/>
+            </a:p>
+          </p:txBody>
+        </p:sp>
+        <p:sp>
+          <p:nvSpPr>
+            <p:cNvPr id="13" name="Cube 12">
+              <a:extLst>
+                <a:ext uri="{FF2B5EF4-FFF2-40B4-BE49-F238E27FC236}">
+                  <a16:creationId xmlns:a16="http://schemas.microsoft.com/office/drawing/2014/main" id="{CCCD8076-710C-D585-382D-FC9A20936CE4}"/>
+                </a:ext>
+              </a:extLst>
+            </p:cNvPr>
+            <p:cNvSpPr/>
+            <p:nvPr/>
+          </p:nvSpPr>
+          <p:spPr>
+            <a:xfrm rot="27974">
+              <a:off x="7767787" y="2486408"/>
+              <a:ext cx="1120139" cy="769620"/>
+            </a:xfrm>
+            <a:prstGeom prst="cube">
+              <a:avLst>
+                <a:gd name="adj" fmla="val 31233"/>
+              </a:avLst>
+            </a:prstGeom>
+            <a:solidFill>
+              <a:srgbClr val="AF3ECE"/>
+            </a:solidFill>
+            <a:ln>
+              <a:solidFill>
+                <a:schemeClr val="tx1"/>
+              </a:solidFill>
+            </a:ln>
+          </p:spPr>
+          <p:style>
+            <a:lnRef idx="2">
+              <a:schemeClr val="accent1">
+                <a:shade val="50000"/>
+              </a:schemeClr>
+            </a:lnRef>
+            <a:fillRef idx="1">
+              <a:schemeClr val="accent1"/>
+            </a:fillRef>
+            <a:effectRef idx="0">
+              <a:schemeClr val="accent1"/>
+            </a:effectRef>
+            <a:fontRef idx="minor">
+              <a:schemeClr val="lt1"/>
+            </a:fontRef>
+          </p:style>
+          <p:txBody>
+            <a:bodyPr rtlCol="0" anchor="ctr"/>
+            <a:lstStyle/>
+            <a:p>
+              <a:pPr algn="ctr"/>
+              <a:r>
+                <a:rPr lang="en-US" sz="1600" dirty="0">
+                  <a:solidFill>
+                    <a:schemeClr val="tx1"/>
+                  </a:solidFill>
+                  <a:latin typeface="Times New Roman" panose="02020603050405020304" pitchFamily="18" charset="0"/>
+                  <a:cs typeface="Times New Roman" panose="02020603050405020304" pitchFamily="18" charset="0"/>
+                </a:rPr>
+                <a:t>PLIF</a:t>
+              </a:r>
+            </a:p>
+          </p:txBody>
+        </p:sp>
+        <p:sp>
+          <p:nvSpPr>
+            <p:cNvPr id="14" name="Cylinder 13">
+              <a:extLst>
+                <a:ext uri="{FF2B5EF4-FFF2-40B4-BE49-F238E27FC236}">
+                  <a16:creationId xmlns:a16="http://schemas.microsoft.com/office/drawing/2014/main" id="{D5819428-2BD2-B169-42CF-DABFE1586CFC}"/>
+                </a:ext>
+              </a:extLst>
+            </p:cNvPr>
+            <p:cNvSpPr/>
+            <p:nvPr/>
+          </p:nvSpPr>
+          <p:spPr>
+            <a:xfrm rot="5203317">
+              <a:off x="7772864" y="2129982"/>
+              <a:ext cx="235187" cy="391339"/>
+            </a:xfrm>
+            <a:prstGeom prst="can">
+              <a:avLst/>
+            </a:prstGeom>
+            <a:solidFill>
+              <a:schemeClr val="accent6">
+                <a:lumMod val="60000"/>
+                <a:lumOff val="40000"/>
+              </a:schemeClr>
+            </a:solidFill>
+            <a:ln>
+              <a:solidFill>
+                <a:schemeClr val="tx1"/>
+              </a:solidFill>
+            </a:ln>
+          </p:spPr>
+          <p:style>
+            <a:lnRef idx="2">
+              <a:schemeClr val="accent1">
+                <a:shade val="50000"/>
+              </a:schemeClr>
+            </a:lnRef>
+            <a:fillRef idx="1">
+              <a:schemeClr val="accent1"/>
+            </a:fillRef>
+            <a:effectRef idx="0">
+              <a:schemeClr val="accent1"/>
+            </a:effectRef>
+            <a:fontRef idx="minor">
+              <a:schemeClr val="lt1"/>
+            </a:fontRef>
+          </p:style>
+          <p:txBody>
+            <a:bodyPr rtlCol="0" anchor="ctr"/>
+            <a:lstStyle/>
+            <a:p>
+              <a:pPr algn="ctr"/>
+              <a:endParaRPr lang="en-US"/>
+            </a:p>
+          </p:txBody>
+        </p:sp>
+        <p:sp>
+          <p:nvSpPr>
+            <p:cNvPr id="15" name="Cube 14">
+              <a:extLst>
+                <a:ext uri="{FF2B5EF4-FFF2-40B4-BE49-F238E27FC236}">
+                  <a16:creationId xmlns:a16="http://schemas.microsoft.com/office/drawing/2014/main" id="{EC9CD97D-91DF-B0BD-AEC1-7ED7D07FF019}"/>
+                </a:ext>
+              </a:extLst>
+            </p:cNvPr>
+            <p:cNvSpPr/>
+            <p:nvPr/>
+          </p:nvSpPr>
+          <p:spPr>
+            <a:xfrm rot="21413671">
+              <a:off x="7933857" y="1821855"/>
+              <a:ext cx="859101" cy="769620"/>
+            </a:xfrm>
+            <a:prstGeom prst="cube">
+              <a:avLst>
+                <a:gd name="adj" fmla="val 31233"/>
+              </a:avLst>
+            </a:prstGeom>
+            <a:solidFill>
+              <a:schemeClr val="accent6">
+                <a:lumMod val="60000"/>
+                <a:lumOff val="40000"/>
+              </a:schemeClr>
+            </a:solidFill>
+            <a:ln>
+              <a:solidFill>
+                <a:schemeClr val="tx1"/>
+              </a:solidFill>
+            </a:ln>
+          </p:spPr>
+          <p:style>
+            <a:lnRef idx="2">
+              <a:schemeClr val="accent1">
+                <a:shade val="50000"/>
+              </a:schemeClr>
+            </a:lnRef>
+            <a:fillRef idx="1">
+              <a:schemeClr val="accent1"/>
+            </a:fillRef>
+            <a:effectRef idx="0">
+              <a:schemeClr val="accent1"/>
+            </a:effectRef>
+            <a:fontRef idx="minor">
+              <a:schemeClr val="lt1"/>
+            </a:fontRef>
+          </p:style>
+          <p:txBody>
+            <a:bodyPr rtlCol="0" anchor="ctr"/>
+            <a:lstStyle/>
+            <a:p>
+              <a:pPr algn="ctr"/>
+              <a:r>
+                <a:rPr lang="en-US" sz="1200" dirty="0">
+                  <a:solidFill>
+                    <a:schemeClr val="tx1"/>
+                  </a:solidFill>
+                  <a:latin typeface="Times New Roman" panose="02020603050405020304" pitchFamily="18" charset="0"/>
+                  <a:cs typeface="Times New Roman" panose="02020603050405020304" pitchFamily="18" charset="0"/>
+                </a:rPr>
+                <a:t>PIV</a:t>
+              </a:r>
+            </a:p>
+          </p:txBody>
+        </p:sp>
+        <p:cxnSp>
+          <p:nvCxnSpPr>
+            <p:cNvPr id="16" name="Straight Connector 15">
+              <a:extLst>
+                <a:ext uri="{FF2B5EF4-FFF2-40B4-BE49-F238E27FC236}">
+                  <a16:creationId xmlns:a16="http://schemas.microsoft.com/office/drawing/2014/main" id="{425F2BDF-39CC-DD0C-60D3-27B670D53671}"/>
+                </a:ext>
+              </a:extLst>
+            </p:cNvPr>
+            <p:cNvCxnSpPr>
+              <a:cxnSpLocks/>
+            </p:cNvCxnSpPr>
+            <p:nvPr/>
+          </p:nvCxnSpPr>
+          <p:spPr>
+            <a:xfrm flipV="1">
+              <a:off x="4324348" y="1309687"/>
+              <a:ext cx="0" cy="3100388"/>
+            </a:xfrm>
+            <a:prstGeom prst="line">
+              <a:avLst/>
+            </a:prstGeom>
+            <a:ln w="25400" cap="rnd">
+              <a:solidFill>
+                <a:schemeClr val="tx1"/>
+              </a:solidFill>
+            </a:ln>
+          </p:spPr>
+          <p:style>
+            <a:lnRef idx="1">
+              <a:schemeClr val="accent1"/>
+            </a:lnRef>
+            <a:fillRef idx="0">
+              <a:schemeClr val="accent1"/>
+            </a:fillRef>
+            <a:effectRef idx="0">
+              <a:schemeClr val="accent1"/>
+            </a:effectRef>
+            <a:fontRef idx="minor">
+              <a:schemeClr val="tx1"/>
+            </a:fontRef>
+          </p:style>
+        </p:cxnSp>
+        <p:cxnSp>
+          <p:nvCxnSpPr>
+            <p:cNvPr id="17" name="Straight Connector 16">
+              <a:extLst>
+                <a:ext uri="{FF2B5EF4-FFF2-40B4-BE49-F238E27FC236}">
+                  <a16:creationId xmlns:a16="http://schemas.microsoft.com/office/drawing/2014/main" id="{ED1629D5-3092-BB3B-AE6F-5112C572535F}"/>
+                </a:ext>
+              </a:extLst>
+            </p:cNvPr>
+            <p:cNvCxnSpPr>
+              <a:cxnSpLocks/>
+            </p:cNvCxnSpPr>
+            <p:nvPr/>
+          </p:nvCxnSpPr>
+          <p:spPr>
+            <a:xfrm flipV="1">
+              <a:off x="5721348" y="1309687"/>
+              <a:ext cx="0" cy="3100388"/>
+            </a:xfrm>
+            <a:prstGeom prst="line">
+              <a:avLst/>
+            </a:prstGeom>
+            <a:ln w="25400" cap="rnd">
+              <a:solidFill>
+                <a:schemeClr val="tx1"/>
+              </a:solidFill>
+            </a:ln>
+          </p:spPr>
+          <p:style>
+            <a:lnRef idx="1">
+              <a:schemeClr val="accent1"/>
+            </a:lnRef>
+            <a:fillRef idx="0">
+              <a:schemeClr val="accent1"/>
+            </a:fillRef>
+            <a:effectRef idx="0">
+              <a:schemeClr val="accent1"/>
+            </a:effectRef>
+            <a:fontRef idx="minor">
+              <a:schemeClr val="tx1"/>
+            </a:fontRef>
+          </p:style>
+        </p:cxnSp>
+        <p:cxnSp>
+          <p:nvCxnSpPr>
+            <p:cNvPr id="18" name="Straight Connector 17">
+              <a:extLst>
+                <a:ext uri="{FF2B5EF4-FFF2-40B4-BE49-F238E27FC236}">
+                  <a16:creationId xmlns:a16="http://schemas.microsoft.com/office/drawing/2014/main" id="{55E14CAF-82F4-6521-4661-810C06843600}"/>
+                </a:ext>
+              </a:extLst>
+            </p:cNvPr>
+            <p:cNvCxnSpPr>
+              <a:cxnSpLocks/>
+            </p:cNvCxnSpPr>
+            <p:nvPr/>
+          </p:nvCxnSpPr>
+          <p:spPr>
+            <a:xfrm flipV="1">
+              <a:off x="6479379" y="747712"/>
+              <a:ext cx="0" cy="3100388"/>
+            </a:xfrm>
+            <a:prstGeom prst="line">
+              <a:avLst/>
+            </a:prstGeom>
+            <a:ln w="25400" cap="rnd">
+              <a:solidFill>
+                <a:schemeClr val="tx1"/>
+              </a:solidFill>
+            </a:ln>
+          </p:spPr>
+          <p:style>
+            <a:lnRef idx="1">
+              <a:schemeClr val="accent1"/>
+            </a:lnRef>
+            <a:fillRef idx="0">
+              <a:schemeClr val="accent1"/>
+            </a:fillRef>
+            <a:effectRef idx="0">
+              <a:schemeClr val="accent1"/>
+            </a:effectRef>
+            <a:fontRef idx="minor">
+              <a:schemeClr val="tx1"/>
+            </a:fontRef>
+          </p:style>
+        </p:cxnSp>
+        <p:cxnSp>
+          <p:nvCxnSpPr>
+            <p:cNvPr id="19" name="Straight Connector 18">
+              <a:extLst>
+                <a:ext uri="{FF2B5EF4-FFF2-40B4-BE49-F238E27FC236}">
+                  <a16:creationId xmlns:a16="http://schemas.microsoft.com/office/drawing/2014/main" id="{BF69643C-592D-EA4E-3566-92A4E2C37FC2}"/>
+                </a:ext>
+              </a:extLst>
+            </p:cNvPr>
+            <p:cNvCxnSpPr>
+              <a:cxnSpLocks/>
+            </p:cNvCxnSpPr>
+            <p:nvPr/>
+          </p:nvCxnSpPr>
+          <p:spPr>
+            <a:xfrm flipV="1">
+              <a:off x="5088729" y="747712"/>
+              <a:ext cx="0" cy="3100388"/>
+            </a:xfrm>
+            <a:prstGeom prst="line">
+              <a:avLst/>
+            </a:prstGeom>
+            <a:ln w="25400" cap="rnd">
+              <a:solidFill>
+                <a:schemeClr val="tx1"/>
+              </a:solidFill>
+            </a:ln>
+          </p:spPr>
+          <p:style>
+            <a:lnRef idx="1">
+              <a:schemeClr val="accent1"/>
+            </a:lnRef>
+            <a:fillRef idx="0">
+              <a:schemeClr val="accent1"/>
+            </a:fillRef>
+            <a:effectRef idx="0">
+              <a:schemeClr val="accent1"/>
+            </a:effectRef>
+            <a:fontRef idx="minor">
+              <a:schemeClr val="tx1"/>
+            </a:fontRef>
+          </p:style>
+        </p:cxnSp>
+        <p:grpSp>
+          <p:nvGrpSpPr>
+            <p:cNvPr id="20" name="Group 19">
+              <a:extLst>
+                <a:ext uri="{FF2B5EF4-FFF2-40B4-BE49-F238E27FC236}">
+                  <a16:creationId xmlns:a16="http://schemas.microsoft.com/office/drawing/2014/main" id="{BAB8C843-5F0F-1563-FBC0-4CFE4AFA3D4D}"/>
+                </a:ext>
+              </a:extLst>
+            </p:cNvPr>
+            <p:cNvGrpSpPr/>
+            <p:nvPr/>
+          </p:nvGrpSpPr>
+          <p:grpSpPr>
+            <a:xfrm>
+              <a:off x="5321527" y="2734538"/>
+              <a:ext cx="292435" cy="408932"/>
+              <a:chOff x="7008618" y="3200642"/>
+              <a:chExt cx="292435" cy="408932"/>
+            </a:xfrm>
+            <a:scene3d>
+              <a:camera prst="orthographicFront">
+                <a:rot lat="1500000" lon="18299977" rev="0"/>
+              </a:camera>
+              <a:lightRig rig="threePt" dir="t"/>
+            </a:scene3d>
+          </p:grpSpPr>
+          <p:grpSp>
+            <p:nvGrpSpPr>
+              <p:cNvPr id="32" name="Group 31">
+                <a:extLst>
+                  <a:ext uri="{FF2B5EF4-FFF2-40B4-BE49-F238E27FC236}">
+                    <a16:creationId xmlns:a16="http://schemas.microsoft.com/office/drawing/2014/main" id="{1A8E5F9C-600F-7F48-8DE0-0FA6DE800D07}"/>
+                  </a:ext>
+                </a:extLst>
+              </p:cNvPr>
+              <p:cNvGrpSpPr/>
+              <p:nvPr/>
+            </p:nvGrpSpPr>
+            <p:grpSpPr>
+              <a:xfrm>
+                <a:off x="7008618" y="3200642"/>
+                <a:ext cx="292435" cy="408932"/>
+                <a:chOff x="509990" y="1266062"/>
+                <a:chExt cx="3555060" cy="3465304"/>
+              </a:xfrm>
+            </p:grpSpPr>
+            <p:sp>
+              <p:nvSpPr>
+                <p:cNvPr id="35" name="Oval 34">
+                  <a:extLst>
+                    <a:ext uri="{FF2B5EF4-FFF2-40B4-BE49-F238E27FC236}">
+                      <a16:creationId xmlns:a16="http://schemas.microsoft.com/office/drawing/2014/main" id="{302B7A22-F8A1-5FB2-09C3-2E010DC02E84}"/>
+                    </a:ext>
+                  </a:extLst>
+                </p:cNvPr>
+                <p:cNvSpPr/>
+                <p:nvPr/>
+              </p:nvSpPr>
+              <p:spPr>
+                <a:xfrm>
+                  <a:off x="1219166" y="1868312"/>
+                  <a:ext cx="2202974" cy="621477"/>
+                </a:xfrm>
+                <a:prstGeom prst="ellipse">
+                  <a:avLst/>
+                </a:prstGeom>
+                <a:noFill/>
+                <a:ln w="28575">
+                  <a:solidFill>
+                    <a:schemeClr val="accent1">
+                      <a:lumMod val="75000"/>
+                    </a:schemeClr>
+                  </a:solidFill>
+                </a:ln>
+                <a:effectLst/>
+              </p:spPr>
+              <p:style>
+                <a:lnRef idx="2">
+                  <a:schemeClr val="accent1">
+                    <a:shade val="50000"/>
+                  </a:schemeClr>
+                </a:lnRef>
+                <a:fillRef idx="1">
+                  <a:schemeClr val="accent1"/>
+                </a:fillRef>
+                <a:effectRef idx="0">
+                  <a:schemeClr val="accent1"/>
+                </a:effectRef>
+                <a:fontRef idx="minor">
+                  <a:schemeClr val="lt1"/>
+                </a:fontRef>
+              </p:style>
+              <p:txBody>
+                <a:bodyPr rtlCol="0" anchor="ctr"/>
+                <a:lstStyle/>
+                <a:p>
+                  <a:pPr algn="ctr"/>
+                  <a:endParaRPr lang="en-US"/>
+                </a:p>
+              </p:txBody>
+            </p:sp>
+            <p:sp>
+              <p:nvSpPr>
+                <p:cNvPr id="36" name="Double Wave 35">
+                  <a:extLst>
+                    <a:ext uri="{FF2B5EF4-FFF2-40B4-BE49-F238E27FC236}">
+                      <a16:creationId xmlns:a16="http://schemas.microsoft.com/office/drawing/2014/main" id="{AFCE6289-184E-F022-DC38-E220B35E523C}"/>
+                    </a:ext>
+                  </a:extLst>
+                </p:cNvPr>
+                <p:cNvSpPr/>
+                <p:nvPr/>
+              </p:nvSpPr>
+              <p:spPr>
+                <a:xfrm rot="16200000">
+                  <a:off x="1215474" y="3266878"/>
+                  <a:ext cx="1747446" cy="1181529"/>
+                </a:xfrm>
+                <a:prstGeom prst="doubleWave">
+                  <a:avLst>
+                    <a:gd name="adj1" fmla="val 12500"/>
+                    <a:gd name="adj2" fmla="val -3273"/>
+                  </a:avLst>
+                </a:prstGeom>
+                <a:solidFill>
+                  <a:schemeClr val="accent1">
+                    <a:alpha val="20000"/>
+                  </a:schemeClr>
+                </a:solidFill>
+                <a:ln>
+                  <a:noFill/>
+                </a:ln>
+              </p:spPr>
+              <p:style>
+                <a:lnRef idx="0">
+                  <a:scrgbClr r="0" g="0" b="0"/>
+                </a:lnRef>
+                <a:fillRef idx="0">
+                  <a:scrgbClr r="0" g="0" b="0"/>
+                </a:fillRef>
+                <a:effectRef idx="0">
+                  <a:scrgbClr r="0" g="0" b="0"/>
+                </a:effectRef>
+                <a:fontRef idx="minor">
+                  <a:schemeClr val="lt1"/>
+                </a:fontRef>
+              </p:style>
+              <p:txBody>
+                <a:bodyPr rtlCol="0" anchor="ctr"/>
+                <a:lstStyle/>
+                <a:p>
+                  <a:pPr algn="ctr"/>
+                  <a:endParaRPr lang="en-US"/>
+                </a:p>
+              </p:txBody>
+            </p:sp>
+            <p:sp>
+              <p:nvSpPr>
+                <p:cNvPr id="37" name="Double Wave 36">
+                  <a:extLst>
+                    <a:ext uri="{FF2B5EF4-FFF2-40B4-BE49-F238E27FC236}">
+                      <a16:creationId xmlns:a16="http://schemas.microsoft.com/office/drawing/2014/main" id="{153A5186-8FB3-9723-FC4E-3E67C3A44B5C}"/>
+                    </a:ext>
+                  </a:extLst>
+                </p:cNvPr>
+                <p:cNvSpPr/>
+                <p:nvPr/>
+              </p:nvSpPr>
+              <p:spPr>
+                <a:xfrm rot="16392048">
+                  <a:off x="1762578" y="3252162"/>
+                  <a:ext cx="1685503" cy="1156492"/>
+                </a:xfrm>
+                <a:prstGeom prst="doubleWave">
+                  <a:avLst>
+                    <a:gd name="adj1" fmla="val 12500"/>
+                    <a:gd name="adj2" fmla="val 803"/>
+                  </a:avLst>
+                </a:prstGeom>
+                <a:solidFill>
+                  <a:schemeClr val="accent1">
+                    <a:alpha val="20000"/>
+                  </a:schemeClr>
+                </a:solidFill>
+                <a:ln>
+                  <a:noFill/>
+                </a:ln>
+              </p:spPr>
+              <p:style>
+                <a:lnRef idx="0">
+                  <a:scrgbClr r="0" g="0" b="0"/>
+                </a:lnRef>
+                <a:fillRef idx="0">
+                  <a:scrgbClr r="0" g="0" b="0"/>
+                </a:fillRef>
+                <a:effectRef idx="0">
+                  <a:scrgbClr r="0" g="0" b="0"/>
+                </a:effectRef>
+                <a:fontRef idx="minor">
+                  <a:schemeClr val="lt1"/>
+                </a:fontRef>
+              </p:style>
+              <p:txBody>
+                <a:bodyPr rtlCol="0" anchor="ctr"/>
+                <a:lstStyle/>
+                <a:p>
+                  <a:pPr algn="ctr"/>
+                  <a:endParaRPr lang="en-US"/>
+                </a:p>
+              </p:txBody>
+            </p:sp>
+            <p:sp>
+              <p:nvSpPr>
+                <p:cNvPr id="38" name="Double Wave 37">
+                  <a:extLst>
+                    <a:ext uri="{FF2B5EF4-FFF2-40B4-BE49-F238E27FC236}">
+                      <a16:creationId xmlns:a16="http://schemas.microsoft.com/office/drawing/2014/main" id="{8DFC4F56-06B3-07B4-3F87-46680DA2B715}"/>
+                    </a:ext>
+                  </a:extLst>
+                </p:cNvPr>
+                <p:cNvSpPr/>
+                <p:nvPr/>
+              </p:nvSpPr>
+              <p:spPr>
+                <a:xfrm rot="5400000">
+                  <a:off x="1470258" y="3475603"/>
+                  <a:ext cx="1590710" cy="833026"/>
+                </a:xfrm>
+                <a:prstGeom prst="doubleWave">
+                  <a:avLst/>
+                </a:prstGeom>
+                <a:solidFill>
+                  <a:schemeClr val="accent1">
+                    <a:alpha val="20000"/>
+                  </a:schemeClr>
+                </a:solidFill>
+                <a:ln>
+                  <a:noFill/>
+                </a:ln>
+              </p:spPr>
+              <p:style>
+                <a:lnRef idx="0">
+                  <a:scrgbClr r="0" g="0" b="0"/>
+                </a:lnRef>
+                <a:fillRef idx="0">
+                  <a:scrgbClr r="0" g="0" b="0"/>
+                </a:fillRef>
+                <a:effectRef idx="0">
+                  <a:scrgbClr r="0" g="0" b="0"/>
+                </a:effectRef>
+                <a:fontRef idx="minor">
+                  <a:schemeClr val="lt1"/>
+                </a:fontRef>
+              </p:style>
+              <p:txBody>
+                <a:bodyPr rtlCol="0" anchor="ctr"/>
+                <a:lstStyle/>
+                <a:p>
+                  <a:pPr algn="ctr"/>
+                  <a:endParaRPr lang="en-US"/>
+                </a:p>
+              </p:txBody>
+            </p:sp>
+            <p:sp>
+              <p:nvSpPr>
+                <p:cNvPr id="39" name="Oval 38">
+                  <a:extLst>
+                    <a:ext uri="{FF2B5EF4-FFF2-40B4-BE49-F238E27FC236}">
+                      <a16:creationId xmlns:a16="http://schemas.microsoft.com/office/drawing/2014/main" id="{B83E9B7E-BDBA-CFAE-CA21-85BD501DA671}"/>
+                    </a:ext>
+                  </a:extLst>
+                </p:cNvPr>
+                <p:cNvSpPr/>
+                <p:nvPr/>
+              </p:nvSpPr>
+              <p:spPr>
+                <a:xfrm>
+                  <a:off x="509990" y="1266062"/>
+                  <a:ext cx="3555060" cy="1770166"/>
+                </a:xfrm>
+                <a:prstGeom prst="ellipse">
+                  <a:avLst/>
+                </a:prstGeom>
+                <a:solidFill>
+                  <a:schemeClr val="accent1">
+                    <a:lumMod val="40000"/>
+                    <a:lumOff val="60000"/>
+                  </a:schemeClr>
+                </a:solidFill>
+              </p:spPr>
+              <p:style>
+                <a:lnRef idx="2">
+                  <a:schemeClr val="accent1">
+                    <a:shade val="50000"/>
+                  </a:schemeClr>
+                </a:lnRef>
+                <a:fillRef idx="1">
+                  <a:schemeClr val="accent1"/>
+                </a:fillRef>
+                <a:effectRef idx="0">
+                  <a:schemeClr val="accent1"/>
+                </a:effectRef>
+                <a:fontRef idx="minor">
+                  <a:schemeClr val="lt1"/>
+                </a:fontRef>
+              </p:style>
+              <p:txBody>
+                <a:bodyPr rtlCol="0" anchor="ctr"/>
+                <a:lstStyle/>
+                <a:p>
+                  <a:pPr algn="ctr"/>
+                  <a:endParaRPr lang="en-US" dirty="0"/>
+                </a:p>
+              </p:txBody>
+            </p:sp>
+          </p:grpSp>
+          <p:sp>
+            <p:nvSpPr>
+              <p:cNvPr id="33" name="Oval 32">
+                <a:extLst>
+                  <a:ext uri="{FF2B5EF4-FFF2-40B4-BE49-F238E27FC236}">
+                    <a16:creationId xmlns:a16="http://schemas.microsoft.com/office/drawing/2014/main" id="{F28AC586-28E1-6EAC-CA1A-013BF0A9E921}"/>
+                  </a:ext>
+                </a:extLst>
+              </p:cNvPr>
+              <p:cNvSpPr/>
+              <p:nvPr/>
+            </p:nvSpPr>
+            <p:spPr>
+              <a:xfrm>
+                <a:off x="7216322" y="3280111"/>
+                <a:ext cx="45719" cy="45719"/>
+              </a:xfrm>
+              <a:prstGeom prst="ellipse">
+                <a:avLst/>
+              </a:prstGeom>
+            </p:spPr>
+            <p:style>
+              <a:lnRef idx="2">
+                <a:schemeClr val="accent1">
+                  <a:shade val="50000"/>
+                </a:schemeClr>
+              </a:lnRef>
+              <a:fillRef idx="1">
+                <a:schemeClr val="accent1"/>
+              </a:fillRef>
+              <a:effectRef idx="0">
+                <a:schemeClr val="accent1"/>
+              </a:effectRef>
+              <a:fontRef idx="minor">
+                <a:schemeClr val="lt1"/>
+              </a:fontRef>
+            </p:style>
+            <p:txBody>
+              <a:bodyPr rtlCol="0" anchor="ctr"/>
+              <a:lstStyle/>
+              <a:p>
+                <a:pPr algn="ctr"/>
+                <a:endParaRPr lang="en-US"/>
+              </a:p>
+            </p:txBody>
+          </p:sp>
+          <p:sp>
+            <p:nvSpPr>
+              <p:cNvPr id="34" name="Oval 33">
+                <a:extLst>
+                  <a:ext uri="{FF2B5EF4-FFF2-40B4-BE49-F238E27FC236}">
+                    <a16:creationId xmlns:a16="http://schemas.microsoft.com/office/drawing/2014/main" id="{5D6524C3-D4F8-9E05-CEA9-BAB93FF4615E}"/>
+                  </a:ext>
+                </a:extLst>
+              </p:cNvPr>
+              <p:cNvSpPr/>
+              <p:nvPr/>
+            </p:nvSpPr>
+            <p:spPr>
+              <a:xfrm>
+                <a:off x="7052642" y="3280044"/>
+                <a:ext cx="45719" cy="45719"/>
+              </a:xfrm>
+              <a:prstGeom prst="ellipse">
+                <a:avLst/>
+              </a:prstGeom>
+            </p:spPr>
+            <p:style>
+              <a:lnRef idx="2">
+                <a:schemeClr val="accent1">
+                  <a:shade val="50000"/>
+                </a:schemeClr>
+              </a:lnRef>
+              <a:fillRef idx="1">
+                <a:schemeClr val="accent1"/>
+              </a:fillRef>
+              <a:effectRef idx="0">
+                <a:schemeClr val="accent1"/>
+              </a:effectRef>
+              <a:fontRef idx="minor">
+                <a:schemeClr val="lt1"/>
+              </a:fontRef>
+            </p:style>
+            <p:txBody>
+              <a:bodyPr rtlCol="0" anchor="ctr"/>
+              <a:lstStyle/>
+              <a:p>
+                <a:pPr algn="ctr"/>
+                <a:endParaRPr lang="en-US"/>
+              </a:p>
+            </p:txBody>
+          </p:sp>
+        </p:grpSp>
+        <p:sp>
+          <p:nvSpPr>
+            <p:cNvPr id="21" name="Oval 20">
+              <a:extLst>
+                <a:ext uri="{FF2B5EF4-FFF2-40B4-BE49-F238E27FC236}">
+                  <a16:creationId xmlns:a16="http://schemas.microsoft.com/office/drawing/2014/main" id="{FB4E2F90-3D75-A7D2-671C-619125BEBB42}"/>
+                </a:ext>
+              </a:extLst>
+            </p:cNvPr>
+            <p:cNvSpPr/>
+            <p:nvPr/>
+          </p:nvSpPr>
+          <p:spPr>
+            <a:xfrm rot="20678128">
+              <a:off x="5322134" y="2739768"/>
+              <a:ext cx="299995" cy="214496"/>
+            </a:xfrm>
+            <a:prstGeom prst="ellipse">
+              <a:avLst/>
+            </a:prstGeom>
+            <a:solidFill>
+              <a:schemeClr val="accent1">
+                <a:alpha val="14000"/>
+              </a:schemeClr>
+            </a:solidFill>
+            <a:ln>
+              <a:noFill/>
+            </a:ln>
+          </p:spPr>
+          <p:style>
+            <a:lnRef idx="2">
+              <a:schemeClr val="accent1">
+                <a:shade val="50000"/>
+              </a:schemeClr>
+            </a:lnRef>
+            <a:fillRef idx="1">
+              <a:schemeClr val="accent1"/>
+            </a:fillRef>
+            <a:effectRef idx="0">
+              <a:schemeClr val="accent1"/>
+            </a:effectRef>
+            <a:fontRef idx="minor">
+              <a:schemeClr val="lt1"/>
+            </a:fontRef>
+          </p:style>
+          <p:txBody>
+            <a:bodyPr rtlCol="0" anchor="ctr"/>
+            <a:lstStyle/>
+            <a:p>
+              <a:pPr algn="ctr"/>
+              <a:endParaRPr lang="en-US"/>
+            </a:p>
+          </p:txBody>
+        </p:sp>
+        <p:sp>
+          <p:nvSpPr>
+            <p:cNvPr id="22" name="Parallelogram 21">
+              <a:extLst>
+                <a:ext uri="{FF2B5EF4-FFF2-40B4-BE49-F238E27FC236}">
+                  <a16:creationId xmlns:a16="http://schemas.microsoft.com/office/drawing/2014/main" id="{2587A1B0-2D67-69A8-8290-3892B07D8554}"/>
+                </a:ext>
+              </a:extLst>
+            </p:cNvPr>
+            <p:cNvSpPr/>
+            <p:nvPr/>
+          </p:nvSpPr>
+          <p:spPr>
+            <a:xfrm>
+              <a:off x="4324348" y="745331"/>
+              <a:ext cx="2155031" cy="561975"/>
+            </a:xfrm>
+            <a:prstGeom prst="parallelogram">
+              <a:avLst>
+                <a:gd name="adj" fmla="val 134722"/>
+              </a:avLst>
+            </a:prstGeom>
+            <a:noFill/>
+            <a:ln w="19050" cap="flat" cmpd="sng" algn="ctr">
+              <a:solidFill>
+                <a:schemeClr val="dk1"/>
+              </a:solidFill>
+              <a:prstDash val="solid"/>
+              <a:round/>
+              <a:headEnd type="none" w="med" len="med"/>
+              <a:tailEnd type="none" w="med" len="med"/>
+            </a:ln>
+          </p:spPr>
+          <p:style>
+            <a:lnRef idx="0">
+              <a:scrgbClr r="0" g="0" b="0"/>
+            </a:lnRef>
+            <a:fillRef idx="0">
+              <a:scrgbClr r="0" g="0" b="0"/>
+            </a:fillRef>
+            <a:effectRef idx="0">
+              <a:scrgbClr r="0" g="0" b="0"/>
+            </a:effectRef>
+            <a:fontRef idx="minor">
+              <a:schemeClr val="dk1"/>
+            </a:fontRef>
+          </p:style>
+          <p:txBody>
+            <a:bodyPr rtlCol="0" anchor="ctr"/>
+            <a:lstStyle/>
+            <a:p>
+              <a:pPr algn="ctr"/>
+              <a:endParaRPr lang="en-US"/>
+            </a:p>
+          </p:txBody>
+        </p:sp>
+        <p:sp>
+          <p:nvSpPr>
+            <p:cNvPr id="23" name="TextBox 22">
+              <a:extLst>
+                <a:ext uri="{FF2B5EF4-FFF2-40B4-BE49-F238E27FC236}">
+                  <a16:creationId xmlns:a16="http://schemas.microsoft.com/office/drawing/2014/main" id="{0D631430-9299-82E9-5984-CC72A0F587AB}"/>
+                </a:ext>
+              </a:extLst>
+            </p:cNvPr>
+            <p:cNvSpPr txBox="1"/>
+            <p:nvPr/>
+          </p:nvSpPr>
+          <p:spPr>
+            <a:xfrm>
+              <a:off x="5733505" y="4901981"/>
+              <a:ext cx="2506332" cy="860907"/>
+            </a:xfrm>
+            <a:prstGeom prst="rect">
+              <a:avLst/>
+            </a:prstGeom>
+            <a:noFill/>
+          </p:spPr>
+          <p:txBody>
+            <a:bodyPr wrap="square">
+              <a:spAutoFit/>
+            </a:bodyPr>
+            <a:lstStyle/>
+            <a:p>
+              <a:r>
+                <a:rPr lang="en-US" sz="1800" dirty="0">
+                  <a:solidFill>
+                    <a:schemeClr val="tx1"/>
+                  </a:solidFill>
+                  <a:latin typeface="Times New Roman" panose="02020603050405020304" pitchFamily="18" charset="0"/>
+                  <a:cs typeface="Times New Roman" panose="02020603050405020304" pitchFamily="18" charset="0"/>
+                </a:rPr>
+                <a:t>Vortex ring</a:t>
+              </a:r>
+            </a:p>
+            <a:p>
+              <a:r>
+                <a:rPr lang="en-US" sz="1800" dirty="0">
+                  <a:solidFill>
+                    <a:schemeClr val="tx1"/>
+                  </a:solidFill>
+                  <a:latin typeface="Times New Roman" panose="02020603050405020304" pitchFamily="18" charset="0"/>
+                  <a:cs typeface="Times New Roman" panose="02020603050405020304" pitchFamily="18" charset="0"/>
+                </a:rPr>
+                <a:t>generator</a:t>
+              </a:r>
+              <a:endParaRPr lang="en-US" dirty="0">
+                <a:latin typeface="Times New Roman" panose="02020603050405020304" pitchFamily="18" charset="0"/>
+                <a:cs typeface="Times New Roman" panose="02020603050405020304" pitchFamily="18" charset="0"/>
+              </a:endParaRPr>
+            </a:p>
+          </p:txBody>
+        </p:sp>
+        <p:sp>
+          <p:nvSpPr>
+            <p:cNvPr id="24" name="TextBox 23">
+              <a:extLst>
+                <a:ext uri="{FF2B5EF4-FFF2-40B4-BE49-F238E27FC236}">
+                  <a16:creationId xmlns:a16="http://schemas.microsoft.com/office/drawing/2014/main" id="{1DA48C05-1490-8756-1700-5E4E8CF2C56A}"/>
+                </a:ext>
+              </a:extLst>
+            </p:cNvPr>
+            <p:cNvSpPr txBox="1"/>
+            <p:nvPr/>
+          </p:nvSpPr>
+          <p:spPr>
+            <a:xfrm>
+              <a:off x="7446663" y="936967"/>
+              <a:ext cx="1302989" cy="860908"/>
+            </a:xfrm>
+            <a:prstGeom prst="rect">
+              <a:avLst/>
+            </a:prstGeom>
+            <a:noFill/>
+          </p:spPr>
+          <p:txBody>
+            <a:bodyPr wrap="square">
+              <a:spAutoFit/>
+            </a:bodyPr>
+            <a:lstStyle/>
+            <a:p>
+              <a:r>
+                <a:rPr lang="en-US" sz="1800" dirty="0">
+                  <a:solidFill>
+                    <a:schemeClr val="tx1"/>
+                  </a:solidFill>
+                  <a:latin typeface="Times New Roman" panose="02020603050405020304" pitchFamily="18" charset="0"/>
+                  <a:cs typeface="Times New Roman" panose="02020603050405020304" pitchFamily="18" charset="0"/>
+                </a:rPr>
+                <a:t>Imaging window</a:t>
+              </a:r>
+              <a:endParaRPr lang="en-US" dirty="0">
+                <a:latin typeface="Times New Roman" panose="02020603050405020304" pitchFamily="18" charset="0"/>
+                <a:cs typeface="Times New Roman" panose="02020603050405020304" pitchFamily="18" charset="0"/>
+              </a:endParaRPr>
+            </a:p>
+          </p:txBody>
+        </p:sp>
+        <p:cxnSp>
+          <p:nvCxnSpPr>
+            <p:cNvPr id="25" name="Straight Connector 24">
+              <a:extLst>
+                <a:ext uri="{FF2B5EF4-FFF2-40B4-BE49-F238E27FC236}">
+                  <a16:creationId xmlns:a16="http://schemas.microsoft.com/office/drawing/2014/main" id="{7B7DFB45-E65C-6C35-05D3-0B68E33E9679}"/>
+                </a:ext>
+              </a:extLst>
+            </p:cNvPr>
+            <p:cNvCxnSpPr>
+              <a:cxnSpLocks/>
+            </p:cNvCxnSpPr>
+            <p:nvPr/>
+          </p:nvCxnSpPr>
+          <p:spPr>
+            <a:xfrm flipV="1">
+              <a:off x="6272492" y="1274198"/>
+              <a:ext cx="1010539" cy="1128449"/>
+            </a:xfrm>
+            <a:prstGeom prst="line">
+              <a:avLst/>
+            </a:prstGeom>
+            <a:ln w="12700" cap="rnd">
+              <a:solidFill>
+                <a:schemeClr val="tx1"/>
+              </a:solidFill>
+              <a:headEnd type="oval" w="sm" len="sm"/>
+            </a:ln>
+          </p:spPr>
+          <p:style>
+            <a:lnRef idx="1">
+              <a:schemeClr val="accent1"/>
+            </a:lnRef>
+            <a:fillRef idx="0">
+              <a:schemeClr val="accent1"/>
+            </a:fillRef>
+            <a:effectRef idx="0">
+              <a:schemeClr val="accent1"/>
+            </a:effectRef>
+            <a:fontRef idx="minor">
+              <a:schemeClr val="tx1"/>
+            </a:fontRef>
+          </p:style>
+        </p:cxnSp>
+        <p:cxnSp>
+          <p:nvCxnSpPr>
+            <p:cNvPr id="26" name="Straight Connector 25">
+              <a:extLst>
+                <a:ext uri="{FF2B5EF4-FFF2-40B4-BE49-F238E27FC236}">
+                  <a16:creationId xmlns:a16="http://schemas.microsoft.com/office/drawing/2014/main" id="{1D10E35B-15FC-1415-08CB-1CB97828C46A}"/>
+                </a:ext>
+              </a:extLst>
+            </p:cNvPr>
+            <p:cNvCxnSpPr>
+              <a:cxnSpLocks/>
+            </p:cNvCxnSpPr>
+            <p:nvPr/>
+          </p:nvCxnSpPr>
+          <p:spPr>
+            <a:xfrm flipV="1">
+              <a:off x="7282595" y="1274101"/>
+              <a:ext cx="198438" cy="2383"/>
+            </a:xfrm>
+            <a:prstGeom prst="line">
+              <a:avLst/>
+            </a:prstGeom>
+            <a:ln cap="rnd"/>
+          </p:spPr>
+          <p:style>
+            <a:lnRef idx="2">
+              <a:schemeClr val="dk1"/>
+            </a:lnRef>
+            <a:fillRef idx="0">
+              <a:schemeClr val="dk1"/>
+            </a:fillRef>
+            <a:effectRef idx="1">
+              <a:schemeClr val="dk1"/>
+            </a:effectRef>
+            <a:fontRef idx="minor">
+              <a:schemeClr val="tx1"/>
+            </a:fontRef>
+          </p:style>
+        </p:cxnSp>
+        <p:sp>
+          <p:nvSpPr>
+            <p:cNvPr id="27" name="TextBox 26">
+              <a:extLst>
+                <a:ext uri="{FF2B5EF4-FFF2-40B4-BE49-F238E27FC236}">
+                  <a16:creationId xmlns:a16="http://schemas.microsoft.com/office/drawing/2014/main" id="{23F39C12-5006-87CB-E03F-FFFBF45AB04B}"/>
+                </a:ext>
+              </a:extLst>
+            </p:cNvPr>
+            <p:cNvSpPr txBox="1"/>
+            <p:nvPr/>
+          </p:nvSpPr>
+          <p:spPr>
+            <a:xfrm>
+              <a:off x="6967406" y="4000153"/>
+              <a:ext cx="1782245" cy="491947"/>
+            </a:xfrm>
+            <a:prstGeom prst="rect">
+              <a:avLst/>
+            </a:prstGeom>
+            <a:noFill/>
+          </p:spPr>
+          <p:txBody>
+            <a:bodyPr wrap="square">
+              <a:spAutoFit/>
+            </a:bodyPr>
+            <a:lstStyle/>
+            <a:p>
+              <a:r>
+                <a:rPr lang="en-US" sz="1800" dirty="0">
+                  <a:solidFill>
+                    <a:schemeClr val="tx1"/>
+                  </a:solidFill>
+                  <a:latin typeface="Times New Roman" panose="02020603050405020304" pitchFamily="18" charset="0"/>
+                  <a:cs typeface="Times New Roman" panose="02020603050405020304" pitchFamily="18" charset="0"/>
+                </a:rPr>
+                <a:t>Laser sheet</a:t>
+              </a:r>
+            </a:p>
+          </p:txBody>
+        </p:sp>
+        <p:cxnSp>
+          <p:nvCxnSpPr>
+            <p:cNvPr id="28" name="Straight Connector 27">
+              <a:extLst>
+                <a:ext uri="{FF2B5EF4-FFF2-40B4-BE49-F238E27FC236}">
+                  <a16:creationId xmlns:a16="http://schemas.microsoft.com/office/drawing/2014/main" id="{30199DAB-32B4-7A70-63CA-D421A3153477}"/>
+                </a:ext>
+              </a:extLst>
+            </p:cNvPr>
+            <p:cNvCxnSpPr>
+              <a:cxnSpLocks/>
+            </p:cNvCxnSpPr>
+            <p:nvPr/>
+          </p:nvCxnSpPr>
+          <p:spPr>
+            <a:xfrm>
+              <a:off x="5546932" y="3625320"/>
+              <a:ext cx="1233912" cy="576060"/>
+            </a:xfrm>
+            <a:prstGeom prst="line">
+              <a:avLst/>
+            </a:prstGeom>
+            <a:ln w="12700" cap="rnd">
+              <a:solidFill>
+                <a:schemeClr val="tx1"/>
+              </a:solidFill>
+              <a:headEnd type="oval" w="sm" len="sm"/>
+            </a:ln>
+          </p:spPr>
+          <p:style>
+            <a:lnRef idx="1">
+              <a:schemeClr val="accent1"/>
+            </a:lnRef>
+            <a:fillRef idx="0">
+              <a:schemeClr val="accent1"/>
+            </a:fillRef>
+            <a:effectRef idx="0">
+              <a:schemeClr val="accent1"/>
+            </a:effectRef>
+            <a:fontRef idx="minor">
+              <a:schemeClr val="tx1"/>
+            </a:fontRef>
+          </p:style>
+        </p:cxnSp>
+        <p:cxnSp>
+          <p:nvCxnSpPr>
+            <p:cNvPr id="29" name="Straight Connector 28">
+              <a:extLst>
+                <a:ext uri="{FF2B5EF4-FFF2-40B4-BE49-F238E27FC236}">
+                  <a16:creationId xmlns:a16="http://schemas.microsoft.com/office/drawing/2014/main" id="{FC7AD1C8-BA3A-B10A-B14A-2CF9782C526A}"/>
+                </a:ext>
+              </a:extLst>
+            </p:cNvPr>
+            <p:cNvCxnSpPr>
+              <a:cxnSpLocks/>
+            </p:cNvCxnSpPr>
+            <p:nvPr/>
+          </p:nvCxnSpPr>
+          <p:spPr>
+            <a:xfrm flipV="1">
+              <a:off x="6780408" y="4201283"/>
+              <a:ext cx="198438" cy="2383"/>
+            </a:xfrm>
+            <a:prstGeom prst="line">
+              <a:avLst/>
+            </a:prstGeom>
+            <a:ln cap="rnd"/>
+          </p:spPr>
+          <p:style>
+            <a:lnRef idx="2">
+              <a:schemeClr val="dk1"/>
+            </a:lnRef>
+            <a:fillRef idx="0">
+              <a:schemeClr val="dk1"/>
+            </a:fillRef>
+            <a:effectRef idx="1">
+              <a:schemeClr val="dk1"/>
+            </a:effectRef>
+            <a:fontRef idx="minor">
+              <a:schemeClr val="tx1"/>
+            </a:fontRef>
+          </p:style>
+        </p:cxnSp>
+        <p:sp>
+          <p:nvSpPr>
+            <p:cNvPr id="30" name="TextBox 29">
+              <a:extLst>
+                <a:ext uri="{FF2B5EF4-FFF2-40B4-BE49-F238E27FC236}">
+                  <a16:creationId xmlns:a16="http://schemas.microsoft.com/office/drawing/2014/main" id="{154D2F6B-734E-CCA0-6AC6-739430A74BCE}"/>
+                </a:ext>
+              </a:extLst>
+            </p:cNvPr>
+            <p:cNvSpPr txBox="1"/>
+            <p:nvPr/>
+          </p:nvSpPr>
+          <p:spPr>
+            <a:xfrm>
+              <a:off x="6984485" y="-201719"/>
+              <a:ext cx="1778393" cy="1229868"/>
+            </a:xfrm>
+            <a:prstGeom prst="rect">
+              <a:avLst/>
+            </a:prstGeom>
+            <a:noFill/>
+          </p:spPr>
+          <p:txBody>
+            <a:bodyPr wrap="square">
+              <a:spAutoFit/>
+            </a:bodyPr>
+            <a:lstStyle/>
+            <a:p>
+              <a:r>
+                <a:rPr lang="en-US" sz="1800" dirty="0">
+                  <a:solidFill>
+                    <a:schemeClr val="tx1"/>
+                  </a:solidFill>
+                  <a:latin typeface="Times New Roman" panose="02020603050405020304" pitchFamily="18" charset="0"/>
+                  <a:cs typeface="Times New Roman" panose="02020603050405020304" pitchFamily="18" charset="0"/>
+                </a:rPr>
+                <a:t>Vortex ring </a:t>
+              </a:r>
+            </a:p>
+            <a:p>
+              <a:r>
+                <a:rPr lang="en-US" sz="1800" dirty="0">
+                  <a:solidFill>
+                    <a:schemeClr val="tx1"/>
+                  </a:solidFill>
+                  <a:latin typeface="Times New Roman" panose="02020603050405020304" pitchFamily="18" charset="0"/>
+                  <a:cs typeface="Times New Roman" panose="02020603050405020304" pitchFamily="18" charset="0"/>
+                </a:rPr>
+                <a:t>(N₂, </a:t>
+              </a:r>
+              <a:r>
+                <a:rPr lang="en-US" sz="1800" dirty="0" err="1">
+                  <a:solidFill>
+                    <a:schemeClr val="tx1"/>
+                  </a:solidFill>
+                  <a:latin typeface="Times New Roman" panose="02020603050405020304" pitchFamily="18" charset="0"/>
+                  <a:cs typeface="Times New Roman" panose="02020603050405020304" pitchFamily="18" charset="0"/>
+                </a:rPr>
+                <a:t>Ar</a:t>
+              </a:r>
+              <a:r>
+                <a:rPr lang="en-US" sz="1800" dirty="0">
+                  <a:solidFill>
+                    <a:schemeClr val="tx1"/>
+                  </a:solidFill>
+                  <a:latin typeface="Times New Roman" panose="02020603050405020304" pitchFamily="18" charset="0"/>
+                  <a:cs typeface="Times New Roman" panose="02020603050405020304" pitchFamily="18" charset="0"/>
+                </a:rPr>
+                <a:t>,   CF₄, or SF₆)</a:t>
+              </a:r>
+              <a:endParaRPr lang="en-US" dirty="0">
+                <a:latin typeface="Times New Roman" panose="02020603050405020304" pitchFamily="18" charset="0"/>
+                <a:cs typeface="Times New Roman" panose="02020603050405020304" pitchFamily="18" charset="0"/>
+              </a:endParaRPr>
+            </a:p>
+          </p:txBody>
+        </p:sp>
+        <p:sp>
+          <p:nvSpPr>
+            <p:cNvPr id="31" name="TextBox 30">
+              <a:extLst>
+                <a:ext uri="{FF2B5EF4-FFF2-40B4-BE49-F238E27FC236}">
+                  <a16:creationId xmlns:a16="http://schemas.microsoft.com/office/drawing/2014/main" id="{6902254A-0E05-B511-3F18-3C83E6916E66}"/>
+                </a:ext>
+              </a:extLst>
+            </p:cNvPr>
+            <p:cNvSpPr txBox="1"/>
+            <p:nvPr/>
+          </p:nvSpPr>
+          <p:spPr>
+            <a:xfrm>
+              <a:off x="6626400" y="-673521"/>
+              <a:ext cx="2276492" cy="491947"/>
+            </a:xfrm>
+            <a:prstGeom prst="rect">
+              <a:avLst/>
+            </a:prstGeom>
+            <a:noFill/>
+          </p:spPr>
+          <p:txBody>
+            <a:bodyPr wrap="square">
+              <a:spAutoFit/>
+            </a:bodyPr>
+            <a:lstStyle/>
+            <a:p>
+              <a:r>
+                <a:rPr lang="en-US" sz="1800" dirty="0">
+                  <a:solidFill>
+                    <a:schemeClr val="tx1"/>
+                  </a:solidFill>
+                  <a:latin typeface="Times New Roman" panose="02020603050405020304" pitchFamily="18" charset="0"/>
+                  <a:cs typeface="Times New Roman" panose="02020603050405020304" pitchFamily="18" charset="0"/>
+                </a:rPr>
+                <a:t>Ambient (N</a:t>
+              </a:r>
+              <a:r>
+                <a:rPr lang="en-US" sz="1800" baseline="-25000" dirty="0">
+                  <a:solidFill>
+                    <a:schemeClr val="tx1"/>
+                  </a:solidFill>
+                  <a:latin typeface="Times New Roman" panose="02020603050405020304" pitchFamily="18" charset="0"/>
+                  <a:cs typeface="Times New Roman" panose="02020603050405020304" pitchFamily="18" charset="0"/>
+                </a:rPr>
+                <a:t>2</a:t>
+              </a:r>
+              <a:r>
+                <a:rPr lang="en-US" sz="1800" dirty="0">
+                  <a:solidFill>
+                    <a:schemeClr val="tx1"/>
+                  </a:solidFill>
+                  <a:latin typeface="Times New Roman" panose="02020603050405020304" pitchFamily="18" charset="0"/>
+                  <a:cs typeface="Times New Roman" panose="02020603050405020304" pitchFamily="18" charset="0"/>
+                </a:rPr>
+                <a:t>)</a:t>
+              </a:r>
+              <a:endParaRPr lang="en-US" dirty="0">
+                <a:latin typeface="Times New Roman" panose="02020603050405020304" pitchFamily="18" charset="0"/>
+                <a:cs typeface="Times New Roman" panose="02020603050405020304" pitchFamily="18" charset="0"/>
+              </a:endParaRPr>
+            </a:p>
+          </p:txBody>
+        </p:sp>
+      </p:grpSp>
+      <p:cxnSp>
+        <p:nvCxnSpPr>
+          <p:cNvPr id="40" name="Straight Connector 39">
+            <a:extLst>
+              <a:ext uri="{FF2B5EF4-FFF2-40B4-BE49-F238E27FC236}">
+                <a16:creationId xmlns:a16="http://schemas.microsoft.com/office/drawing/2014/main" id="{699C9BB4-E7F4-A768-A83D-09193F55DF3B}"/>
+              </a:ext>
+            </a:extLst>
+          </p:cNvPr>
+          <p:cNvCxnSpPr>
+            <a:cxnSpLocks/>
+          </p:cNvCxnSpPr>
+          <p:nvPr/>
+        </p:nvCxnSpPr>
+        <p:spPr>
+          <a:xfrm flipV="1">
+            <a:off x="2781240" y="2350295"/>
+            <a:ext cx="954455" cy="1714879"/>
+          </a:xfrm>
+          <a:prstGeom prst="line">
+            <a:avLst/>
+          </a:prstGeom>
+          <a:ln w="12700" cap="rnd">
+            <a:solidFill>
+              <a:schemeClr val="tx1"/>
+            </a:solidFill>
+            <a:headEnd type="oval" w="sm" len="sm"/>
+          </a:ln>
+        </p:spPr>
+        <p:style>
+          <a:lnRef idx="1">
+            <a:schemeClr val="accent1"/>
+          </a:lnRef>
+          <a:fillRef idx="0">
+            <a:schemeClr val="accent1"/>
+          </a:fillRef>
+          <a:effectRef idx="0">
+            <a:schemeClr val="accent1"/>
+          </a:effectRef>
+          <a:fontRef idx="minor">
+            <a:schemeClr val="tx1"/>
+          </a:fontRef>
+        </p:style>
+      </p:cxnSp>
+      <p:cxnSp>
+        <p:nvCxnSpPr>
+          <p:cNvPr id="41" name="Straight Connector 40">
+            <a:extLst>
+              <a:ext uri="{FF2B5EF4-FFF2-40B4-BE49-F238E27FC236}">
+                <a16:creationId xmlns:a16="http://schemas.microsoft.com/office/drawing/2014/main" id="{8DEC1846-E594-143C-DDC9-9B06FE02A8D4}"/>
+              </a:ext>
+            </a:extLst>
+          </p:cNvPr>
+          <p:cNvCxnSpPr>
+            <a:cxnSpLocks/>
+          </p:cNvCxnSpPr>
+          <p:nvPr/>
+        </p:nvCxnSpPr>
+        <p:spPr>
+          <a:xfrm flipV="1">
+            <a:off x="3735370" y="2350222"/>
+            <a:ext cx="147744" cy="1789"/>
+          </a:xfrm>
+          <a:prstGeom prst="line">
+            <a:avLst/>
+          </a:prstGeom>
+          <a:ln cap="rnd"/>
+        </p:spPr>
+        <p:style>
+          <a:lnRef idx="2">
+            <a:schemeClr val="dk1"/>
+          </a:lnRef>
+          <a:fillRef idx="0">
+            <a:schemeClr val="dk1"/>
+          </a:fillRef>
+          <a:effectRef idx="1">
+            <a:schemeClr val="dk1"/>
+          </a:effectRef>
+          <a:fontRef idx="minor">
+            <a:schemeClr val="tx1"/>
+          </a:fontRef>
+        </p:style>
+      </p:cxnSp>
+      <p:cxnSp>
+        <p:nvCxnSpPr>
+          <p:cNvPr id="44" name="Straight Connector 43">
+            <a:extLst>
+              <a:ext uri="{FF2B5EF4-FFF2-40B4-BE49-F238E27FC236}">
+                <a16:creationId xmlns:a16="http://schemas.microsoft.com/office/drawing/2014/main" id="{885581BD-7F11-BC76-594F-74057134867B}"/>
+              </a:ext>
+            </a:extLst>
+          </p:cNvPr>
+          <p:cNvCxnSpPr>
+            <a:cxnSpLocks/>
+          </p:cNvCxnSpPr>
+          <p:nvPr/>
+        </p:nvCxnSpPr>
+        <p:spPr>
+          <a:xfrm flipV="1">
+            <a:off x="2747198" y="1696496"/>
+            <a:ext cx="776094" cy="2147832"/>
+          </a:xfrm>
+          <a:prstGeom prst="line">
+            <a:avLst/>
+          </a:prstGeom>
+          <a:ln w="12700" cap="rnd">
+            <a:solidFill>
+              <a:schemeClr val="tx1"/>
+            </a:solidFill>
+            <a:headEnd type="oval" w="sm" len="sm"/>
+          </a:ln>
+        </p:spPr>
+        <p:style>
+          <a:lnRef idx="1">
+            <a:schemeClr val="accent1"/>
+          </a:lnRef>
+          <a:fillRef idx="0">
+            <a:schemeClr val="accent1"/>
+          </a:fillRef>
+          <a:effectRef idx="0">
+            <a:schemeClr val="accent1"/>
+          </a:effectRef>
+          <a:fontRef idx="minor">
+            <a:schemeClr val="tx1"/>
+          </a:fontRef>
+        </p:style>
+      </p:cxnSp>
+      <p:cxnSp>
+        <p:nvCxnSpPr>
+          <p:cNvPr id="45" name="Straight Connector 44">
+            <a:extLst>
+              <a:ext uri="{FF2B5EF4-FFF2-40B4-BE49-F238E27FC236}">
+                <a16:creationId xmlns:a16="http://schemas.microsoft.com/office/drawing/2014/main" id="{BC8A5F8D-844C-A0B2-6A90-828D659C0970}"/>
+              </a:ext>
+            </a:extLst>
+          </p:cNvPr>
+          <p:cNvCxnSpPr>
+            <a:cxnSpLocks/>
+          </p:cNvCxnSpPr>
+          <p:nvPr/>
+        </p:nvCxnSpPr>
+        <p:spPr>
+          <a:xfrm flipV="1">
+            <a:off x="3522967" y="1696423"/>
+            <a:ext cx="147744" cy="1789"/>
+          </a:xfrm>
+          <a:prstGeom prst="line">
+            <a:avLst/>
+          </a:prstGeom>
+          <a:ln cap="rnd"/>
+        </p:spPr>
+        <p:style>
+          <a:lnRef idx="2">
+            <a:schemeClr val="dk1"/>
+          </a:lnRef>
+          <a:fillRef idx="0">
+            <a:schemeClr val="dk1"/>
+          </a:fillRef>
+          <a:effectRef idx="1">
+            <a:schemeClr val="dk1"/>
+          </a:effectRef>
+          <a:fontRef idx="minor">
+            <a:schemeClr val="tx1"/>
+          </a:fontRef>
+        </p:style>
+      </p:cxnSp>
+    </p:spTree>
+    <p:extLst>
+      <p:ext uri="{BB962C8B-B14F-4D97-AF65-F5344CB8AC3E}">
+        <p14:creationId xmlns:p14="http://schemas.microsoft.com/office/powerpoint/2010/main" val="93862075"/>
+      </p:ext>
+    </p:extLst>
+  </p:cSld>
+  <p:clrMapOvr>
+    <a:masterClrMapping/>
+  </p:clrMapOvr>
+</p:sld>
+</file>
+
 <file path=ppt/theme/theme1.xml><?xml version="1.0" encoding="utf-8"?>
 <a:theme xmlns:a="http://schemas.openxmlformats.org/drawingml/2006/main" name="Office Theme">
   <a:themeElements>

--- a/papers/thesis/gfx/diagrams/Wisconsin_Shock_Tube.pptx
+++ b/papers/thesis/gfx/diagrams/Wisconsin_Shock_Tube.pptx
@@ -15036,10 +15036,10 @@
       </p:grpSpPr>
       <p:grpSp>
         <p:nvGrpSpPr>
-          <p:cNvPr id="2" name="Group 1">
+          <p:cNvPr id="49" name="Group 48">
             <a:extLst>
               <a:ext uri="{FF2B5EF4-FFF2-40B4-BE49-F238E27FC236}">
-                <a16:creationId xmlns:a16="http://schemas.microsoft.com/office/drawing/2014/main" id="{0105B34E-EBCE-6E18-D231-ED189A8A732E}"/>
+                <a16:creationId xmlns:a16="http://schemas.microsoft.com/office/drawing/2014/main" id="{CE9B924A-F1FC-CE21-D320-6A11DCCD1845}"/>
               </a:ext>
             </a:extLst>
           </p:cNvPr>
@@ -15050,8 +15050,8 @@
           <a:xfrm>
             <a:off x="1850118" y="1506555"/>
             <a:ext cx="3408894" cy="4832169"/>
-            <a:chOff x="4324348" y="-673521"/>
-            <a:chExt cx="4578544" cy="6436409"/>
+            <a:chOff x="1850118" y="1506555"/>
+            <a:chExt cx="3408894" cy="4832169"/>
           </a:xfrm>
         </p:grpSpPr>
         <p:sp>
@@ -15068,8 +15068,8 @@
           </p:nvSpPr>
           <p:spPr>
             <a:xfrm>
-              <a:off x="5310189" y="5351066"/>
-              <a:ext cx="288130" cy="113503"/>
+              <a:off x="2584113" y="6029546"/>
+              <a:ext cx="214523" cy="85213"/>
             </a:xfrm>
             <a:prstGeom prst="can">
               <a:avLst>
@@ -15128,8 +15128,8 @@
           </p:nvSpPr>
           <p:spPr>
             <a:xfrm>
-              <a:off x="5310189" y="5067298"/>
-              <a:ext cx="288130" cy="340520"/>
+              <a:off x="2584113" y="5816506"/>
+              <a:ext cx="214523" cy="255647"/>
             </a:xfrm>
             <a:prstGeom prst="can">
               <a:avLst/>
@@ -15186,8 +15186,8 @@
           </p:nvSpPr>
           <p:spPr>
             <a:xfrm>
-              <a:off x="5310189" y="5029572"/>
-              <a:ext cx="288130" cy="113503"/>
+              <a:off x="2584113" y="5788183"/>
+              <a:ext cx="214523" cy="85213"/>
             </a:xfrm>
             <a:prstGeom prst="can">
               <a:avLst>
@@ -15246,8 +15246,8 @@
           </p:nvSpPr>
           <p:spPr>
             <a:xfrm>
-              <a:off x="5401863" y="4357688"/>
-              <a:ext cx="103586" cy="702467"/>
+              <a:off x="2652367" y="5283762"/>
+              <a:ext cx="77124" cy="527381"/>
             </a:xfrm>
             <a:prstGeom prst="can">
               <a:avLst/>
@@ -15304,8 +15304,8 @@
           </p:nvSpPr>
           <p:spPr>
             <a:xfrm>
-              <a:off x="4324349" y="3848100"/>
-              <a:ext cx="2155031" cy="561975"/>
+              <a:off x="1850119" y="4901187"/>
+              <a:ext cx="1604500" cy="421906"/>
             </a:xfrm>
             <a:prstGeom prst="parallelogram">
               <a:avLst>
@@ -15362,8 +15362,8 @@
           </p:nvSpPr>
           <p:spPr>
             <a:xfrm>
-              <a:off x="5422407" y="3929512"/>
-              <a:ext cx="276320" cy="73945"/>
+              <a:off x="2667663" y="4962307"/>
+              <a:ext cx="205730" cy="55515"/>
             </a:xfrm>
             <a:prstGeom prst="roundRect">
               <a:avLst>
@@ -15426,8 +15426,8 @@
           </p:nvSpPr>
           <p:spPr>
             <a:xfrm rot="10800000">
-              <a:off x="5263880" y="2020747"/>
-              <a:ext cx="499892" cy="2192282"/>
+              <a:off x="2549634" y="3529291"/>
+              <a:ext cx="372188" cy="1645868"/>
             </a:xfrm>
             <a:prstGeom prst="trapezoid">
               <a:avLst/>
@@ -15483,8 +15483,8 @@
           </p:nvSpPr>
           <p:spPr>
             <a:xfrm>
-              <a:off x="5401864" y="4005262"/>
-              <a:ext cx="103586" cy="100011"/>
+              <a:off x="2652368" y="5019177"/>
+              <a:ext cx="77124" cy="75084"/>
             </a:xfrm>
             <a:prstGeom prst="can">
               <a:avLst/>
@@ -15541,8 +15541,8 @@
           </p:nvSpPr>
           <p:spPr>
             <a:xfrm rot="19458327">
-              <a:off x="5472264" y="2454297"/>
-              <a:ext cx="1274224" cy="782189"/>
+              <a:off x="2704784" y="3854781"/>
+              <a:ext cx="948707" cy="587233"/>
             </a:xfrm>
             <a:prstGeom prst="parallelogram">
               <a:avLst>
@@ -15600,8 +15600,8 @@
           </p:nvSpPr>
           <p:spPr>
             <a:xfrm rot="5400000">
-              <a:off x="7675005" y="2770841"/>
-              <a:ext cx="235187" cy="391339"/>
+              <a:off x="4344074" y="4093645"/>
+              <a:ext cx="176568" cy="291366"/>
             </a:xfrm>
             <a:prstGeom prst="can">
               <a:avLst/>
@@ -15654,8 +15654,8 @@
           </p:nvSpPr>
           <p:spPr>
             <a:xfrm rot="27974">
-              <a:off x="7767787" y="2486408"/>
-              <a:ext cx="1120139" cy="769620"/>
+              <a:off x="4413885" y="3878889"/>
+              <a:ext cx="833985" cy="577796"/>
             </a:xfrm>
             <a:prstGeom prst="cube">
               <a:avLst>
@@ -15719,8 +15719,8 @@
           </p:nvSpPr>
           <p:spPr>
             <a:xfrm rot="5203317">
-              <a:off x="7772864" y="2129982"/>
-              <a:ext cx="235187" cy="391339"/>
+              <a:off x="4416933" y="3612517"/>
+              <a:ext cx="176568" cy="291366"/>
             </a:xfrm>
             <a:prstGeom prst="can">
               <a:avLst/>
@@ -15776,8 +15776,8 @@
           </p:nvSpPr>
           <p:spPr>
             <a:xfrm rot="21413671">
-              <a:off x="7933857" y="1821855"/>
-              <a:ext cx="859101" cy="769620"/>
+              <a:off x="4537530" y="3379972"/>
+              <a:ext cx="639632" cy="577796"/>
             </a:xfrm>
             <a:prstGeom prst="cube">
               <a:avLst>
@@ -15846,8 +15846,8 @@
           </p:nvCxnSpPr>
           <p:spPr>
             <a:xfrm flipV="1">
-              <a:off x="4324348" y="1309687"/>
-              <a:ext cx="0" cy="3100388"/>
+              <a:off x="1850118" y="2995459"/>
+              <a:ext cx="0" cy="2327633"/>
             </a:xfrm>
             <a:prstGeom prst="line">
               <a:avLst/>
@@ -15889,8 +15889,8 @@
           </p:nvCxnSpPr>
           <p:spPr>
             <a:xfrm flipV="1">
-              <a:off x="5721348" y="1309687"/>
-              <a:ext cx="0" cy="3100388"/>
+              <a:off x="2890236" y="2995459"/>
+              <a:ext cx="0" cy="2327633"/>
             </a:xfrm>
             <a:prstGeom prst="line">
               <a:avLst/>
@@ -15932,8 +15932,8 @@
           </p:nvCxnSpPr>
           <p:spPr>
             <a:xfrm flipV="1">
-              <a:off x="6479379" y="747712"/>
-              <a:ext cx="0" cy="3100388"/>
+              <a:off x="3454618" y="2573553"/>
+              <a:ext cx="0" cy="2327633"/>
             </a:xfrm>
             <a:prstGeom prst="line">
               <a:avLst/>
@@ -15975,8 +15975,8 @@
           </p:nvCxnSpPr>
           <p:spPr>
             <a:xfrm flipV="1">
-              <a:off x="5088729" y="747712"/>
-              <a:ext cx="0" cy="3100388"/>
+              <a:off x="2419228" y="2573553"/>
+              <a:ext cx="0" cy="2327633"/>
             </a:xfrm>
             <a:prstGeom prst="line">
               <a:avLst/>
@@ -16016,8 +16016,8 @@
           </p:nvGrpSpPr>
           <p:grpSpPr>
             <a:xfrm>
-              <a:off x="5321527" y="2734538"/>
-              <a:ext cx="292435" cy="408932"/>
+              <a:off x="2592554" y="4065174"/>
+              <a:ext cx="217729" cy="307008"/>
               <a:chOff x="7008618" y="3200642"/>
               <a:chExt cx="292435" cy="408932"/>
             </a:xfrm>
@@ -16425,8 +16425,8 @@
           </p:nvSpPr>
           <p:spPr>
             <a:xfrm rot="20678128">
-              <a:off x="5322134" y="2739768"/>
-              <a:ext cx="299995" cy="214496"/>
+              <a:off x="2593006" y="4069100"/>
+              <a:ext cx="223357" cy="161034"/>
             </a:xfrm>
             <a:prstGeom prst="ellipse">
               <a:avLst/>
@@ -16479,8 +16479,8 @@
           </p:nvSpPr>
           <p:spPr>
             <a:xfrm>
-              <a:off x="4324348" y="745331"/>
-              <a:ext cx="2155031" cy="561975"/>
+              <a:off x="1850118" y="2571766"/>
+              <a:ext cx="1604500" cy="421906"/>
             </a:xfrm>
             <a:prstGeom prst="parallelogram">
               <a:avLst>
@@ -16535,8 +16535,8 @@
           </p:nvSpPr>
           <p:spPr>
             <a:xfrm>
-              <a:off x="5733505" y="4901981"/>
-              <a:ext cx="2506332" cy="860907"/>
+              <a:off x="2899287" y="5692393"/>
+              <a:ext cx="1866056" cy="646331"/>
             </a:xfrm>
             <a:prstGeom prst="rect">
               <a:avLst/>
@@ -16592,8 +16592,8 @@
           </p:nvSpPr>
           <p:spPr>
             <a:xfrm>
-              <a:off x="7446663" y="936967"/>
-              <a:ext cx="1302989" cy="860908"/>
+              <a:off x="4174796" y="2715638"/>
+              <a:ext cx="970123" cy="646331"/>
             </a:xfrm>
             <a:prstGeom prst="rect">
               <a:avLst/>
@@ -16639,8 +16639,8 @@
           </p:nvCxnSpPr>
           <p:spPr>
             <a:xfrm flipV="1">
-              <a:off x="6272492" y="1274198"/>
-              <a:ext cx="1010539" cy="1128449"/>
+              <a:off x="3300583" y="2968816"/>
+              <a:ext cx="752383" cy="847189"/>
             </a:xfrm>
             <a:prstGeom prst="line">
               <a:avLst/>
@@ -16683,8 +16683,8 @@
           </p:nvCxnSpPr>
           <p:spPr>
             <a:xfrm flipV="1">
-              <a:off x="7282595" y="1274101"/>
-              <a:ext cx="198438" cy="2383"/>
+              <a:off x="4052641" y="2968743"/>
+              <a:ext cx="147744" cy="1789"/>
             </a:xfrm>
             <a:prstGeom prst="line">
               <a:avLst/>
@@ -16720,8 +16720,8 @@
           </p:nvSpPr>
           <p:spPr>
             <a:xfrm>
-              <a:off x="6967406" y="4000153"/>
-              <a:ext cx="1782245" cy="491947"/>
+              <a:off x="3817972" y="5015341"/>
+              <a:ext cx="1326947" cy="369332"/>
             </a:xfrm>
             <a:prstGeom prst="rect">
               <a:avLst/>
@@ -16763,8 +16763,8 @@
           </p:nvCxnSpPr>
           <p:spPr>
             <a:xfrm>
-              <a:off x="5546932" y="3625320"/>
-              <a:ext cx="1233912" cy="576060"/>
+              <a:off x="2760377" y="4733933"/>
+              <a:ext cx="918693" cy="432480"/>
             </a:xfrm>
             <a:prstGeom prst="line">
               <a:avLst/>
@@ -16807,8 +16807,8 @@
           </p:nvCxnSpPr>
           <p:spPr>
             <a:xfrm flipV="1">
-              <a:off x="6780408" y="4201283"/>
-              <a:ext cx="198438" cy="2383"/>
+              <a:off x="3678745" y="5166341"/>
+              <a:ext cx="147744" cy="1789"/>
             </a:xfrm>
             <a:prstGeom prst="line">
               <a:avLst/>
@@ -16844,8 +16844,8 @@
           </p:nvSpPr>
           <p:spPr>
             <a:xfrm>
-              <a:off x="6984485" y="-201719"/>
-              <a:ext cx="1778393" cy="1229868"/>
+              <a:off x="3830688" y="1860763"/>
+              <a:ext cx="1324079" cy="923330"/>
             </a:xfrm>
             <a:prstGeom prst="rect">
               <a:avLst/>
@@ -16921,8 +16921,8 @@
           </p:nvSpPr>
           <p:spPr>
             <a:xfrm>
-              <a:off x="6626400" y="-673521"/>
-              <a:ext cx="2276492" cy="491947"/>
+              <a:off x="3564080" y="1506555"/>
+              <a:ext cx="1694932" cy="369332"/>
             </a:xfrm>
             <a:prstGeom prst="rect">
               <a:avLst/>
@@ -16972,173 +16972,173 @@
             </a:p>
           </p:txBody>
         </p:sp>
+        <p:cxnSp>
+          <p:nvCxnSpPr>
+            <p:cNvPr id="40" name="Straight Connector 39">
+              <a:extLst>
+                <a:ext uri="{FF2B5EF4-FFF2-40B4-BE49-F238E27FC236}">
+                  <a16:creationId xmlns:a16="http://schemas.microsoft.com/office/drawing/2014/main" id="{699C9BB4-E7F4-A768-A83D-09193F55DF3B}"/>
+                </a:ext>
+              </a:extLst>
+            </p:cNvPr>
+            <p:cNvCxnSpPr>
+              <a:cxnSpLocks/>
+            </p:cNvCxnSpPr>
+            <p:nvPr/>
+          </p:nvCxnSpPr>
+          <p:spPr>
+            <a:xfrm flipV="1">
+              <a:off x="2781240" y="2350295"/>
+              <a:ext cx="954455" cy="1714879"/>
+            </a:xfrm>
+            <a:prstGeom prst="line">
+              <a:avLst/>
+            </a:prstGeom>
+            <a:ln w="12700" cap="rnd">
+              <a:solidFill>
+                <a:schemeClr val="tx1"/>
+              </a:solidFill>
+              <a:headEnd type="oval" w="sm" len="sm"/>
+            </a:ln>
+          </p:spPr>
+          <p:style>
+            <a:lnRef idx="1">
+              <a:schemeClr val="accent1"/>
+            </a:lnRef>
+            <a:fillRef idx="0">
+              <a:schemeClr val="accent1"/>
+            </a:fillRef>
+            <a:effectRef idx="0">
+              <a:schemeClr val="accent1"/>
+            </a:effectRef>
+            <a:fontRef idx="minor">
+              <a:schemeClr val="tx1"/>
+            </a:fontRef>
+          </p:style>
+        </p:cxnSp>
+        <p:cxnSp>
+          <p:nvCxnSpPr>
+            <p:cNvPr id="41" name="Straight Connector 40">
+              <a:extLst>
+                <a:ext uri="{FF2B5EF4-FFF2-40B4-BE49-F238E27FC236}">
+                  <a16:creationId xmlns:a16="http://schemas.microsoft.com/office/drawing/2014/main" id="{8DEC1846-E594-143C-DDC9-9B06FE02A8D4}"/>
+                </a:ext>
+              </a:extLst>
+            </p:cNvPr>
+            <p:cNvCxnSpPr>
+              <a:cxnSpLocks/>
+            </p:cNvCxnSpPr>
+            <p:nvPr/>
+          </p:nvCxnSpPr>
+          <p:spPr>
+            <a:xfrm flipV="1">
+              <a:off x="3735370" y="2350222"/>
+              <a:ext cx="147744" cy="1789"/>
+            </a:xfrm>
+            <a:prstGeom prst="line">
+              <a:avLst/>
+            </a:prstGeom>
+            <a:ln cap="rnd"/>
+          </p:spPr>
+          <p:style>
+            <a:lnRef idx="2">
+              <a:schemeClr val="dk1"/>
+            </a:lnRef>
+            <a:fillRef idx="0">
+              <a:schemeClr val="dk1"/>
+            </a:fillRef>
+            <a:effectRef idx="1">
+              <a:schemeClr val="dk1"/>
+            </a:effectRef>
+            <a:fontRef idx="minor">
+              <a:schemeClr val="tx1"/>
+            </a:fontRef>
+          </p:style>
+        </p:cxnSp>
+        <p:cxnSp>
+          <p:nvCxnSpPr>
+            <p:cNvPr id="44" name="Straight Connector 43">
+              <a:extLst>
+                <a:ext uri="{FF2B5EF4-FFF2-40B4-BE49-F238E27FC236}">
+                  <a16:creationId xmlns:a16="http://schemas.microsoft.com/office/drawing/2014/main" id="{885581BD-7F11-BC76-594F-74057134867B}"/>
+                </a:ext>
+              </a:extLst>
+            </p:cNvPr>
+            <p:cNvCxnSpPr>
+              <a:cxnSpLocks/>
+            </p:cNvCxnSpPr>
+            <p:nvPr/>
+          </p:nvCxnSpPr>
+          <p:spPr>
+            <a:xfrm flipV="1">
+              <a:off x="2747198" y="1696496"/>
+              <a:ext cx="776094" cy="2147832"/>
+            </a:xfrm>
+            <a:prstGeom prst="line">
+              <a:avLst/>
+            </a:prstGeom>
+            <a:ln w="12700" cap="rnd">
+              <a:solidFill>
+                <a:schemeClr val="tx1"/>
+              </a:solidFill>
+              <a:headEnd type="oval" w="sm" len="sm"/>
+            </a:ln>
+          </p:spPr>
+          <p:style>
+            <a:lnRef idx="1">
+              <a:schemeClr val="accent1"/>
+            </a:lnRef>
+            <a:fillRef idx="0">
+              <a:schemeClr val="accent1"/>
+            </a:fillRef>
+            <a:effectRef idx="0">
+              <a:schemeClr val="accent1"/>
+            </a:effectRef>
+            <a:fontRef idx="minor">
+              <a:schemeClr val="tx1"/>
+            </a:fontRef>
+          </p:style>
+        </p:cxnSp>
+        <p:cxnSp>
+          <p:nvCxnSpPr>
+            <p:cNvPr id="45" name="Straight Connector 44">
+              <a:extLst>
+                <a:ext uri="{FF2B5EF4-FFF2-40B4-BE49-F238E27FC236}">
+                  <a16:creationId xmlns:a16="http://schemas.microsoft.com/office/drawing/2014/main" id="{BC8A5F8D-844C-A0B2-6A90-828D659C0970}"/>
+                </a:ext>
+              </a:extLst>
+            </p:cNvPr>
+            <p:cNvCxnSpPr>
+              <a:cxnSpLocks/>
+            </p:cNvCxnSpPr>
+            <p:nvPr/>
+          </p:nvCxnSpPr>
+          <p:spPr>
+            <a:xfrm flipV="1">
+              <a:off x="3522967" y="1696423"/>
+              <a:ext cx="147744" cy="1789"/>
+            </a:xfrm>
+            <a:prstGeom prst="line">
+              <a:avLst/>
+            </a:prstGeom>
+            <a:ln cap="rnd"/>
+          </p:spPr>
+          <p:style>
+            <a:lnRef idx="2">
+              <a:schemeClr val="dk1"/>
+            </a:lnRef>
+            <a:fillRef idx="0">
+              <a:schemeClr val="dk1"/>
+            </a:fillRef>
+            <a:effectRef idx="1">
+              <a:schemeClr val="dk1"/>
+            </a:effectRef>
+            <a:fontRef idx="minor">
+              <a:schemeClr val="tx1"/>
+            </a:fontRef>
+          </p:style>
+        </p:cxnSp>
       </p:grpSp>
-      <p:cxnSp>
-        <p:nvCxnSpPr>
-          <p:cNvPr id="40" name="Straight Connector 39">
-            <a:extLst>
-              <a:ext uri="{FF2B5EF4-FFF2-40B4-BE49-F238E27FC236}">
-                <a16:creationId xmlns:a16="http://schemas.microsoft.com/office/drawing/2014/main" id="{699C9BB4-E7F4-A768-A83D-09193F55DF3B}"/>
-              </a:ext>
-            </a:extLst>
-          </p:cNvPr>
-          <p:cNvCxnSpPr>
-            <a:cxnSpLocks/>
-          </p:cNvCxnSpPr>
-          <p:nvPr/>
-        </p:nvCxnSpPr>
-        <p:spPr>
-          <a:xfrm flipV="1">
-            <a:off x="2781240" y="2350295"/>
-            <a:ext cx="954455" cy="1714879"/>
-          </a:xfrm>
-          <a:prstGeom prst="line">
-            <a:avLst/>
-          </a:prstGeom>
-          <a:ln w="12700" cap="rnd">
-            <a:solidFill>
-              <a:schemeClr val="tx1"/>
-            </a:solidFill>
-            <a:headEnd type="oval" w="sm" len="sm"/>
-          </a:ln>
-        </p:spPr>
-        <p:style>
-          <a:lnRef idx="1">
-            <a:schemeClr val="accent1"/>
-          </a:lnRef>
-          <a:fillRef idx="0">
-            <a:schemeClr val="accent1"/>
-          </a:fillRef>
-          <a:effectRef idx="0">
-            <a:schemeClr val="accent1"/>
-          </a:effectRef>
-          <a:fontRef idx="minor">
-            <a:schemeClr val="tx1"/>
-          </a:fontRef>
-        </p:style>
-      </p:cxnSp>
-      <p:cxnSp>
-        <p:nvCxnSpPr>
-          <p:cNvPr id="41" name="Straight Connector 40">
-            <a:extLst>
-              <a:ext uri="{FF2B5EF4-FFF2-40B4-BE49-F238E27FC236}">
-                <a16:creationId xmlns:a16="http://schemas.microsoft.com/office/drawing/2014/main" id="{8DEC1846-E594-143C-DDC9-9B06FE02A8D4}"/>
-              </a:ext>
-            </a:extLst>
-          </p:cNvPr>
-          <p:cNvCxnSpPr>
-            <a:cxnSpLocks/>
-          </p:cNvCxnSpPr>
-          <p:nvPr/>
-        </p:nvCxnSpPr>
-        <p:spPr>
-          <a:xfrm flipV="1">
-            <a:off x="3735370" y="2350222"/>
-            <a:ext cx="147744" cy="1789"/>
-          </a:xfrm>
-          <a:prstGeom prst="line">
-            <a:avLst/>
-          </a:prstGeom>
-          <a:ln cap="rnd"/>
-        </p:spPr>
-        <p:style>
-          <a:lnRef idx="2">
-            <a:schemeClr val="dk1"/>
-          </a:lnRef>
-          <a:fillRef idx="0">
-            <a:schemeClr val="dk1"/>
-          </a:fillRef>
-          <a:effectRef idx="1">
-            <a:schemeClr val="dk1"/>
-          </a:effectRef>
-          <a:fontRef idx="minor">
-            <a:schemeClr val="tx1"/>
-          </a:fontRef>
-        </p:style>
-      </p:cxnSp>
-      <p:cxnSp>
-        <p:nvCxnSpPr>
-          <p:cNvPr id="44" name="Straight Connector 43">
-            <a:extLst>
-              <a:ext uri="{FF2B5EF4-FFF2-40B4-BE49-F238E27FC236}">
-                <a16:creationId xmlns:a16="http://schemas.microsoft.com/office/drawing/2014/main" id="{885581BD-7F11-BC76-594F-74057134867B}"/>
-              </a:ext>
-            </a:extLst>
-          </p:cNvPr>
-          <p:cNvCxnSpPr>
-            <a:cxnSpLocks/>
-          </p:cNvCxnSpPr>
-          <p:nvPr/>
-        </p:nvCxnSpPr>
-        <p:spPr>
-          <a:xfrm flipV="1">
-            <a:off x="2747198" y="1696496"/>
-            <a:ext cx="776094" cy="2147832"/>
-          </a:xfrm>
-          <a:prstGeom prst="line">
-            <a:avLst/>
-          </a:prstGeom>
-          <a:ln w="12700" cap="rnd">
-            <a:solidFill>
-              <a:schemeClr val="tx1"/>
-            </a:solidFill>
-            <a:headEnd type="oval" w="sm" len="sm"/>
-          </a:ln>
-        </p:spPr>
-        <p:style>
-          <a:lnRef idx="1">
-            <a:schemeClr val="accent1"/>
-          </a:lnRef>
-          <a:fillRef idx="0">
-            <a:schemeClr val="accent1"/>
-          </a:fillRef>
-          <a:effectRef idx="0">
-            <a:schemeClr val="accent1"/>
-          </a:effectRef>
-          <a:fontRef idx="minor">
-            <a:schemeClr val="tx1"/>
-          </a:fontRef>
-        </p:style>
-      </p:cxnSp>
-      <p:cxnSp>
-        <p:nvCxnSpPr>
-          <p:cNvPr id="45" name="Straight Connector 44">
-            <a:extLst>
-              <a:ext uri="{FF2B5EF4-FFF2-40B4-BE49-F238E27FC236}">
-                <a16:creationId xmlns:a16="http://schemas.microsoft.com/office/drawing/2014/main" id="{BC8A5F8D-844C-A0B2-6A90-828D659C0970}"/>
-              </a:ext>
-            </a:extLst>
-          </p:cNvPr>
-          <p:cNvCxnSpPr>
-            <a:cxnSpLocks/>
-          </p:cNvCxnSpPr>
-          <p:nvPr/>
-        </p:nvCxnSpPr>
-        <p:spPr>
-          <a:xfrm flipV="1">
-            <a:off x="3522967" y="1696423"/>
-            <a:ext cx="147744" cy="1789"/>
-          </a:xfrm>
-          <a:prstGeom prst="line">
-            <a:avLst/>
-          </a:prstGeom>
-          <a:ln cap="rnd"/>
-        </p:spPr>
-        <p:style>
-          <a:lnRef idx="2">
-            <a:schemeClr val="dk1"/>
-          </a:lnRef>
-          <a:fillRef idx="0">
-            <a:schemeClr val="dk1"/>
-          </a:fillRef>
-          <a:effectRef idx="1">
-            <a:schemeClr val="dk1"/>
-          </a:effectRef>
-          <a:fontRef idx="minor">
-            <a:schemeClr val="tx1"/>
-          </a:fontRef>
-        </p:style>
-      </p:cxnSp>
     </p:spTree>
     <p:extLst>
       <p:ext uri="{BB962C8B-B14F-4D97-AF65-F5344CB8AC3E}">

--- a/papers/thesis/gfx/diagrams/Wisconsin_Shock_Tube.pptx
+++ b/papers/thesis/gfx/diagrams/Wisconsin_Shock_Tube.pptx
@@ -8,6 +8,8 @@
     <p:sldId id="256" r:id="rId2"/>
     <p:sldId id="257" r:id="rId3"/>
     <p:sldId id="258" r:id="rId4"/>
+    <p:sldId id="259" r:id="rId5"/>
+    <p:sldId id="260" r:id="rId6"/>
   </p:sldIdLst>
   <p:sldSz cx="6858000" cy="9144000" type="letter"/>
   <p:notesSz cx="6858000" cy="9144000"/>
@@ -245,7 +247,7 @@
           <a:p>
             <a:fld id="{2A9E2E5C-F851-4CA1-A9D2-6A067EAD9855}" type="datetimeFigureOut">
               <a:rPr lang="en-US" smtClean="0"/>
-              <a:t>5/12/2023</a:t>
+              <a:t>5/19/2023</a:t>
             </a:fld>
             <a:endParaRPr lang="en-US"/>
           </a:p>
@@ -415,7 +417,7 @@
           <a:p>
             <a:fld id="{2A9E2E5C-F851-4CA1-A9D2-6A067EAD9855}" type="datetimeFigureOut">
               <a:rPr lang="en-US" smtClean="0"/>
-              <a:t>5/12/2023</a:t>
+              <a:t>5/19/2023</a:t>
             </a:fld>
             <a:endParaRPr lang="en-US"/>
           </a:p>
@@ -595,7 +597,7 @@
           <a:p>
             <a:fld id="{2A9E2E5C-F851-4CA1-A9D2-6A067EAD9855}" type="datetimeFigureOut">
               <a:rPr lang="en-US" smtClean="0"/>
-              <a:t>5/12/2023</a:t>
+              <a:t>5/19/2023</a:t>
             </a:fld>
             <a:endParaRPr lang="en-US"/>
           </a:p>
@@ -765,7 +767,7 @@
           <a:p>
             <a:fld id="{2A9E2E5C-F851-4CA1-A9D2-6A067EAD9855}" type="datetimeFigureOut">
               <a:rPr lang="en-US" smtClean="0"/>
-              <a:t>5/12/2023</a:t>
+              <a:t>5/19/2023</a:t>
             </a:fld>
             <a:endParaRPr lang="en-US"/>
           </a:p>
@@ -1009,7 +1011,7 @@
           <a:p>
             <a:fld id="{2A9E2E5C-F851-4CA1-A9D2-6A067EAD9855}" type="datetimeFigureOut">
               <a:rPr lang="en-US" smtClean="0"/>
-              <a:t>5/12/2023</a:t>
+              <a:t>5/19/2023</a:t>
             </a:fld>
             <a:endParaRPr lang="en-US"/>
           </a:p>
@@ -1241,7 +1243,7 @@
           <a:p>
             <a:fld id="{2A9E2E5C-F851-4CA1-A9D2-6A067EAD9855}" type="datetimeFigureOut">
               <a:rPr lang="en-US" smtClean="0"/>
-              <a:t>5/12/2023</a:t>
+              <a:t>5/19/2023</a:t>
             </a:fld>
             <a:endParaRPr lang="en-US"/>
           </a:p>
@@ -1608,7 +1610,7 @@
           <a:p>
             <a:fld id="{2A9E2E5C-F851-4CA1-A9D2-6A067EAD9855}" type="datetimeFigureOut">
               <a:rPr lang="en-US" smtClean="0"/>
-              <a:t>5/12/2023</a:t>
+              <a:t>5/19/2023</a:t>
             </a:fld>
             <a:endParaRPr lang="en-US"/>
           </a:p>
@@ -1726,7 +1728,7 @@
           <a:p>
             <a:fld id="{2A9E2E5C-F851-4CA1-A9D2-6A067EAD9855}" type="datetimeFigureOut">
               <a:rPr lang="en-US" smtClean="0"/>
-              <a:t>5/12/2023</a:t>
+              <a:t>5/19/2023</a:t>
             </a:fld>
             <a:endParaRPr lang="en-US"/>
           </a:p>
@@ -1821,7 +1823,7 @@
           <a:p>
             <a:fld id="{2A9E2E5C-F851-4CA1-A9D2-6A067EAD9855}" type="datetimeFigureOut">
               <a:rPr lang="en-US" smtClean="0"/>
-              <a:t>5/12/2023</a:t>
+              <a:t>5/19/2023</a:t>
             </a:fld>
             <a:endParaRPr lang="en-US"/>
           </a:p>
@@ -2098,7 +2100,7 @@
           <a:p>
             <a:fld id="{2A9E2E5C-F851-4CA1-A9D2-6A067EAD9855}" type="datetimeFigureOut">
               <a:rPr lang="en-US" smtClean="0"/>
-              <a:t>5/12/2023</a:t>
+              <a:t>5/19/2023</a:t>
             </a:fld>
             <a:endParaRPr lang="en-US"/>
           </a:p>
@@ -2355,7 +2357,7 @@
           <a:p>
             <a:fld id="{2A9E2E5C-F851-4CA1-A9D2-6A067EAD9855}" type="datetimeFigureOut">
               <a:rPr lang="en-US" smtClean="0"/>
-              <a:t>5/12/2023</a:t>
+              <a:t>5/19/2023</a:t>
             </a:fld>
             <a:endParaRPr lang="en-US"/>
           </a:p>
@@ -2568,7 +2570,7 @@
           <a:p>
             <a:fld id="{2A9E2E5C-F851-4CA1-A9D2-6A067EAD9855}" type="datetimeFigureOut">
               <a:rPr lang="en-US" smtClean="0"/>
-              <a:t>5/12/2023</a:t>
+              <a:t>5/19/2023</a:t>
             </a:fld>
             <a:endParaRPr lang="en-US"/>
           </a:p>
@@ -15036,10 +15038,10 @@
       </p:grpSpPr>
       <p:grpSp>
         <p:nvGrpSpPr>
-          <p:cNvPr id="49" name="Group 48">
+          <p:cNvPr id="82" name="Group 81">
             <a:extLst>
               <a:ext uri="{FF2B5EF4-FFF2-40B4-BE49-F238E27FC236}">
-                <a16:creationId xmlns:a16="http://schemas.microsoft.com/office/drawing/2014/main" id="{CE9B924A-F1FC-CE21-D320-6A11DCCD1845}"/>
+                <a16:creationId xmlns:a16="http://schemas.microsoft.com/office/drawing/2014/main" id="{605E3BD1-D404-FA56-26B1-9F4E7B30C57F}"/>
               </a:ext>
             </a:extLst>
           </p:cNvPr>
@@ -15048,9 +15050,9 @@
         </p:nvGrpSpPr>
         <p:grpSpPr>
           <a:xfrm>
-            <a:off x="1850118" y="1506555"/>
+            <a:off x="2080706" y="1729191"/>
             <a:ext cx="3408894" cy="4832169"/>
-            <a:chOff x="1850118" y="1506555"/>
+            <a:chOff x="2080706" y="1729191"/>
             <a:chExt cx="3408894" cy="4832169"/>
           </a:xfrm>
         </p:grpSpPr>
@@ -15068,7 +15070,7 @@
           </p:nvSpPr>
           <p:spPr>
             <a:xfrm>
-              <a:off x="2584113" y="6029546"/>
+              <a:off x="2814701" y="6252182"/>
               <a:ext cx="214523" cy="85213"/>
             </a:xfrm>
             <a:prstGeom prst="can">
@@ -15128,7 +15130,7 @@
           </p:nvSpPr>
           <p:spPr>
             <a:xfrm>
-              <a:off x="2584113" y="5816506"/>
+              <a:off x="2814701" y="6039142"/>
               <a:ext cx="214523" cy="255647"/>
             </a:xfrm>
             <a:prstGeom prst="can">
@@ -15186,7 +15188,7 @@
           </p:nvSpPr>
           <p:spPr>
             <a:xfrm>
-              <a:off x="2584113" y="5788183"/>
+              <a:off x="2814701" y="6010819"/>
               <a:ext cx="214523" cy="85213"/>
             </a:xfrm>
             <a:prstGeom prst="can">
@@ -15246,7 +15248,7 @@
           </p:nvSpPr>
           <p:spPr>
             <a:xfrm>
-              <a:off x="2652367" y="5283762"/>
+              <a:off x="2882955" y="5506398"/>
               <a:ext cx="77124" cy="527381"/>
             </a:xfrm>
             <a:prstGeom prst="can">
@@ -15304,7 +15306,7 @@
           </p:nvSpPr>
           <p:spPr>
             <a:xfrm>
-              <a:off x="1850119" y="4901187"/>
+              <a:off x="2080707" y="5123823"/>
               <a:ext cx="1604500" cy="421906"/>
             </a:xfrm>
             <a:prstGeom prst="parallelogram">
@@ -15362,7 +15364,7 @@
           </p:nvSpPr>
           <p:spPr>
             <a:xfrm>
-              <a:off x="2667663" y="4962307"/>
+              <a:off x="2898251" y="5184943"/>
               <a:ext cx="205730" cy="55515"/>
             </a:xfrm>
             <a:prstGeom prst="roundRect">
@@ -15426,7 +15428,7 @@
           </p:nvSpPr>
           <p:spPr>
             <a:xfrm rot="10800000">
-              <a:off x="2549634" y="3529291"/>
+              <a:off x="2780222" y="3751927"/>
               <a:ext cx="372188" cy="1645868"/>
             </a:xfrm>
             <a:prstGeom prst="trapezoid">
@@ -15483,7 +15485,7 @@
           </p:nvSpPr>
           <p:spPr>
             <a:xfrm>
-              <a:off x="2652368" y="5019177"/>
+              <a:off x="2882956" y="5241813"/>
               <a:ext cx="77124" cy="75084"/>
             </a:xfrm>
             <a:prstGeom prst="can">
@@ -15541,7 +15543,7 @@
           </p:nvSpPr>
           <p:spPr>
             <a:xfrm rot="19458327">
-              <a:off x="2704784" y="3854781"/>
+              <a:off x="2935372" y="4077417"/>
               <a:ext cx="948707" cy="587233"/>
             </a:xfrm>
             <a:prstGeom prst="parallelogram">
@@ -15600,7 +15602,7 @@
           </p:nvSpPr>
           <p:spPr>
             <a:xfrm rot="5400000">
-              <a:off x="4344074" y="4093645"/>
+              <a:off x="4574662" y="4316281"/>
               <a:ext cx="176568" cy="291366"/>
             </a:xfrm>
             <a:prstGeom prst="can">
@@ -15654,7 +15656,7 @@
           </p:nvSpPr>
           <p:spPr>
             <a:xfrm rot="27974">
-              <a:off x="4413885" y="3878889"/>
+              <a:off x="4644473" y="4101525"/>
               <a:ext cx="833985" cy="577796"/>
             </a:xfrm>
             <a:prstGeom prst="cube">
@@ -15719,7 +15721,7 @@
           </p:nvSpPr>
           <p:spPr>
             <a:xfrm rot="5203317">
-              <a:off x="4416933" y="3612517"/>
+              <a:off x="4647521" y="3835153"/>
               <a:ext cx="176568" cy="291366"/>
             </a:xfrm>
             <a:prstGeom prst="can">
@@ -15776,7 +15778,7 @@
           </p:nvSpPr>
           <p:spPr>
             <a:xfrm rot="21413671">
-              <a:off x="4537530" y="3379972"/>
+              <a:off x="4768118" y="3602608"/>
               <a:ext cx="639632" cy="577796"/>
             </a:xfrm>
             <a:prstGeom prst="cube">
@@ -15846,7 +15848,7 @@
           </p:nvCxnSpPr>
           <p:spPr>
             <a:xfrm flipV="1">
-              <a:off x="1850118" y="2995459"/>
+              <a:off x="2080706" y="3218095"/>
               <a:ext cx="0" cy="2327633"/>
             </a:xfrm>
             <a:prstGeom prst="line">
@@ -15889,7 +15891,7 @@
           </p:nvCxnSpPr>
           <p:spPr>
             <a:xfrm flipV="1">
-              <a:off x="2890236" y="2995459"/>
+              <a:off x="3120824" y="3218095"/>
               <a:ext cx="0" cy="2327633"/>
             </a:xfrm>
             <a:prstGeom prst="line">
@@ -15932,7 +15934,7 @@
           </p:nvCxnSpPr>
           <p:spPr>
             <a:xfrm flipV="1">
-              <a:off x="3454618" y="2573553"/>
+              <a:off x="3685206" y="2796189"/>
               <a:ext cx="0" cy="2327633"/>
             </a:xfrm>
             <a:prstGeom prst="line">
@@ -15975,7 +15977,7 @@
           </p:nvCxnSpPr>
           <p:spPr>
             <a:xfrm flipV="1">
-              <a:off x="2419228" y="2573553"/>
+              <a:off x="2649816" y="2796189"/>
               <a:ext cx="0" cy="2327633"/>
             </a:xfrm>
             <a:prstGeom prst="line">
@@ -16016,7 +16018,7 @@
           </p:nvGrpSpPr>
           <p:grpSpPr>
             <a:xfrm>
-              <a:off x="2592554" y="4065174"/>
+              <a:off x="2823142" y="4287810"/>
               <a:ext cx="217729" cy="307008"/>
               <a:chOff x="7008618" y="3200642"/>
               <a:chExt cx="292435" cy="408932"/>
@@ -16425,7 +16427,7 @@
           </p:nvSpPr>
           <p:spPr>
             <a:xfrm rot="20678128">
-              <a:off x="2593006" y="4069100"/>
+              <a:off x="2823594" y="4291736"/>
               <a:ext cx="223357" cy="161034"/>
             </a:xfrm>
             <a:prstGeom prst="ellipse">
@@ -16479,7 +16481,7 @@
           </p:nvSpPr>
           <p:spPr>
             <a:xfrm>
-              <a:off x="1850118" y="2571766"/>
+              <a:off x="2080706" y="2794402"/>
               <a:ext cx="1604500" cy="421906"/>
             </a:xfrm>
             <a:prstGeom prst="parallelogram">
@@ -16517,7 +16519,7 @@
             <a:lstStyle/>
             <a:p>
               <a:pPr algn="ctr"/>
-              <a:endParaRPr lang="en-US"/>
+              <a:endParaRPr lang="en-US" dirty="0"/>
             </a:p>
           </p:txBody>
         </p:sp>
@@ -16535,7 +16537,7 @@
           </p:nvSpPr>
           <p:spPr>
             <a:xfrm>
-              <a:off x="2899287" y="5692393"/>
+              <a:off x="3129875" y="5915029"/>
               <a:ext cx="1866056" cy="646331"/>
             </a:xfrm>
             <a:prstGeom prst="rect">
@@ -16592,7 +16594,7 @@
           </p:nvSpPr>
           <p:spPr>
             <a:xfrm>
-              <a:off x="4174796" y="2715638"/>
+              <a:off x="4405384" y="2938274"/>
               <a:ext cx="970123" cy="646331"/>
             </a:xfrm>
             <a:prstGeom prst="rect">
@@ -16639,7 +16641,7 @@
           </p:nvCxnSpPr>
           <p:spPr>
             <a:xfrm flipV="1">
-              <a:off x="3300583" y="2968816"/>
+              <a:off x="3531171" y="3191452"/>
               <a:ext cx="752383" cy="847189"/>
             </a:xfrm>
             <a:prstGeom prst="line">
@@ -16683,7 +16685,7 @@
           </p:nvCxnSpPr>
           <p:spPr>
             <a:xfrm flipV="1">
-              <a:off x="4052641" y="2968743"/>
+              <a:off x="4283229" y="3191379"/>
               <a:ext cx="147744" cy="1789"/>
             </a:xfrm>
             <a:prstGeom prst="line">
@@ -16720,7 +16722,7 @@
           </p:nvSpPr>
           <p:spPr>
             <a:xfrm>
-              <a:off x="3817972" y="5015341"/>
+              <a:off x="4048560" y="5237977"/>
               <a:ext cx="1326947" cy="369332"/>
             </a:xfrm>
             <a:prstGeom prst="rect">
@@ -16763,7 +16765,7 @@
           </p:nvCxnSpPr>
           <p:spPr>
             <a:xfrm>
-              <a:off x="2760377" y="4733933"/>
+              <a:off x="2990965" y="4956569"/>
               <a:ext cx="918693" cy="432480"/>
             </a:xfrm>
             <a:prstGeom prst="line">
@@ -16807,7 +16809,7 @@
           </p:nvCxnSpPr>
           <p:spPr>
             <a:xfrm flipV="1">
-              <a:off x="3678745" y="5166341"/>
+              <a:off x="3909333" y="5388977"/>
               <a:ext cx="147744" cy="1789"/>
             </a:xfrm>
             <a:prstGeom prst="line">
@@ -16844,7 +16846,7 @@
           </p:nvSpPr>
           <p:spPr>
             <a:xfrm>
-              <a:off x="3830688" y="1860763"/>
+              <a:off x="4061276" y="2083399"/>
               <a:ext cx="1324079" cy="923330"/>
             </a:xfrm>
             <a:prstGeom prst="rect">
@@ -16921,7 +16923,7 @@
           </p:nvSpPr>
           <p:spPr>
             <a:xfrm>
-              <a:off x="3564080" y="1506555"/>
+              <a:off x="3794668" y="1729191"/>
               <a:ext cx="1694932" cy="369332"/>
             </a:xfrm>
             <a:prstGeom prst="rect">
@@ -16988,7 +16990,7 @@
           </p:nvCxnSpPr>
           <p:spPr>
             <a:xfrm flipV="1">
-              <a:off x="2781240" y="2350295"/>
+              <a:off x="3011828" y="2572931"/>
               <a:ext cx="954455" cy="1714879"/>
             </a:xfrm>
             <a:prstGeom prst="line">
@@ -17032,7 +17034,7 @@
           </p:nvCxnSpPr>
           <p:spPr>
             <a:xfrm flipV="1">
-              <a:off x="3735370" y="2350222"/>
+              <a:off x="3965958" y="2572858"/>
               <a:ext cx="147744" cy="1789"/>
             </a:xfrm>
             <a:prstGeom prst="line">
@@ -17071,7 +17073,7 @@
           </p:nvCxnSpPr>
           <p:spPr>
             <a:xfrm flipV="1">
-              <a:off x="2747198" y="1696496"/>
+              <a:off x="2977786" y="1919132"/>
               <a:ext cx="776094" cy="2147832"/>
             </a:xfrm>
             <a:prstGeom prst="line">
@@ -17115,7 +17117,7 @@
           </p:nvCxnSpPr>
           <p:spPr>
             <a:xfrm flipV="1">
-              <a:off x="3522967" y="1696423"/>
+              <a:off x="3753555" y="1919059"/>
               <a:ext cx="147744" cy="1789"/>
             </a:xfrm>
             <a:prstGeom prst="line">
@@ -17143,6 +17145,2880 @@
     <p:extLst>
       <p:ext uri="{BB962C8B-B14F-4D97-AF65-F5344CB8AC3E}">
         <p14:creationId xmlns:p14="http://schemas.microsoft.com/office/powerpoint/2010/main" val="93862075"/>
+      </p:ext>
+    </p:extLst>
+  </p:cSld>
+  <p:clrMapOvr>
+    <a:masterClrMapping/>
+  </p:clrMapOvr>
+</p:sld>
+</file>
+
+<file path=ppt/slides/slide4.xml><?xml version="1.0" encoding="utf-8"?>
+<p:sld xmlns:a="http://schemas.openxmlformats.org/drawingml/2006/main" xmlns:r="http://schemas.openxmlformats.org/officeDocument/2006/relationships" xmlns:p="http://schemas.openxmlformats.org/presentationml/2006/main">
+  <p:cSld>
+    <p:spTree>
+      <p:nvGrpSpPr>
+        <p:cNvPr id="1" name=""/>
+        <p:cNvGrpSpPr/>
+        <p:nvPr/>
+      </p:nvGrpSpPr>
+      <p:grpSpPr>
+        <a:xfrm>
+          <a:off x="0" y="0"/>
+          <a:ext cx="0" cy="0"/>
+          <a:chOff x="0" y="0"/>
+          <a:chExt cx="0" cy="0"/>
+        </a:xfrm>
+      </p:grpSpPr>
+      <p:grpSp>
+        <p:nvGrpSpPr>
+          <p:cNvPr id="47" name="Group 46">
+            <a:extLst>
+              <a:ext uri="{FF2B5EF4-FFF2-40B4-BE49-F238E27FC236}">
+                <a16:creationId xmlns:a16="http://schemas.microsoft.com/office/drawing/2014/main" id="{F61EEAFD-E4F5-4070-899F-461AFF335D7C}"/>
+              </a:ext>
+            </a:extLst>
+          </p:cNvPr>
+          <p:cNvGrpSpPr/>
+          <p:nvPr/>
+        </p:nvGrpSpPr>
+        <p:grpSpPr>
+          <a:xfrm>
+            <a:off x="2120462" y="1689434"/>
+            <a:ext cx="3707226" cy="4832169"/>
+            <a:chOff x="2120462" y="1689434"/>
+            <a:chExt cx="3707226" cy="4832169"/>
+          </a:xfrm>
+        </p:grpSpPr>
+        <p:sp>
+          <p:nvSpPr>
+            <p:cNvPr id="3" name="Cylinder 2">
+              <a:extLst>
+                <a:ext uri="{FF2B5EF4-FFF2-40B4-BE49-F238E27FC236}">
+                  <a16:creationId xmlns:a16="http://schemas.microsoft.com/office/drawing/2014/main" id="{88A4FC14-F5F9-A0B1-B3D2-988A1F1AA8C1}"/>
+                </a:ext>
+              </a:extLst>
+            </p:cNvPr>
+            <p:cNvSpPr/>
+            <p:nvPr/>
+          </p:nvSpPr>
+          <p:spPr>
+            <a:xfrm>
+              <a:off x="2854457" y="6212425"/>
+              <a:ext cx="214523" cy="85213"/>
+            </a:xfrm>
+            <a:prstGeom prst="can">
+              <a:avLst>
+                <a:gd name="adj" fmla="val 50000"/>
+              </a:avLst>
+            </a:prstGeom>
+            <a:solidFill>
+              <a:schemeClr val="bg1">
+                <a:lumMod val="75000"/>
+              </a:schemeClr>
+            </a:solidFill>
+            <a:ln w="15875" cap="flat" cmpd="sng" algn="ctr">
+              <a:solidFill>
+                <a:schemeClr val="dk1"/>
+              </a:solidFill>
+              <a:prstDash val="solid"/>
+              <a:round/>
+              <a:headEnd type="none" w="med" len="med"/>
+              <a:tailEnd type="none" w="med" len="med"/>
+            </a:ln>
+          </p:spPr>
+          <p:style>
+            <a:lnRef idx="0">
+              <a:scrgbClr r="0" g="0" b="0"/>
+            </a:lnRef>
+            <a:fillRef idx="0">
+              <a:scrgbClr r="0" g="0" b="0"/>
+            </a:fillRef>
+            <a:effectRef idx="0">
+              <a:scrgbClr r="0" g="0" b="0"/>
+            </a:effectRef>
+            <a:fontRef idx="minor">
+              <a:schemeClr val="dk1"/>
+            </a:fontRef>
+          </p:style>
+          <p:txBody>
+            <a:bodyPr rtlCol="0" anchor="ctr"/>
+            <a:lstStyle/>
+            <a:p>
+              <a:pPr algn="ctr"/>
+              <a:endParaRPr lang="en-US"/>
+            </a:p>
+          </p:txBody>
+        </p:sp>
+        <p:sp>
+          <p:nvSpPr>
+            <p:cNvPr id="4" name="Cylinder 3">
+              <a:extLst>
+                <a:ext uri="{FF2B5EF4-FFF2-40B4-BE49-F238E27FC236}">
+                  <a16:creationId xmlns:a16="http://schemas.microsoft.com/office/drawing/2014/main" id="{D3F4A5F3-0C24-A316-89DD-C9604E06E59E}"/>
+                </a:ext>
+              </a:extLst>
+            </p:cNvPr>
+            <p:cNvSpPr/>
+            <p:nvPr/>
+          </p:nvSpPr>
+          <p:spPr>
+            <a:xfrm>
+              <a:off x="2854457" y="5999385"/>
+              <a:ext cx="214523" cy="255647"/>
+            </a:xfrm>
+            <a:prstGeom prst="can">
+              <a:avLst/>
+            </a:prstGeom>
+            <a:solidFill>
+              <a:schemeClr val="bg1">
+                <a:lumMod val="75000"/>
+              </a:schemeClr>
+            </a:solidFill>
+            <a:ln w="15875" cap="flat" cmpd="sng" algn="ctr">
+              <a:solidFill>
+                <a:schemeClr val="dk1"/>
+              </a:solidFill>
+              <a:prstDash val="solid"/>
+              <a:round/>
+              <a:headEnd type="none" w="med" len="med"/>
+              <a:tailEnd type="none" w="med" len="med"/>
+            </a:ln>
+          </p:spPr>
+          <p:style>
+            <a:lnRef idx="0">
+              <a:scrgbClr r="0" g="0" b="0"/>
+            </a:lnRef>
+            <a:fillRef idx="0">
+              <a:scrgbClr r="0" g="0" b="0"/>
+            </a:fillRef>
+            <a:effectRef idx="0">
+              <a:scrgbClr r="0" g="0" b="0"/>
+            </a:effectRef>
+            <a:fontRef idx="minor">
+              <a:schemeClr val="dk1"/>
+            </a:fontRef>
+          </p:style>
+          <p:txBody>
+            <a:bodyPr rtlCol="0" anchor="ctr"/>
+            <a:lstStyle/>
+            <a:p>
+              <a:pPr algn="ctr"/>
+              <a:endParaRPr lang="en-US"/>
+            </a:p>
+          </p:txBody>
+        </p:sp>
+        <p:sp>
+          <p:nvSpPr>
+            <p:cNvPr id="5" name="Cylinder 4">
+              <a:extLst>
+                <a:ext uri="{FF2B5EF4-FFF2-40B4-BE49-F238E27FC236}">
+                  <a16:creationId xmlns:a16="http://schemas.microsoft.com/office/drawing/2014/main" id="{E6AFD74F-DFDC-5B67-97BE-97889A43C36F}"/>
+                </a:ext>
+              </a:extLst>
+            </p:cNvPr>
+            <p:cNvSpPr/>
+            <p:nvPr/>
+          </p:nvSpPr>
+          <p:spPr>
+            <a:xfrm>
+              <a:off x="2854457" y="5971062"/>
+              <a:ext cx="214523" cy="85213"/>
+            </a:xfrm>
+            <a:prstGeom prst="can">
+              <a:avLst>
+                <a:gd name="adj" fmla="val 50000"/>
+              </a:avLst>
+            </a:prstGeom>
+            <a:solidFill>
+              <a:schemeClr val="bg1">
+                <a:lumMod val="75000"/>
+              </a:schemeClr>
+            </a:solidFill>
+            <a:ln w="15875" cap="flat" cmpd="sng" algn="ctr">
+              <a:solidFill>
+                <a:schemeClr val="dk1"/>
+              </a:solidFill>
+              <a:prstDash val="solid"/>
+              <a:round/>
+              <a:headEnd type="none" w="med" len="med"/>
+              <a:tailEnd type="none" w="med" len="med"/>
+            </a:ln>
+          </p:spPr>
+          <p:style>
+            <a:lnRef idx="0">
+              <a:scrgbClr r="0" g="0" b="0"/>
+            </a:lnRef>
+            <a:fillRef idx="0">
+              <a:scrgbClr r="0" g="0" b="0"/>
+            </a:fillRef>
+            <a:effectRef idx="0">
+              <a:scrgbClr r="0" g="0" b="0"/>
+            </a:effectRef>
+            <a:fontRef idx="minor">
+              <a:schemeClr val="dk1"/>
+            </a:fontRef>
+          </p:style>
+          <p:txBody>
+            <a:bodyPr rtlCol="0" anchor="ctr"/>
+            <a:lstStyle/>
+            <a:p>
+              <a:pPr algn="ctr"/>
+              <a:endParaRPr lang="en-US" dirty="0"/>
+            </a:p>
+          </p:txBody>
+        </p:sp>
+        <p:sp>
+          <p:nvSpPr>
+            <p:cNvPr id="6" name="Cylinder 5">
+              <a:extLst>
+                <a:ext uri="{FF2B5EF4-FFF2-40B4-BE49-F238E27FC236}">
+                  <a16:creationId xmlns:a16="http://schemas.microsoft.com/office/drawing/2014/main" id="{527FE12E-A77D-D8EF-6DD6-903F82A4F9E9}"/>
+                </a:ext>
+              </a:extLst>
+            </p:cNvPr>
+            <p:cNvSpPr/>
+            <p:nvPr/>
+          </p:nvSpPr>
+          <p:spPr>
+            <a:xfrm>
+              <a:off x="2922711" y="5466641"/>
+              <a:ext cx="77124" cy="527381"/>
+            </a:xfrm>
+            <a:prstGeom prst="can">
+              <a:avLst/>
+            </a:prstGeom>
+            <a:solidFill>
+              <a:schemeClr val="bg1">
+                <a:lumMod val="75000"/>
+              </a:schemeClr>
+            </a:solidFill>
+            <a:ln w="15875" cap="flat" cmpd="sng" algn="ctr">
+              <a:solidFill>
+                <a:schemeClr val="dk1"/>
+              </a:solidFill>
+              <a:prstDash val="solid"/>
+              <a:round/>
+              <a:headEnd type="none" w="med" len="med"/>
+              <a:tailEnd type="none" w="med" len="med"/>
+            </a:ln>
+          </p:spPr>
+          <p:style>
+            <a:lnRef idx="0">
+              <a:scrgbClr r="0" g="0" b="0"/>
+            </a:lnRef>
+            <a:fillRef idx="0">
+              <a:scrgbClr r="0" g="0" b="0"/>
+            </a:fillRef>
+            <a:effectRef idx="0">
+              <a:scrgbClr r="0" g="0" b="0"/>
+            </a:effectRef>
+            <a:fontRef idx="minor">
+              <a:schemeClr val="dk1"/>
+            </a:fontRef>
+          </p:style>
+          <p:txBody>
+            <a:bodyPr rtlCol="0" anchor="ctr"/>
+            <a:lstStyle/>
+            <a:p>
+              <a:pPr algn="ctr"/>
+              <a:endParaRPr lang="en-US"/>
+            </a:p>
+          </p:txBody>
+        </p:sp>
+        <p:sp>
+          <p:nvSpPr>
+            <p:cNvPr id="7" name="Parallelogram 6">
+              <a:extLst>
+                <a:ext uri="{FF2B5EF4-FFF2-40B4-BE49-F238E27FC236}">
+                  <a16:creationId xmlns:a16="http://schemas.microsoft.com/office/drawing/2014/main" id="{0ACE2F49-1C36-8478-F0A4-F207E9D90496}"/>
+                </a:ext>
+              </a:extLst>
+            </p:cNvPr>
+            <p:cNvSpPr/>
+            <p:nvPr/>
+          </p:nvSpPr>
+          <p:spPr>
+            <a:xfrm>
+              <a:off x="2120463" y="5084066"/>
+              <a:ext cx="1604500" cy="421906"/>
+            </a:xfrm>
+            <a:prstGeom prst="parallelogram">
+              <a:avLst>
+                <a:gd name="adj" fmla="val 134722"/>
+              </a:avLst>
+            </a:prstGeom>
+            <a:solidFill>
+              <a:schemeClr val="bg1"/>
+            </a:solidFill>
+            <a:ln w="19050" cap="flat" cmpd="sng" algn="ctr">
+              <a:solidFill>
+                <a:schemeClr val="dk1"/>
+              </a:solidFill>
+              <a:prstDash val="solid"/>
+              <a:round/>
+              <a:headEnd type="none" w="med" len="med"/>
+              <a:tailEnd type="none" w="med" len="med"/>
+            </a:ln>
+          </p:spPr>
+          <p:style>
+            <a:lnRef idx="0">
+              <a:scrgbClr r="0" g="0" b="0"/>
+            </a:lnRef>
+            <a:fillRef idx="0">
+              <a:scrgbClr r="0" g="0" b="0"/>
+            </a:fillRef>
+            <a:effectRef idx="0">
+              <a:scrgbClr r="0" g="0" b="0"/>
+            </a:effectRef>
+            <a:fontRef idx="minor">
+              <a:schemeClr val="dk1"/>
+            </a:fontRef>
+          </p:style>
+          <p:txBody>
+            <a:bodyPr rtlCol="0" anchor="ctr"/>
+            <a:lstStyle/>
+            <a:p>
+              <a:pPr algn="ctr"/>
+              <a:endParaRPr lang="en-US"/>
+            </a:p>
+          </p:txBody>
+        </p:sp>
+        <p:sp>
+          <p:nvSpPr>
+            <p:cNvPr id="8" name="Rectangle: Rounded Corners 7">
+              <a:extLst>
+                <a:ext uri="{FF2B5EF4-FFF2-40B4-BE49-F238E27FC236}">
+                  <a16:creationId xmlns:a16="http://schemas.microsoft.com/office/drawing/2014/main" id="{E83A0031-18A8-47C8-A9CC-A366FA65C240}"/>
+                </a:ext>
+              </a:extLst>
+            </p:cNvPr>
+            <p:cNvSpPr/>
+            <p:nvPr/>
+          </p:nvSpPr>
+          <p:spPr>
+            <a:xfrm>
+              <a:off x="2938007" y="5145186"/>
+              <a:ext cx="205730" cy="55515"/>
+            </a:xfrm>
+            <a:prstGeom prst="roundRect">
+              <a:avLst>
+                <a:gd name="adj" fmla="val 50000"/>
+              </a:avLst>
+            </a:prstGeom>
+            <a:solidFill>
+              <a:schemeClr val="bg2">
+                <a:lumMod val="75000"/>
+              </a:schemeClr>
+            </a:solidFill>
+            <a:ln>
+              <a:solidFill>
+                <a:schemeClr val="tx1"/>
+              </a:solidFill>
+            </a:ln>
+            <a:scene3d>
+              <a:camera prst="orthographicFront">
+                <a:rot lat="18640250" lon="20440525" rev="3171800"/>
+              </a:camera>
+              <a:lightRig rig="threePt" dir="t"/>
+            </a:scene3d>
+          </p:spPr>
+          <p:style>
+            <a:lnRef idx="2">
+              <a:schemeClr val="accent1">
+                <a:shade val="50000"/>
+              </a:schemeClr>
+            </a:lnRef>
+            <a:fillRef idx="1">
+              <a:schemeClr val="accent1"/>
+            </a:fillRef>
+            <a:effectRef idx="0">
+              <a:schemeClr val="accent1"/>
+            </a:effectRef>
+            <a:fontRef idx="minor">
+              <a:schemeClr val="lt1"/>
+            </a:fontRef>
+          </p:style>
+          <p:txBody>
+            <a:bodyPr rtlCol="0" anchor="ctr"/>
+            <a:lstStyle/>
+            <a:p>
+              <a:pPr algn="ctr"/>
+              <a:endParaRPr lang="en-US"/>
+            </a:p>
+          </p:txBody>
+        </p:sp>
+        <p:sp>
+          <p:nvSpPr>
+            <p:cNvPr id="9" name="Trapezoid 8">
+              <a:extLst>
+                <a:ext uri="{FF2B5EF4-FFF2-40B4-BE49-F238E27FC236}">
+                  <a16:creationId xmlns:a16="http://schemas.microsoft.com/office/drawing/2014/main" id="{835890A3-F9AA-F917-24BB-C84298D47687}"/>
+                </a:ext>
+              </a:extLst>
+            </p:cNvPr>
+            <p:cNvSpPr/>
+            <p:nvPr/>
+          </p:nvSpPr>
+          <p:spPr>
+            <a:xfrm rot="10800000">
+              <a:off x="2819978" y="3712170"/>
+              <a:ext cx="372188" cy="1645868"/>
+            </a:xfrm>
+            <a:prstGeom prst="trapezoid">
+              <a:avLst/>
+            </a:prstGeom>
+            <a:solidFill>
+              <a:schemeClr val="accent1">
+                <a:alpha val="34000"/>
+              </a:schemeClr>
+            </a:solidFill>
+            <a:scene3d>
+              <a:camera prst="orthographicFront">
+                <a:rot lat="19200000" lon="2820000" rev="252000"/>
+              </a:camera>
+              <a:lightRig rig="threePt" dir="t"/>
+            </a:scene3d>
+          </p:spPr>
+          <p:style>
+            <a:lnRef idx="2">
+              <a:schemeClr val="accent1">
+                <a:shade val="50000"/>
+              </a:schemeClr>
+            </a:lnRef>
+            <a:fillRef idx="1">
+              <a:schemeClr val="accent1"/>
+            </a:fillRef>
+            <a:effectRef idx="0">
+              <a:schemeClr val="accent1"/>
+            </a:effectRef>
+            <a:fontRef idx="minor">
+              <a:schemeClr val="lt1"/>
+            </a:fontRef>
+          </p:style>
+          <p:txBody>
+            <a:bodyPr rtlCol="0" anchor="ctr"/>
+            <a:lstStyle/>
+            <a:p>
+              <a:pPr algn="ctr"/>
+              <a:endParaRPr lang="en-US"/>
+            </a:p>
+          </p:txBody>
+        </p:sp>
+        <p:sp>
+          <p:nvSpPr>
+            <p:cNvPr id="10" name="Cylinder 9">
+              <a:extLst>
+                <a:ext uri="{FF2B5EF4-FFF2-40B4-BE49-F238E27FC236}">
+                  <a16:creationId xmlns:a16="http://schemas.microsoft.com/office/drawing/2014/main" id="{4E482D2C-2599-7681-B74C-C50A2C56FAEC}"/>
+                </a:ext>
+              </a:extLst>
+            </p:cNvPr>
+            <p:cNvSpPr/>
+            <p:nvPr/>
+          </p:nvSpPr>
+          <p:spPr>
+            <a:xfrm>
+              <a:off x="2922712" y="5202056"/>
+              <a:ext cx="77124" cy="75084"/>
+            </a:xfrm>
+            <a:prstGeom prst="can">
+              <a:avLst/>
+            </a:prstGeom>
+            <a:solidFill>
+              <a:schemeClr val="bg1">
+                <a:lumMod val="75000"/>
+              </a:schemeClr>
+            </a:solidFill>
+            <a:ln w="15875" cap="flat" cmpd="sng" algn="ctr">
+              <a:solidFill>
+                <a:schemeClr val="dk1"/>
+              </a:solidFill>
+              <a:prstDash val="solid"/>
+              <a:round/>
+              <a:headEnd type="none" w="med" len="med"/>
+              <a:tailEnd type="none" w="med" len="med"/>
+            </a:ln>
+          </p:spPr>
+          <p:style>
+            <a:lnRef idx="0">
+              <a:scrgbClr r="0" g="0" b="0"/>
+            </a:lnRef>
+            <a:fillRef idx="0">
+              <a:scrgbClr r="0" g="0" b="0"/>
+            </a:fillRef>
+            <a:effectRef idx="0">
+              <a:scrgbClr r="0" g="0" b="0"/>
+            </a:effectRef>
+            <a:fontRef idx="minor">
+              <a:schemeClr val="dk1"/>
+            </a:fontRef>
+          </p:style>
+          <p:txBody>
+            <a:bodyPr rtlCol="0" anchor="ctr"/>
+            <a:lstStyle/>
+            <a:p>
+              <a:pPr algn="ctr"/>
+              <a:endParaRPr lang="en-US"/>
+            </a:p>
+          </p:txBody>
+        </p:sp>
+        <p:sp>
+          <p:nvSpPr>
+            <p:cNvPr id="11" name="Parallelogram 10">
+              <a:extLst>
+                <a:ext uri="{FF2B5EF4-FFF2-40B4-BE49-F238E27FC236}">
+                  <a16:creationId xmlns:a16="http://schemas.microsoft.com/office/drawing/2014/main" id="{C6B6FDC8-E945-15F8-4456-A60FBA78286C}"/>
+                </a:ext>
+              </a:extLst>
+            </p:cNvPr>
+            <p:cNvSpPr/>
+            <p:nvPr/>
+          </p:nvSpPr>
+          <p:spPr>
+            <a:xfrm rot="19458327">
+              <a:off x="2975128" y="4037660"/>
+              <a:ext cx="948707" cy="587233"/>
+            </a:xfrm>
+            <a:prstGeom prst="parallelogram">
+              <a:avLst>
+                <a:gd name="adj" fmla="val 71531"/>
+              </a:avLst>
+            </a:prstGeom>
+            <a:solidFill>
+              <a:schemeClr val="bg2">
+                <a:lumMod val="90000"/>
+                <a:alpha val="34000"/>
+              </a:schemeClr>
+            </a:solidFill>
+            <a:ln w="19050">
+              <a:solidFill>
+                <a:schemeClr val="tx1"/>
+              </a:solidFill>
+            </a:ln>
+          </p:spPr>
+          <p:style>
+            <a:lnRef idx="2">
+              <a:schemeClr val="accent1">
+                <a:shade val="50000"/>
+              </a:schemeClr>
+            </a:lnRef>
+            <a:fillRef idx="1">
+              <a:schemeClr val="accent1"/>
+            </a:fillRef>
+            <a:effectRef idx="0">
+              <a:schemeClr val="accent1"/>
+            </a:effectRef>
+            <a:fontRef idx="minor">
+              <a:schemeClr val="lt1"/>
+            </a:fontRef>
+          </p:style>
+          <p:txBody>
+            <a:bodyPr rtlCol="0" anchor="ctr"/>
+            <a:lstStyle/>
+            <a:p>
+              <a:pPr algn="ctr"/>
+              <a:endParaRPr lang="en-US"/>
+            </a:p>
+          </p:txBody>
+        </p:sp>
+        <p:cxnSp>
+          <p:nvCxnSpPr>
+            <p:cNvPr id="16" name="Straight Connector 15">
+              <a:extLst>
+                <a:ext uri="{FF2B5EF4-FFF2-40B4-BE49-F238E27FC236}">
+                  <a16:creationId xmlns:a16="http://schemas.microsoft.com/office/drawing/2014/main" id="{425F2BDF-39CC-DD0C-60D3-27B670D53671}"/>
+                </a:ext>
+              </a:extLst>
+            </p:cNvPr>
+            <p:cNvCxnSpPr>
+              <a:cxnSpLocks/>
+            </p:cNvCxnSpPr>
+            <p:nvPr/>
+          </p:nvCxnSpPr>
+          <p:spPr>
+            <a:xfrm flipV="1">
+              <a:off x="2120462" y="3178338"/>
+              <a:ext cx="0" cy="2327633"/>
+            </a:xfrm>
+            <a:prstGeom prst="line">
+              <a:avLst/>
+            </a:prstGeom>
+            <a:ln w="25400" cap="rnd">
+              <a:solidFill>
+                <a:schemeClr val="tx1"/>
+              </a:solidFill>
+            </a:ln>
+          </p:spPr>
+          <p:style>
+            <a:lnRef idx="1">
+              <a:schemeClr val="accent1"/>
+            </a:lnRef>
+            <a:fillRef idx="0">
+              <a:schemeClr val="accent1"/>
+            </a:fillRef>
+            <a:effectRef idx="0">
+              <a:schemeClr val="accent1"/>
+            </a:effectRef>
+            <a:fontRef idx="minor">
+              <a:schemeClr val="tx1"/>
+            </a:fontRef>
+          </p:style>
+        </p:cxnSp>
+        <p:cxnSp>
+          <p:nvCxnSpPr>
+            <p:cNvPr id="17" name="Straight Connector 16">
+              <a:extLst>
+                <a:ext uri="{FF2B5EF4-FFF2-40B4-BE49-F238E27FC236}">
+                  <a16:creationId xmlns:a16="http://schemas.microsoft.com/office/drawing/2014/main" id="{ED1629D5-3092-BB3B-AE6F-5112C572535F}"/>
+                </a:ext>
+              </a:extLst>
+            </p:cNvPr>
+            <p:cNvCxnSpPr>
+              <a:cxnSpLocks/>
+            </p:cNvCxnSpPr>
+            <p:nvPr/>
+          </p:nvCxnSpPr>
+          <p:spPr>
+            <a:xfrm flipV="1">
+              <a:off x="3160580" y="3178338"/>
+              <a:ext cx="0" cy="2327633"/>
+            </a:xfrm>
+            <a:prstGeom prst="line">
+              <a:avLst/>
+            </a:prstGeom>
+            <a:ln w="25400" cap="rnd">
+              <a:solidFill>
+                <a:schemeClr val="tx1"/>
+              </a:solidFill>
+            </a:ln>
+          </p:spPr>
+          <p:style>
+            <a:lnRef idx="1">
+              <a:schemeClr val="accent1"/>
+            </a:lnRef>
+            <a:fillRef idx="0">
+              <a:schemeClr val="accent1"/>
+            </a:fillRef>
+            <a:effectRef idx="0">
+              <a:schemeClr val="accent1"/>
+            </a:effectRef>
+            <a:fontRef idx="minor">
+              <a:schemeClr val="tx1"/>
+            </a:fontRef>
+          </p:style>
+        </p:cxnSp>
+        <p:cxnSp>
+          <p:nvCxnSpPr>
+            <p:cNvPr id="18" name="Straight Connector 17">
+              <a:extLst>
+                <a:ext uri="{FF2B5EF4-FFF2-40B4-BE49-F238E27FC236}">
+                  <a16:creationId xmlns:a16="http://schemas.microsoft.com/office/drawing/2014/main" id="{55E14CAF-82F4-6521-4661-810C06843600}"/>
+                </a:ext>
+              </a:extLst>
+            </p:cNvPr>
+            <p:cNvCxnSpPr>
+              <a:cxnSpLocks/>
+            </p:cNvCxnSpPr>
+            <p:nvPr/>
+          </p:nvCxnSpPr>
+          <p:spPr>
+            <a:xfrm flipV="1">
+              <a:off x="3724962" y="2756432"/>
+              <a:ext cx="0" cy="2327633"/>
+            </a:xfrm>
+            <a:prstGeom prst="line">
+              <a:avLst/>
+            </a:prstGeom>
+            <a:ln w="25400" cap="rnd">
+              <a:solidFill>
+                <a:schemeClr val="tx1"/>
+              </a:solidFill>
+            </a:ln>
+          </p:spPr>
+          <p:style>
+            <a:lnRef idx="1">
+              <a:schemeClr val="accent1"/>
+            </a:lnRef>
+            <a:fillRef idx="0">
+              <a:schemeClr val="accent1"/>
+            </a:fillRef>
+            <a:effectRef idx="0">
+              <a:schemeClr val="accent1"/>
+            </a:effectRef>
+            <a:fontRef idx="minor">
+              <a:schemeClr val="tx1"/>
+            </a:fontRef>
+          </p:style>
+        </p:cxnSp>
+        <p:cxnSp>
+          <p:nvCxnSpPr>
+            <p:cNvPr id="19" name="Straight Connector 18">
+              <a:extLst>
+                <a:ext uri="{FF2B5EF4-FFF2-40B4-BE49-F238E27FC236}">
+                  <a16:creationId xmlns:a16="http://schemas.microsoft.com/office/drawing/2014/main" id="{BF69643C-592D-EA4E-3566-92A4E2C37FC2}"/>
+                </a:ext>
+              </a:extLst>
+            </p:cNvPr>
+            <p:cNvCxnSpPr>
+              <a:cxnSpLocks/>
+            </p:cNvCxnSpPr>
+            <p:nvPr/>
+          </p:nvCxnSpPr>
+          <p:spPr>
+            <a:xfrm flipV="1">
+              <a:off x="2689572" y="2756432"/>
+              <a:ext cx="0" cy="2327633"/>
+            </a:xfrm>
+            <a:prstGeom prst="line">
+              <a:avLst/>
+            </a:prstGeom>
+            <a:ln w="25400" cap="rnd">
+              <a:solidFill>
+                <a:schemeClr val="tx1"/>
+              </a:solidFill>
+            </a:ln>
+          </p:spPr>
+          <p:style>
+            <a:lnRef idx="1">
+              <a:schemeClr val="accent1"/>
+            </a:lnRef>
+            <a:fillRef idx="0">
+              <a:schemeClr val="accent1"/>
+            </a:fillRef>
+            <a:effectRef idx="0">
+              <a:schemeClr val="accent1"/>
+            </a:effectRef>
+            <a:fontRef idx="minor">
+              <a:schemeClr val="tx1"/>
+            </a:fontRef>
+          </p:style>
+        </p:cxnSp>
+        <p:grpSp>
+          <p:nvGrpSpPr>
+            <p:cNvPr id="20" name="Group 19">
+              <a:extLst>
+                <a:ext uri="{FF2B5EF4-FFF2-40B4-BE49-F238E27FC236}">
+                  <a16:creationId xmlns:a16="http://schemas.microsoft.com/office/drawing/2014/main" id="{BAB8C843-5F0F-1563-FBC0-4CFE4AFA3D4D}"/>
+                </a:ext>
+              </a:extLst>
+            </p:cNvPr>
+            <p:cNvGrpSpPr/>
+            <p:nvPr/>
+          </p:nvGrpSpPr>
+          <p:grpSpPr>
+            <a:xfrm>
+              <a:off x="2862898" y="4248053"/>
+              <a:ext cx="217729" cy="307008"/>
+              <a:chOff x="7008618" y="3200642"/>
+              <a:chExt cx="292435" cy="408932"/>
+            </a:xfrm>
+            <a:scene3d>
+              <a:camera prst="orthographicFront">
+                <a:rot lat="1500000" lon="18299977" rev="0"/>
+              </a:camera>
+              <a:lightRig rig="threePt" dir="t"/>
+            </a:scene3d>
+          </p:grpSpPr>
+          <p:grpSp>
+            <p:nvGrpSpPr>
+              <p:cNvPr id="32" name="Group 31">
+                <a:extLst>
+                  <a:ext uri="{FF2B5EF4-FFF2-40B4-BE49-F238E27FC236}">
+                    <a16:creationId xmlns:a16="http://schemas.microsoft.com/office/drawing/2014/main" id="{1A8E5F9C-600F-7F48-8DE0-0FA6DE800D07}"/>
+                  </a:ext>
+                </a:extLst>
+              </p:cNvPr>
+              <p:cNvGrpSpPr/>
+              <p:nvPr/>
+            </p:nvGrpSpPr>
+            <p:grpSpPr>
+              <a:xfrm>
+                <a:off x="7008618" y="3200642"/>
+                <a:ext cx="292435" cy="408932"/>
+                <a:chOff x="509990" y="1266062"/>
+                <a:chExt cx="3555060" cy="3465304"/>
+              </a:xfrm>
+            </p:grpSpPr>
+            <p:sp>
+              <p:nvSpPr>
+                <p:cNvPr id="35" name="Oval 34">
+                  <a:extLst>
+                    <a:ext uri="{FF2B5EF4-FFF2-40B4-BE49-F238E27FC236}">
+                      <a16:creationId xmlns:a16="http://schemas.microsoft.com/office/drawing/2014/main" id="{302B7A22-F8A1-5FB2-09C3-2E010DC02E84}"/>
+                    </a:ext>
+                  </a:extLst>
+                </p:cNvPr>
+                <p:cNvSpPr/>
+                <p:nvPr/>
+              </p:nvSpPr>
+              <p:spPr>
+                <a:xfrm>
+                  <a:off x="1219166" y="1868312"/>
+                  <a:ext cx="2202974" cy="621477"/>
+                </a:xfrm>
+                <a:prstGeom prst="ellipse">
+                  <a:avLst/>
+                </a:prstGeom>
+                <a:noFill/>
+                <a:ln w="28575">
+                  <a:solidFill>
+                    <a:schemeClr val="accent1">
+                      <a:lumMod val="75000"/>
+                    </a:schemeClr>
+                  </a:solidFill>
+                </a:ln>
+                <a:effectLst/>
+              </p:spPr>
+              <p:style>
+                <a:lnRef idx="2">
+                  <a:schemeClr val="accent1">
+                    <a:shade val="50000"/>
+                  </a:schemeClr>
+                </a:lnRef>
+                <a:fillRef idx="1">
+                  <a:schemeClr val="accent1"/>
+                </a:fillRef>
+                <a:effectRef idx="0">
+                  <a:schemeClr val="accent1"/>
+                </a:effectRef>
+                <a:fontRef idx="minor">
+                  <a:schemeClr val="lt1"/>
+                </a:fontRef>
+              </p:style>
+              <p:txBody>
+                <a:bodyPr rtlCol="0" anchor="ctr"/>
+                <a:lstStyle/>
+                <a:p>
+                  <a:pPr algn="ctr"/>
+                  <a:endParaRPr lang="en-US"/>
+                </a:p>
+              </p:txBody>
+            </p:sp>
+            <p:sp>
+              <p:nvSpPr>
+                <p:cNvPr id="36" name="Double Wave 35">
+                  <a:extLst>
+                    <a:ext uri="{FF2B5EF4-FFF2-40B4-BE49-F238E27FC236}">
+                      <a16:creationId xmlns:a16="http://schemas.microsoft.com/office/drawing/2014/main" id="{AFCE6289-184E-F022-DC38-E220B35E523C}"/>
+                    </a:ext>
+                  </a:extLst>
+                </p:cNvPr>
+                <p:cNvSpPr/>
+                <p:nvPr/>
+              </p:nvSpPr>
+              <p:spPr>
+                <a:xfrm rot="16200000">
+                  <a:off x="1215474" y="3266878"/>
+                  <a:ext cx="1747446" cy="1181529"/>
+                </a:xfrm>
+                <a:prstGeom prst="doubleWave">
+                  <a:avLst>
+                    <a:gd name="adj1" fmla="val 12500"/>
+                    <a:gd name="adj2" fmla="val -3273"/>
+                  </a:avLst>
+                </a:prstGeom>
+                <a:solidFill>
+                  <a:schemeClr val="accent1">
+                    <a:alpha val="20000"/>
+                  </a:schemeClr>
+                </a:solidFill>
+                <a:ln>
+                  <a:noFill/>
+                </a:ln>
+              </p:spPr>
+              <p:style>
+                <a:lnRef idx="0">
+                  <a:scrgbClr r="0" g="0" b="0"/>
+                </a:lnRef>
+                <a:fillRef idx="0">
+                  <a:scrgbClr r="0" g="0" b="0"/>
+                </a:fillRef>
+                <a:effectRef idx="0">
+                  <a:scrgbClr r="0" g="0" b="0"/>
+                </a:effectRef>
+                <a:fontRef idx="minor">
+                  <a:schemeClr val="lt1"/>
+                </a:fontRef>
+              </p:style>
+              <p:txBody>
+                <a:bodyPr rtlCol="0" anchor="ctr"/>
+                <a:lstStyle/>
+                <a:p>
+                  <a:pPr algn="ctr"/>
+                  <a:endParaRPr lang="en-US"/>
+                </a:p>
+              </p:txBody>
+            </p:sp>
+            <p:sp>
+              <p:nvSpPr>
+                <p:cNvPr id="37" name="Double Wave 36">
+                  <a:extLst>
+                    <a:ext uri="{FF2B5EF4-FFF2-40B4-BE49-F238E27FC236}">
+                      <a16:creationId xmlns:a16="http://schemas.microsoft.com/office/drawing/2014/main" id="{153A5186-8FB3-9723-FC4E-3E67C3A44B5C}"/>
+                    </a:ext>
+                  </a:extLst>
+                </p:cNvPr>
+                <p:cNvSpPr/>
+                <p:nvPr/>
+              </p:nvSpPr>
+              <p:spPr>
+                <a:xfrm rot="16392048">
+                  <a:off x="1762578" y="3252162"/>
+                  <a:ext cx="1685503" cy="1156492"/>
+                </a:xfrm>
+                <a:prstGeom prst="doubleWave">
+                  <a:avLst>
+                    <a:gd name="adj1" fmla="val 12500"/>
+                    <a:gd name="adj2" fmla="val 803"/>
+                  </a:avLst>
+                </a:prstGeom>
+                <a:solidFill>
+                  <a:schemeClr val="accent1">
+                    <a:alpha val="20000"/>
+                  </a:schemeClr>
+                </a:solidFill>
+                <a:ln>
+                  <a:noFill/>
+                </a:ln>
+              </p:spPr>
+              <p:style>
+                <a:lnRef idx="0">
+                  <a:scrgbClr r="0" g="0" b="0"/>
+                </a:lnRef>
+                <a:fillRef idx="0">
+                  <a:scrgbClr r="0" g="0" b="0"/>
+                </a:fillRef>
+                <a:effectRef idx="0">
+                  <a:scrgbClr r="0" g="0" b="0"/>
+                </a:effectRef>
+                <a:fontRef idx="minor">
+                  <a:schemeClr val="lt1"/>
+                </a:fontRef>
+              </p:style>
+              <p:txBody>
+                <a:bodyPr rtlCol="0" anchor="ctr"/>
+                <a:lstStyle/>
+                <a:p>
+                  <a:pPr algn="ctr"/>
+                  <a:endParaRPr lang="en-US"/>
+                </a:p>
+              </p:txBody>
+            </p:sp>
+            <p:sp>
+              <p:nvSpPr>
+                <p:cNvPr id="38" name="Double Wave 37">
+                  <a:extLst>
+                    <a:ext uri="{FF2B5EF4-FFF2-40B4-BE49-F238E27FC236}">
+                      <a16:creationId xmlns:a16="http://schemas.microsoft.com/office/drawing/2014/main" id="{8DFC4F56-06B3-07B4-3F87-46680DA2B715}"/>
+                    </a:ext>
+                  </a:extLst>
+                </p:cNvPr>
+                <p:cNvSpPr/>
+                <p:nvPr/>
+              </p:nvSpPr>
+              <p:spPr>
+                <a:xfrm rot="5400000">
+                  <a:off x="1470258" y="3475603"/>
+                  <a:ext cx="1590710" cy="833026"/>
+                </a:xfrm>
+                <a:prstGeom prst="doubleWave">
+                  <a:avLst/>
+                </a:prstGeom>
+                <a:solidFill>
+                  <a:schemeClr val="accent1">
+                    <a:alpha val="20000"/>
+                  </a:schemeClr>
+                </a:solidFill>
+                <a:ln>
+                  <a:noFill/>
+                </a:ln>
+              </p:spPr>
+              <p:style>
+                <a:lnRef idx="0">
+                  <a:scrgbClr r="0" g="0" b="0"/>
+                </a:lnRef>
+                <a:fillRef idx="0">
+                  <a:scrgbClr r="0" g="0" b="0"/>
+                </a:fillRef>
+                <a:effectRef idx="0">
+                  <a:scrgbClr r="0" g="0" b="0"/>
+                </a:effectRef>
+                <a:fontRef idx="minor">
+                  <a:schemeClr val="lt1"/>
+                </a:fontRef>
+              </p:style>
+              <p:txBody>
+                <a:bodyPr rtlCol="0" anchor="ctr"/>
+                <a:lstStyle/>
+                <a:p>
+                  <a:pPr algn="ctr"/>
+                  <a:endParaRPr lang="en-US"/>
+                </a:p>
+              </p:txBody>
+            </p:sp>
+            <p:sp>
+              <p:nvSpPr>
+                <p:cNvPr id="39" name="Oval 38">
+                  <a:extLst>
+                    <a:ext uri="{FF2B5EF4-FFF2-40B4-BE49-F238E27FC236}">
+                      <a16:creationId xmlns:a16="http://schemas.microsoft.com/office/drawing/2014/main" id="{B83E9B7E-BDBA-CFAE-CA21-85BD501DA671}"/>
+                    </a:ext>
+                  </a:extLst>
+                </p:cNvPr>
+                <p:cNvSpPr/>
+                <p:nvPr/>
+              </p:nvSpPr>
+              <p:spPr>
+                <a:xfrm>
+                  <a:off x="509990" y="1266062"/>
+                  <a:ext cx="3555060" cy="1770166"/>
+                </a:xfrm>
+                <a:prstGeom prst="ellipse">
+                  <a:avLst/>
+                </a:prstGeom>
+                <a:solidFill>
+                  <a:schemeClr val="accent1">
+                    <a:lumMod val="40000"/>
+                    <a:lumOff val="60000"/>
+                  </a:schemeClr>
+                </a:solidFill>
+              </p:spPr>
+              <p:style>
+                <a:lnRef idx="2">
+                  <a:schemeClr val="accent1">
+                    <a:shade val="50000"/>
+                  </a:schemeClr>
+                </a:lnRef>
+                <a:fillRef idx="1">
+                  <a:schemeClr val="accent1"/>
+                </a:fillRef>
+                <a:effectRef idx="0">
+                  <a:schemeClr val="accent1"/>
+                </a:effectRef>
+                <a:fontRef idx="minor">
+                  <a:schemeClr val="lt1"/>
+                </a:fontRef>
+              </p:style>
+              <p:txBody>
+                <a:bodyPr rtlCol="0" anchor="ctr"/>
+                <a:lstStyle/>
+                <a:p>
+                  <a:pPr algn="ctr"/>
+                  <a:endParaRPr lang="en-US" dirty="0"/>
+                </a:p>
+              </p:txBody>
+            </p:sp>
+          </p:grpSp>
+          <p:sp>
+            <p:nvSpPr>
+              <p:cNvPr id="33" name="Oval 32">
+                <a:extLst>
+                  <a:ext uri="{FF2B5EF4-FFF2-40B4-BE49-F238E27FC236}">
+                    <a16:creationId xmlns:a16="http://schemas.microsoft.com/office/drawing/2014/main" id="{F28AC586-28E1-6EAC-CA1A-013BF0A9E921}"/>
+                  </a:ext>
+                </a:extLst>
+              </p:cNvPr>
+              <p:cNvSpPr/>
+              <p:nvPr/>
+            </p:nvSpPr>
+            <p:spPr>
+              <a:xfrm>
+                <a:off x="7216322" y="3280111"/>
+                <a:ext cx="45719" cy="45719"/>
+              </a:xfrm>
+              <a:prstGeom prst="ellipse">
+                <a:avLst/>
+              </a:prstGeom>
+            </p:spPr>
+            <p:style>
+              <a:lnRef idx="2">
+                <a:schemeClr val="accent1">
+                  <a:shade val="50000"/>
+                </a:schemeClr>
+              </a:lnRef>
+              <a:fillRef idx="1">
+                <a:schemeClr val="accent1"/>
+              </a:fillRef>
+              <a:effectRef idx="0">
+                <a:schemeClr val="accent1"/>
+              </a:effectRef>
+              <a:fontRef idx="minor">
+                <a:schemeClr val="lt1"/>
+              </a:fontRef>
+            </p:style>
+            <p:txBody>
+              <a:bodyPr rtlCol="0" anchor="ctr"/>
+              <a:lstStyle/>
+              <a:p>
+                <a:pPr algn="ctr"/>
+                <a:endParaRPr lang="en-US"/>
+              </a:p>
+            </p:txBody>
+          </p:sp>
+          <p:sp>
+            <p:nvSpPr>
+              <p:cNvPr id="34" name="Oval 33">
+                <a:extLst>
+                  <a:ext uri="{FF2B5EF4-FFF2-40B4-BE49-F238E27FC236}">
+                    <a16:creationId xmlns:a16="http://schemas.microsoft.com/office/drawing/2014/main" id="{5D6524C3-D4F8-9E05-CEA9-BAB93FF4615E}"/>
+                  </a:ext>
+                </a:extLst>
+              </p:cNvPr>
+              <p:cNvSpPr/>
+              <p:nvPr/>
+            </p:nvSpPr>
+            <p:spPr>
+              <a:xfrm>
+                <a:off x="7052642" y="3280044"/>
+                <a:ext cx="45719" cy="45719"/>
+              </a:xfrm>
+              <a:prstGeom prst="ellipse">
+                <a:avLst/>
+              </a:prstGeom>
+            </p:spPr>
+            <p:style>
+              <a:lnRef idx="2">
+                <a:schemeClr val="accent1">
+                  <a:shade val="50000"/>
+                </a:schemeClr>
+              </a:lnRef>
+              <a:fillRef idx="1">
+                <a:schemeClr val="accent1"/>
+              </a:fillRef>
+              <a:effectRef idx="0">
+                <a:schemeClr val="accent1"/>
+              </a:effectRef>
+              <a:fontRef idx="minor">
+                <a:schemeClr val="lt1"/>
+              </a:fontRef>
+            </p:style>
+            <p:txBody>
+              <a:bodyPr rtlCol="0" anchor="ctr"/>
+              <a:lstStyle/>
+              <a:p>
+                <a:pPr algn="ctr"/>
+                <a:endParaRPr lang="en-US"/>
+              </a:p>
+            </p:txBody>
+          </p:sp>
+        </p:grpSp>
+        <p:sp>
+          <p:nvSpPr>
+            <p:cNvPr id="21" name="Oval 20">
+              <a:extLst>
+                <a:ext uri="{FF2B5EF4-FFF2-40B4-BE49-F238E27FC236}">
+                  <a16:creationId xmlns:a16="http://schemas.microsoft.com/office/drawing/2014/main" id="{FB4E2F90-3D75-A7D2-671C-619125BEBB42}"/>
+                </a:ext>
+              </a:extLst>
+            </p:cNvPr>
+            <p:cNvSpPr/>
+            <p:nvPr/>
+          </p:nvSpPr>
+          <p:spPr>
+            <a:xfrm rot="20678128">
+              <a:off x="2863350" y="4251979"/>
+              <a:ext cx="223357" cy="161034"/>
+            </a:xfrm>
+            <a:prstGeom prst="ellipse">
+              <a:avLst/>
+            </a:prstGeom>
+            <a:solidFill>
+              <a:schemeClr val="accent1">
+                <a:alpha val="14000"/>
+              </a:schemeClr>
+            </a:solidFill>
+            <a:ln>
+              <a:noFill/>
+            </a:ln>
+          </p:spPr>
+          <p:style>
+            <a:lnRef idx="2">
+              <a:schemeClr val="accent1">
+                <a:shade val="50000"/>
+              </a:schemeClr>
+            </a:lnRef>
+            <a:fillRef idx="1">
+              <a:schemeClr val="accent1"/>
+            </a:fillRef>
+            <a:effectRef idx="0">
+              <a:schemeClr val="accent1"/>
+            </a:effectRef>
+            <a:fontRef idx="minor">
+              <a:schemeClr val="lt1"/>
+            </a:fontRef>
+          </p:style>
+          <p:txBody>
+            <a:bodyPr rtlCol="0" anchor="ctr"/>
+            <a:lstStyle/>
+            <a:p>
+              <a:pPr algn="ctr"/>
+              <a:endParaRPr lang="en-US"/>
+            </a:p>
+          </p:txBody>
+        </p:sp>
+        <p:sp>
+          <p:nvSpPr>
+            <p:cNvPr id="22" name="Parallelogram 21">
+              <a:extLst>
+                <a:ext uri="{FF2B5EF4-FFF2-40B4-BE49-F238E27FC236}">
+                  <a16:creationId xmlns:a16="http://schemas.microsoft.com/office/drawing/2014/main" id="{2587A1B0-2D67-69A8-8290-3892B07D8554}"/>
+                </a:ext>
+              </a:extLst>
+            </p:cNvPr>
+            <p:cNvSpPr/>
+            <p:nvPr/>
+          </p:nvSpPr>
+          <p:spPr>
+            <a:xfrm>
+              <a:off x="2120462" y="2754645"/>
+              <a:ext cx="1604500" cy="421906"/>
+            </a:xfrm>
+            <a:prstGeom prst="parallelogram">
+              <a:avLst>
+                <a:gd name="adj" fmla="val 134722"/>
+              </a:avLst>
+            </a:prstGeom>
+            <a:noFill/>
+            <a:ln w="19050" cap="flat" cmpd="sng" algn="ctr">
+              <a:solidFill>
+                <a:schemeClr val="dk1"/>
+              </a:solidFill>
+              <a:prstDash val="solid"/>
+              <a:round/>
+              <a:headEnd type="none" w="med" len="med"/>
+              <a:tailEnd type="none" w="med" len="med"/>
+            </a:ln>
+          </p:spPr>
+          <p:style>
+            <a:lnRef idx="0">
+              <a:scrgbClr r="0" g="0" b="0"/>
+            </a:lnRef>
+            <a:fillRef idx="0">
+              <a:scrgbClr r="0" g="0" b="0"/>
+            </a:fillRef>
+            <a:effectRef idx="0">
+              <a:scrgbClr r="0" g="0" b="0"/>
+            </a:effectRef>
+            <a:fontRef idx="minor">
+              <a:schemeClr val="dk1"/>
+            </a:fontRef>
+          </p:style>
+          <p:txBody>
+            <a:bodyPr rtlCol="0" anchor="ctr"/>
+            <a:lstStyle/>
+            <a:p>
+              <a:pPr algn="ctr"/>
+              <a:endParaRPr lang="en-US"/>
+            </a:p>
+          </p:txBody>
+        </p:sp>
+        <p:sp>
+          <p:nvSpPr>
+            <p:cNvPr id="23" name="TextBox 22">
+              <a:extLst>
+                <a:ext uri="{FF2B5EF4-FFF2-40B4-BE49-F238E27FC236}">
+                  <a16:creationId xmlns:a16="http://schemas.microsoft.com/office/drawing/2014/main" id="{0D631430-9299-82E9-5984-CC72A0F587AB}"/>
+                </a:ext>
+              </a:extLst>
+            </p:cNvPr>
+            <p:cNvSpPr txBox="1"/>
+            <p:nvPr/>
+          </p:nvSpPr>
+          <p:spPr>
+            <a:xfrm>
+              <a:off x="3169631" y="5875272"/>
+              <a:ext cx="1866056" cy="646331"/>
+            </a:xfrm>
+            <a:prstGeom prst="rect">
+              <a:avLst/>
+            </a:prstGeom>
+            <a:noFill/>
+          </p:spPr>
+          <p:txBody>
+            <a:bodyPr wrap="square">
+              <a:spAutoFit/>
+            </a:bodyPr>
+            <a:lstStyle/>
+            <a:p>
+              <a:r>
+                <a:rPr lang="en-US" sz="1800" dirty="0">
+                  <a:solidFill>
+                    <a:schemeClr val="tx1"/>
+                  </a:solidFill>
+                  <a:latin typeface="Times New Roman" panose="02020603050405020304" pitchFamily="18" charset="0"/>
+                  <a:cs typeface="Times New Roman" panose="02020603050405020304" pitchFamily="18" charset="0"/>
+                </a:rPr>
+                <a:t>Vortex ring</a:t>
+              </a:r>
+            </a:p>
+            <a:p>
+              <a:r>
+                <a:rPr lang="en-US" sz="1800" dirty="0">
+                  <a:solidFill>
+                    <a:schemeClr val="tx1"/>
+                  </a:solidFill>
+                  <a:latin typeface="Times New Roman" panose="02020603050405020304" pitchFamily="18" charset="0"/>
+                  <a:cs typeface="Times New Roman" panose="02020603050405020304" pitchFamily="18" charset="0"/>
+                </a:rPr>
+                <a:t>generator</a:t>
+              </a:r>
+              <a:endParaRPr lang="en-US" dirty="0">
+                <a:latin typeface="Times New Roman" panose="02020603050405020304" pitchFamily="18" charset="0"/>
+                <a:cs typeface="Times New Roman" panose="02020603050405020304" pitchFamily="18" charset="0"/>
+              </a:endParaRPr>
+            </a:p>
+          </p:txBody>
+        </p:sp>
+        <p:sp>
+          <p:nvSpPr>
+            <p:cNvPr id="24" name="TextBox 23">
+              <a:extLst>
+                <a:ext uri="{FF2B5EF4-FFF2-40B4-BE49-F238E27FC236}">
+                  <a16:creationId xmlns:a16="http://schemas.microsoft.com/office/drawing/2014/main" id="{1DA48C05-1490-8756-1700-5E4E8CF2C56A}"/>
+                </a:ext>
+              </a:extLst>
+            </p:cNvPr>
+            <p:cNvSpPr txBox="1"/>
+            <p:nvPr/>
+          </p:nvSpPr>
+          <p:spPr>
+            <a:xfrm>
+              <a:off x="4445140" y="2898517"/>
+              <a:ext cx="970123" cy="646331"/>
+            </a:xfrm>
+            <a:prstGeom prst="rect">
+              <a:avLst/>
+            </a:prstGeom>
+            <a:noFill/>
+          </p:spPr>
+          <p:txBody>
+            <a:bodyPr wrap="square">
+              <a:spAutoFit/>
+            </a:bodyPr>
+            <a:lstStyle/>
+            <a:p>
+              <a:r>
+                <a:rPr lang="en-US" sz="1800" dirty="0">
+                  <a:solidFill>
+                    <a:schemeClr val="tx1"/>
+                  </a:solidFill>
+                  <a:latin typeface="Times New Roman" panose="02020603050405020304" pitchFamily="18" charset="0"/>
+                  <a:cs typeface="Times New Roman" panose="02020603050405020304" pitchFamily="18" charset="0"/>
+                </a:rPr>
+                <a:t>Imaging window</a:t>
+              </a:r>
+              <a:endParaRPr lang="en-US" dirty="0">
+                <a:latin typeface="Times New Roman" panose="02020603050405020304" pitchFamily="18" charset="0"/>
+                <a:cs typeface="Times New Roman" panose="02020603050405020304" pitchFamily="18" charset="0"/>
+              </a:endParaRPr>
+            </a:p>
+          </p:txBody>
+        </p:sp>
+        <p:cxnSp>
+          <p:nvCxnSpPr>
+            <p:cNvPr id="25" name="Straight Connector 24">
+              <a:extLst>
+                <a:ext uri="{FF2B5EF4-FFF2-40B4-BE49-F238E27FC236}">
+                  <a16:creationId xmlns:a16="http://schemas.microsoft.com/office/drawing/2014/main" id="{7B7DFB45-E65C-6C35-05D3-0B68E33E9679}"/>
+                </a:ext>
+              </a:extLst>
+            </p:cNvPr>
+            <p:cNvCxnSpPr>
+              <a:cxnSpLocks/>
+            </p:cNvCxnSpPr>
+            <p:nvPr/>
+          </p:nvCxnSpPr>
+          <p:spPr>
+            <a:xfrm flipV="1">
+              <a:off x="3570927" y="3151695"/>
+              <a:ext cx="752383" cy="847189"/>
+            </a:xfrm>
+            <a:prstGeom prst="line">
+              <a:avLst/>
+            </a:prstGeom>
+            <a:ln w="12700" cap="rnd">
+              <a:solidFill>
+                <a:schemeClr val="tx1"/>
+              </a:solidFill>
+              <a:headEnd type="oval" w="sm" len="sm"/>
+            </a:ln>
+          </p:spPr>
+          <p:style>
+            <a:lnRef idx="1">
+              <a:schemeClr val="accent1"/>
+            </a:lnRef>
+            <a:fillRef idx="0">
+              <a:schemeClr val="accent1"/>
+            </a:fillRef>
+            <a:effectRef idx="0">
+              <a:schemeClr val="accent1"/>
+            </a:effectRef>
+            <a:fontRef idx="minor">
+              <a:schemeClr val="tx1"/>
+            </a:fontRef>
+          </p:style>
+        </p:cxnSp>
+        <p:cxnSp>
+          <p:nvCxnSpPr>
+            <p:cNvPr id="26" name="Straight Connector 25">
+              <a:extLst>
+                <a:ext uri="{FF2B5EF4-FFF2-40B4-BE49-F238E27FC236}">
+                  <a16:creationId xmlns:a16="http://schemas.microsoft.com/office/drawing/2014/main" id="{1D10E35B-15FC-1415-08CB-1CB97828C46A}"/>
+                </a:ext>
+              </a:extLst>
+            </p:cNvPr>
+            <p:cNvCxnSpPr>
+              <a:cxnSpLocks/>
+            </p:cNvCxnSpPr>
+            <p:nvPr/>
+          </p:nvCxnSpPr>
+          <p:spPr>
+            <a:xfrm flipV="1">
+              <a:off x="4322985" y="3151622"/>
+              <a:ext cx="147744" cy="1789"/>
+            </a:xfrm>
+            <a:prstGeom prst="line">
+              <a:avLst/>
+            </a:prstGeom>
+            <a:ln cap="rnd"/>
+          </p:spPr>
+          <p:style>
+            <a:lnRef idx="2">
+              <a:schemeClr val="dk1"/>
+            </a:lnRef>
+            <a:fillRef idx="0">
+              <a:schemeClr val="dk1"/>
+            </a:fillRef>
+            <a:effectRef idx="1">
+              <a:schemeClr val="dk1"/>
+            </a:effectRef>
+            <a:fontRef idx="minor">
+              <a:schemeClr val="tx1"/>
+            </a:fontRef>
+          </p:style>
+        </p:cxnSp>
+        <p:sp>
+          <p:nvSpPr>
+            <p:cNvPr id="27" name="TextBox 26">
+              <a:extLst>
+                <a:ext uri="{FF2B5EF4-FFF2-40B4-BE49-F238E27FC236}">
+                  <a16:creationId xmlns:a16="http://schemas.microsoft.com/office/drawing/2014/main" id="{23F39C12-5006-87CB-E03F-FFFBF45AB04B}"/>
+                </a:ext>
+              </a:extLst>
+            </p:cNvPr>
+            <p:cNvSpPr txBox="1"/>
+            <p:nvPr/>
+          </p:nvSpPr>
+          <p:spPr>
+            <a:xfrm>
+              <a:off x="4088316" y="5198220"/>
+              <a:ext cx="1326947" cy="369332"/>
+            </a:xfrm>
+            <a:prstGeom prst="rect">
+              <a:avLst/>
+            </a:prstGeom>
+            <a:noFill/>
+          </p:spPr>
+          <p:txBody>
+            <a:bodyPr wrap="square">
+              <a:spAutoFit/>
+            </a:bodyPr>
+            <a:lstStyle/>
+            <a:p>
+              <a:r>
+                <a:rPr lang="en-US" sz="1800" dirty="0">
+                  <a:solidFill>
+                    <a:schemeClr val="tx1"/>
+                  </a:solidFill>
+                  <a:latin typeface="Times New Roman" panose="02020603050405020304" pitchFamily="18" charset="0"/>
+                  <a:cs typeface="Times New Roman" panose="02020603050405020304" pitchFamily="18" charset="0"/>
+                </a:rPr>
+                <a:t>Laser sheet</a:t>
+              </a:r>
+            </a:p>
+          </p:txBody>
+        </p:sp>
+        <p:cxnSp>
+          <p:nvCxnSpPr>
+            <p:cNvPr id="28" name="Straight Connector 27">
+              <a:extLst>
+                <a:ext uri="{FF2B5EF4-FFF2-40B4-BE49-F238E27FC236}">
+                  <a16:creationId xmlns:a16="http://schemas.microsoft.com/office/drawing/2014/main" id="{30199DAB-32B4-7A70-63CA-D421A3153477}"/>
+                </a:ext>
+              </a:extLst>
+            </p:cNvPr>
+            <p:cNvCxnSpPr>
+              <a:cxnSpLocks/>
+            </p:cNvCxnSpPr>
+            <p:nvPr/>
+          </p:nvCxnSpPr>
+          <p:spPr>
+            <a:xfrm>
+              <a:off x="3030721" y="4916812"/>
+              <a:ext cx="918693" cy="432480"/>
+            </a:xfrm>
+            <a:prstGeom prst="line">
+              <a:avLst/>
+            </a:prstGeom>
+            <a:ln w="12700" cap="rnd">
+              <a:solidFill>
+                <a:schemeClr val="tx1"/>
+              </a:solidFill>
+              <a:headEnd type="oval" w="sm" len="sm"/>
+            </a:ln>
+          </p:spPr>
+          <p:style>
+            <a:lnRef idx="1">
+              <a:schemeClr val="accent1"/>
+            </a:lnRef>
+            <a:fillRef idx="0">
+              <a:schemeClr val="accent1"/>
+            </a:fillRef>
+            <a:effectRef idx="0">
+              <a:schemeClr val="accent1"/>
+            </a:effectRef>
+            <a:fontRef idx="minor">
+              <a:schemeClr val="tx1"/>
+            </a:fontRef>
+          </p:style>
+        </p:cxnSp>
+        <p:cxnSp>
+          <p:nvCxnSpPr>
+            <p:cNvPr id="29" name="Straight Connector 28">
+              <a:extLst>
+                <a:ext uri="{FF2B5EF4-FFF2-40B4-BE49-F238E27FC236}">
+                  <a16:creationId xmlns:a16="http://schemas.microsoft.com/office/drawing/2014/main" id="{FC7AD1C8-BA3A-B10A-B14A-2CF9782C526A}"/>
+                </a:ext>
+              </a:extLst>
+            </p:cNvPr>
+            <p:cNvCxnSpPr>
+              <a:cxnSpLocks/>
+            </p:cNvCxnSpPr>
+            <p:nvPr/>
+          </p:nvCxnSpPr>
+          <p:spPr>
+            <a:xfrm flipV="1">
+              <a:off x="3949089" y="5349220"/>
+              <a:ext cx="147744" cy="1789"/>
+            </a:xfrm>
+            <a:prstGeom prst="line">
+              <a:avLst/>
+            </a:prstGeom>
+            <a:ln cap="rnd"/>
+          </p:spPr>
+          <p:style>
+            <a:lnRef idx="2">
+              <a:schemeClr val="dk1"/>
+            </a:lnRef>
+            <a:fillRef idx="0">
+              <a:schemeClr val="dk1"/>
+            </a:fillRef>
+            <a:effectRef idx="1">
+              <a:schemeClr val="dk1"/>
+            </a:effectRef>
+            <a:fontRef idx="minor">
+              <a:schemeClr val="tx1"/>
+            </a:fontRef>
+          </p:style>
+        </p:cxnSp>
+        <p:sp>
+          <p:nvSpPr>
+            <p:cNvPr id="30" name="TextBox 29">
+              <a:extLst>
+                <a:ext uri="{FF2B5EF4-FFF2-40B4-BE49-F238E27FC236}">
+                  <a16:creationId xmlns:a16="http://schemas.microsoft.com/office/drawing/2014/main" id="{154D2F6B-734E-CCA0-6AC6-739430A74BCE}"/>
+                </a:ext>
+              </a:extLst>
+            </p:cNvPr>
+            <p:cNvSpPr txBox="1"/>
+            <p:nvPr/>
+          </p:nvSpPr>
+          <p:spPr>
+            <a:xfrm>
+              <a:off x="4132756" y="2322414"/>
+              <a:ext cx="1694932" cy="369332"/>
+            </a:xfrm>
+            <a:prstGeom prst="rect">
+              <a:avLst/>
+            </a:prstGeom>
+            <a:noFill/>
+          </p:spPr>
+          <p:txBody>
+            <a:bodyPr wrap="square">
+              <a:spAutoFit/>
+            </a:bodyPr>
+            <a:lstStyle/>
+            <a:p>
+              <a:r>
+                <a:rPr lang="en-US" sz="1800" dirty="0">
+                  <a:solidFill>
+                    <a:schemeClr val="tx1"/>
+                  </a:solidFill>
+                  <a:latin typeface="Times New Roman" panose="02020603050405020304" pitchFamily="18" charset="0"/>
+                  <a:cs typeface="Times New Roman" panose="02020603050405020304" pitchFamily="18" charset="0"/>
+                </a:rPr>
+                <a:t>Vortex ring (</a:t>
+              </a:r>
+              <a:r>
+                <a:rPr lang="en-US" sz="1800" dirty="0" err="1">
+                  <a:solidFill>
+                    <a:schemeClr val="tx1"/>
+                  </a:solidFill>
+                  <a:latin typeface="Times New Roman" panose="02020603050405020304" pitchFamily="18" charset="0"/>
+                  <a:cs typeface="Times New Roman" panose="02020603050405020304" pitchFamily="18" charset="0"/>
+                </a:rPr>
+                <a:t>Ar</a:t>
+              </a:r>
+              <a:r>
+                <a:rPr lang="en-US" sz="1800" dirty="0">
+                  <a:solidFill>
+                    <a:schemeClr val="tx1"/>
+                  </a:solidFill>
+                  <a:latin typeface="Times New Roman" panose="02020603050405020304" pitchFamily="18" charset="0"/>
+                  <a:cs typeface="Times New Roman" panose="02020603050405020304" pitchFamily="18" charset="0"/>
+                </a:rPr>
+                <a:t>)</a:t>
+              </a:r>
+              <a:endParaRPr lang="en-US" dirty="0">
+                <a:latin typeface="Times New Roman" panose="02020603050405020304" pitchFamily="18" charset="0"/>
+                <a:cs typeface="Times New Roman" panose="02020603050405020304" pitchFamily="18" charset="0"/>
+              </a:endParaRPr>
+            </a:p>
+          </p:txBody>
+        </p:sp>
+        <p:sp>
+          <p:nvSpPr>
+            <p:cNvPr id="31" name="TextBox 30">
+              <a:extLst>
+                <a:ext uri="{FF2B5EF4-FFF2-40B4-BE49-F238E27FC236}">
+                  <a16:creationId xmlns:a16="http://schemas.microsoft.com/office/drawing/2014/main" id="{6902254A-0E05-B511-3F18-3C83E6916E66}"/>
+                </a:ext>
+              </a:extLst>
+            </p:cNvPr>
+            <p:cNvSpPr txBox="1"/>
+            <p:nvPr/>
+          </p:nvSpPr>
+          <p:spPr>
+            <a:xfrm>
+              <a:off x="3834424" y="1689434"/>
+              <a:ext cx="1694932" cy="369332"/>
+            </a:xfrm>
+            <a:prstGeom prst="rect">
+              <a:avLst/>
+            </a:prstGeom>
+            <a:noFill/>
+          </p:spPr>
+          <p:txBody>
+            <a:bodyPr wrap="square">
+              <a:spAutoFit/>
+            </a:bodyPr>
+            <a:lstStyle/>
+            <a:p>
+              <a:r>
+                <a:rPr lang="en-US" sz="1800" dirty="0">
+                  <a:solidFill>
+                    <a:schemeClr val="tx1"/>
+                  </a:solidFill>
+                  <a:latin typeface="Times New Roman" panose="02020603050405020304" pitchFamily="18" charset="0"/>
+                  <a:cs typeface="Times New Roman" panose="02020603050405020304" pitchFamily="18" charset="0"/>
+                </a:rPr>
+                <a:t>Ambient (N</a:t>
+              </a:r>
+              <a:r>
+                <a:rPr lang="en-US" sz="1800" baseline="-25000" dirty="0">
+                  <a:solidFill>
+                    <a:schemeClr val="tx1"/>
+                  </a:solidFill>
+                  <a:latin typeface="Times New Roman" panose="02020603050405020304" pitchFamily="18" charset="0"/>
+                  <a:cs typeface="Times New Roman" panose="02020603050405020304" pitchFamily="18" charset="0"/>
+                </a:rPr>
+                <a:t>2</a:t>
+              </a:r>
+              <a:r>
+                <a:rPr lang="en-US" sz="1800" dirty="0">
+                  <a:solidFill>
+                    <a:schemeClr val="tx1"/>
+                  </a:solidFill>
+                  <a:latin typeface="Times New Roman" panose="02020603050405020304" pitchFamily="18" charset="0"/>
+                  <a:cs typeface="Times New Roman" panose="02020603050405020304" pitchFamily="18" charset="0"/>
+                </a:rPr>
+                <a:t>)</a:t>
+              </a:r>
+              <a:endParaRPr lang="en-US" dirty="0">
+                <a:latin typeface="Times New Roman" panose="02020603050405020304" pitchFamily="18" charset="0"/>
+                <a:cs typeface="Times New Roman" panose="02020603050405020304" pitchFamily="18" charset="0"/>
+              </a:endParaRPr>
+            </a:p>
+          </p:txBody>
+        </p:sp>
+        <p:cxnSp>
+          <p:nvCxnSpPr>
+            <p:cNvPr id="40" name="Straight Connector 39">
+              <a:extLst>
+                <a:ext uri="{FF2B5EF4-FFF2-40B4-BE49-F238E27FC236}">
+                  <a16:creationId xmlns:a16="http://schemas.microsoft.com/office/drawing/2014/main" id="{699C9BB4-E7F4-A768-A83D-09193F55DF3B}"/>
+                </a:ext>
+              </a:extLst>
+            </p:cNvPr>
+            <p:cNvCxnSpPr>
+              <a:cxnSpLocks/>
+            </p:cNvCxnSpPr>
+            <p:nvPr/>
+          </p:nvCxnSpPr>
+          <p:spPr>
+            <a:xfrm flipV="1">
+              <a:off x="3051584" y="2533174"/>
+              <a:ext cx="954455" cy="1714879"/>
+            </a:xfrm>
+            <a:prstGeom prst="line">
+              <a:avLst/>
+            </a:prstGeom>
+            <a:ln w="12700" cap="rnd">
+              <a:solidFill>
+                <a:schemeClr val="tx1"/>
+              </a:solidFill>
+              <a:headEnd type="oval" w="sm" len="sm"/>
+            </a:ln>
+          </p:spPr>
+          <p:style>
+            <a:lnRef idx="1">
+              <a:schemeClr val="accent1"/>
+            </a:lnRef>
+            <a:fillRef idx="0">
+              <a:schemeClr val="accent1"/>
+            </a:fillRef>
+            <a:effectRef idx="0">
+              <a:schemeClr val="accent1"/>
+            </a:effectRef>
+            <a:fontRef idx="minor">
+              <a:schemeClr val="tx1"/>
+            </a:fontRef>
+          </p:style>
+        </p:cxnSp>
+        <p:cxnSp>
+          <p:nvCxnSpPr>
+            <p:cNvPr id="41" name="Straight Connector 40">
+              <a:extLst>
+                <a:ext uri="{FF2B5EF4-FFF2-40B4-BE49-F238E27FC236}">
+                  <a16:creationId xmlns:a16="http://schemas.microsoft.com/office/drawing/2014/main" id="{8DEC1846-E594-143C-DDC9-9B06FE02A8D4}"/>
+                </a:ext>
+              </a:extLst>
+            </p:cNvPr>
+            <p:cNvCxnSpPr>
+              <a:cxnSpLocks/>
+            </p:cNvCxnSpPr>
+            <p:nvPr/>
+          </p:nvCxnSpPr>
+          <p:spPr>
+            <a:xfrm flipV="1">
+              <a:off x="4005714" y="2533101"/>
+              <a:ext cx="147744" cy="1789"/>
+            </a:xfrm>
+            <a:prstGeom prst="line">
+              <a:avLst/>
+            </a:prstGeom>
+            <a:ln cap="rnd"/>
+          </p:spPr>
+          <p:style>
+            <a:lnRef idx="2">
+              <a:schemeClr val="dk1"/>
+            </a:lnRef>
+            <a:fillRef idx="0">
+              <a:schemeClr val="dk1"/>
+            </a:fillRef>
+            <a:effectRef idx="1">
+              <a:schemeClr val="dk1"/>
+            </a:effectRef>
+            <a:fontRef idx="minor">
+              <a:schemeClr val="tx1"/>
+            </a:fontRef>
+          </p:style>
+        </p:cxnSp>
+        <p:cxnSp>
+          <p:nvCxnSpPr>
+            <p:cNvPr id="44" name="Straight Connector 43">
+              <a:extLst>
+                <a:ext uri="{FF2B5EF4-FFF2-40B4-BE49-F238E27FC236}">
+                  <a16:creationId xmlns:a16="http://schemas.microsoft.com/office/drawing/2014/main" id="{885581BD-7F11-BC76-594F-74057134867B}"/>
+                </a:ext>
+              </a:extLst>
+            </p:cNvPr>
+            <p:cNvCxnSpPr>
+              <a:cxnSpLocks/>
+            </p:cNvCxnSpPr>
+            <p:nvPr/>
+          </p:nvCxnSpPr>
+          <p:spPr>
+            <a:xfrm flipV="1">
+              <a:off x="3017542" y="1879375"/>
+              <a:ext cx="776094" cy="2147832"/>
+            </a:xfrm>
+            <a:prstGeom prst="line">
+              <a:avLst/>
+            </a:prstGeom>
+            <a:ln w="12700" cap="rnd">
+              <a:solidFill>
+                <a:schemeClr val="tx1"/>
+              </a:solidFill>
+              <a:headEnd type="oval" w="sm" len="sm"/>
+            </a:ln>
+          </p:spPr>
+          <p:style>
+            <a:lnRef idx="1">
+              <a:schemeClr val="accent1"/>
+            </a:lnRef>
+            <a:fillRef idx="0">
+              <a:schemeClr val="accent1"/>
+            </a:fillRef>
+            <a:effectRef idx="0">
+              <a:schemeClr val="accent1"/>
+            </a:effectRef>
+            <a:fontRef idx="minor">
+              <a:schemeClr val="tx1"/>
+            </a:fontRef>
+          </p:style>
+        </p:cxnSp>
+        <p:cxnSp>
+          <p:nvCxnSpPr>
+            <p:cNvPr id="45" name="Straight Connector 44">
+              <a:extLst>
+                <a:ext uri="{FF2B5EF4-FFF2-40B4-BE49-F238E27FC236}">
+                  <a16:creationId xmlns:a16="http://schemas.microsoft.com/office/drawing/2014/main" id="{BC8A5F8D-844C-A0B2-6A90-828D659C0970}"/>
+                </a:ext>
+              </a:extLst>
+            </p:cNvPr>
+            <p:cNvCxnSpPr>
+              <a:cxnSpLocks/>
+            </p:cNvCxnSpPr>
+            <p:nvPr/>
+          </p:nvCxnSpPr>
+          <p:spPr>
+            <a:xfrm flipV="1">
+              <a:off x="3793311" y="1879302"/>
+              <a:ext cx="147744" cy="1789"/>
+            </a:xfrm>
+            <a:prstGeom prst="line">
+              <a:avLst/>
+            </a:prstGeom>
+            <a:ln cap="rnd"/>
+          </p:spPr>
+          <p:style>
+            <a:lnRef idx="2">
+              <a:schemeClr val="dk1"/>
+            </a:lnRef>
+            <a:fillRef idx="0">
+              <a:schemeClr val="dk1"/>
+            </a:fillRef>
+            <a:effectRef idx="1">
+              <a:schemeClr val="dk1"/>
+            </a:effectRef>
+            <a:fontRef idx="minor">
+              <a:schemeClr val="tx1"/>
+            </a:fontRef>
+          </p:style>
+        </p:cxnSp>
+        <p:sp>
+          <p:nvSpPr>
+            <p:cNvPr id="2" name="Cylinder 1">
+              <a:extLst>
+                <a:ext uri="{FF2B5EF4-FFF2-40B4-BE49-F238E27FC236}">
+                  <a16:creationId xmlns:a16="http://schemas.microsoft.com/office/drawing/2014/main" id="{81CF5970-7C2E-D9AC-394D-79E2975FC6B0}"/>
+                </a:ext>
+              </a:extLst>
+            </p:cNvPr>
+            <p:cNvSpPr/>
+            <p:nvPr/>
+          </p:nvSpPr>
+          <p:spPr>
+            <a:xfrm rot="5076130">
+              <a:off x="4600982" y="3896547"/>
+              <a:ext cx="176568" cy="291366"/>
+            </a:xfrm>
+            <a:prstGeom prst="can">
+              <a:avLst/>
+            </a:prstGeom>
+            <a:solidFill>
+              <a:srgbClr val="AF3ECE"/>
+            </a:solidFill>
+            <a:ln>
+              <a:solidFill>
+                <a:schemeClr val="tx1"/>
+              </a:solidFill>
+            </a:ln>
+          </p:spPr>
+          <p:style>
+            <a:lnRef idx="2">
+              <a:schemeClr val="accent1">
+                <a:shade val="50000"/>
+              </a:schemeClr>
+            </a:lnRef>
+            <a:fillRef idx="1">
+              <a:schemeClr val="accent1"/>
+            </a:fillRef>
+            <a:effectRef idx="0">
+              <a:schemeClr val="accent1"/>
+            </a:effectRef>
+            <a:fontRef idx="minor">
+              <a:schemeClr val="lt1"/>
+            </a:fontRef>
+          </p:style>
+          <p:txBody>
+            <a:bodyPr rtlCol="0" anchor="ctr"/>
+            <a:lstStyle/>
+            <a:p>
+              <a:pPr algn="ctr"/>
+              <a:endParaRPr lang="en-US"/>
+            </a:p>
+          </p:txBody>
+        </p:sp>
+        <p:sp>
+          <p:nvSpPr>
+            <p:cNvPr id="42" name="Cube 41">
+              <a:extLst>
+                <a:ext uri="{FF2B5EF4-FFF2-40B4-BE49-F238E27FC236}">
+                  <a16:creationId xmlns:a16="http://schemas.microsoft.com/office/drawing/2014/main" id="{172C89E3-46C3-549A-05C2-441D27859BE7}"/>
+                </a:ext>
+              </a:extLst>
+            </p:cNvPr>
+            <p:cNvSpPr/>
+            <p:nvPr/>
+          </p:nvSpPr>
+          <p:spPr>
+            <a:xfrm rot="21286484">
+              <a:off x="4670793" y="3681791"/>
+              <a:ext cx="833985" cy="577796"/>
+            </a:xfrm>
+            <a:prstGeom prst="cube">
+              <a:avLst>
+                <a:gd name="adj" fmla="val 31233"/>
+              </a:avLst>
+            </a:prstGeom>
+            <a:solidFill>
+              <a:srgbClr val="AF3ECE"/>
+            </a:solidFill>
+            <a:ln>
+              <a:solidFill>
+                <a:schemeClr val="tx1"/>
+              </a:solidFill>
+            </a:ln>
+          </p:spPr>
+          <p:style>
+            <a:lnRef idx="2">
+              <a:schemeClr val="accent1">
+                <a:shade val="50000"/>
+              </a:schemeClr>
+            </a:lnRef>
+            <a:fillRef idx="1">
+              <a:schemeClr val="accent1"/>
+            </a:fillRef>
+            <a:effectRef idx="0">
+              <a:schemeClr val="accent1"/>
+            </a:effectRef>
+            <a:fontRef idx="minor">
+              <a:schemeClr val="lt1"/>
+            </a:fontRef>
+          </p:style>
+          <p:txBody>
+            <a:bodyPr rtlCol="0" anchor="ctr"/>
+            <a:lstStyle/>
+            <a:p>
+              <a:pPr algn="ctr"/>
+              <a:r>
+                <a:rPr lang="en-US" sz="1600" dirty="0">
+                  <a:solidFill>
+                    <a:schemeClr val="tx1"/>
+                  </a:solidFill>
+                  <a:latin typeface="Times New Roman" panose="02020603050405020304" pitchFamily="18" charset="0"/>
+                  <a:cs typeface="Times New Roman" panose="02020603050405020304" pitchFamily="18" charset="0"/>
+                </a:rPr>
+                <a:t>PLIF</a:t>
+              </a:r>
+            </a:p>
+          </p:txBody>
+        </p:sp>
+        <p:sp>
+          <p:nvSpPr>
+            <p:cNvPr id="43" name="Cylinder 42">
+              <a:extLst>
+                <a:ext uri="{FF2B5EF4-FFF2-40B4-BE49-F238E27FC236}">
+                  <a16:creationId xmlns:a16="http://schemas.microsoft.com/office/drawing/2014/main" id="{E50D8BAE-BE9B-C079-453C-461E29466A4B}"/>
+                </a:ext>
+              </a:extLst>
+            </p:cNvPr>
+            <p:cNvSpPr/>
+            <p:nvPr/>
+          </p:nvSpPr>
+          <p:spPr>
+            <a:xfrm rot="5644842">
+              <a:off x="4559676" y="4554436"/>
+              <a:ext cx="176568" cy="291366"/>
+            </a:xfrm>
+            <a:prstGeom prst="can">
+              <a:avLst/>
+            </a:prstGeom>
+            <a:solidFill>
+              <a:schemeClr val="accent6">
+                <a:lumMod val="60000"/>
+                <a:lumOff val="40000"/>
+              </a:schemeClr>
+            </a:solidFill>
+            <a:ln>
+              <a:solidFill>
+                <a:schemeClr val="tx1"/>
+              </a:solidFill>
+            </a:ln>
+          </p:spPr>
+          <p:style>
+            <a:lnRef idx="2">
+              <a:schemeClr val="accent1">
+                <a:shade val="50000"/>
+              </a:schemeClr>
+            </a:lnRef>
+            <a:fillRef idx="1">
+              <a:schemeClr val="accent1"/>
+            </a:fillRef>
+            <a:effectRef idx="0">
+              <a:schemeClr val="accent1"/>
+            </a:effectRef>
+            <a:fontRef idx="minor">
+              <a:schemeClr val="lt1"/>
+            </a:fontRef>
+          </p:style>
+          <p:txBody>
+            <a:bodyPr rtlCol="0" anchor="ctr"/>
+            <a:lstStyle/>
+            <a:p>
+              <a:pPr algn="ctr"/>
+              <a:endParaRPr lang="en-US"/>
+            </a:p>
+          </p:txBody>
+        </p:sp>
+        <p:sp>
+          <p:nvSpPr>
+            <p:cNvPr id="46" name="Cube 45">
+              <a:extLst>
+                <a:ext uri="{FF2B5EF4-FFF2-40B4-BE49-F238E27FC236}">
+                  <a16:creationId xmlns:a16="http://schemas.microsoft.com/office/drawing/2014/main" id="{EF7CA5E8-3170-CDEA-D0DD-876028DA63B4}"/>
+                </a:ext>
+              </a:extLst>
+            </p:cNvPr>
+            <p:cNvSpPr/>
+            <p:nvPr/>
+          </p:nvSpPr>
+          <p:spPr>
+            <a:xfrm rot="255196">
+              <a:off x="4619749" y="4399846"/>
+              <a:ext cx="825467" cy="577796"/>
+            </a:xfrm>
+            <a:prstGeom prst="cube">
+              <a:avLst>
+                <a:gd name="adj" fmla="val 31233"/>
+              </a:avLst>
+            </a:prstGeom>
+            <a:solidFill>
+              <a:schemeClr val="accent6">
+                <a:lumMod val="60000"/>
+                <a:lumOff val="40000"/>
+              </a:schemeClr>
+            </a:solidFill>
+            <a:ln>
+              <a:solidFill>
+                <a:schemeClr val="tx1"/>
+              </a:solidFill>
+            </a:ln>
+          </p:spPr>
+          <p:style>
+            <a:lnRef idx="2">
+              <a:schemeClr val="accent1">
+                <a:shade val="50000"/>
+              </a:schemeClr>
+            </a:lnRef>
+            <a:fillRef idx="1">
+              <a:schemeClr val="accent1"/>
+            </a:fillRef>
+            <a:effectRef idx="0">
+              <a:schemeClr val="accent1"/>
+            </a:effectRef>
+            <a:fontRef idx="minor">
+              <a:schemeClr val="lt1"/>
+            </a:fontRef>
+          </p:style>
+          <p:txBody>
+            <a:bodyPr rtlCol="0" anchor="ctr"/>
+            <a:lstStyle/>
+            <a:p>
+              <a:pPr algn="ctr"/>
+              <a:r>
+                <a:rPr lang="en-US" sz="1200" dirty="0">
+                  <a:solidFill>
+                    <a:schemeClr val="tx1"/>
+                  </a:solidFill>
+                  <a:latin typeface="Times New Roman" panose="02020603050405020304" pitchFamily="18" charset="0"/>
+                  <a:cs typeface="Times New Roman" panose="02020603050405020304" pitchFamily="18" charset="0"/>
+                </a:rPr>
+                <a:t>PIV</a:t>
+              </a:r>
+            </a:p>
+          </p:txBody>
+        </p:sp>
+      </p:grpSp>
+    </p:spTree>
+    <p:extLst>
+      <p:ext uri="{BB962C8B-B14F-4D97-AF65-F5344CB8AC3E}">
+        <p14:creationId xmlns:p14="http://schemas.microsoft.com/office/powerpoint/2010/main" val="391093224"/>
+      </p:ext>
+    </p:extLst>
+  </p:cSld>
+  <p:clrMapOvr>
+    <a:masterClrMapping/>
+  </p:clrMapOvr>
+</p:sld>
+</file>
+
+<file path=ppt/slides/slide5.xml><?xml version="1.0" encoding="utf-8"?>
+<p:sld xmlns:a="http://schemas.openxmlformats.org/drawingml/2006/main" xmlns:r="http://schemas.openxmlformats.org/officeDocument/2006/relationships" xmlns:p="http://schemas.openxmlformats.org/presentationml/2006/main">
+  <p:cSld>
+    <p:spTree>
+      <p:nvGrpSpPr>
+        <p:cNvPr id="1" name=""/>
+        <p:cNvGrpSpPr/>
+        <p:nvPr/>
+      </p:nvGrpSpPr>
+      <p:grpSpPr>
+        <a:xfrm>
+          <a:off x="0" y="0"/>
+          <a:ext cx="0" cy="0"/>
+          <a:chOff x="0" y="0"/>
+          <a:chExt cx="0" cy="0"/>
+        </a:xfrm>
+      </p:grpSpPr>
+      <p:pic>
+        <p:nvPicPr>
+          <p:cNvPr id="3" name="Picture 2" descr="A picture containing text, screenshot, plot, line&#10;&#10;Description automatically generated">
+            <a:extLst>
+              <a:ext uri="{FF2B5EF4-FFF2-40B4-BE49-F238E27FC236}">
+                <a16:creationId xmlns:a16="http://schemas.microsoft.com/office/drawing/2014/main" id="{35D42704-1465-FC8C-0AB9-6B6C7274C262}"/>
+              </a:ext>
+            </a:extLst>
+          </p:cNvPr>
+          <p:cNvPicPr>
+            <a:picLocks noChangeAspect="1"/>
+          </p:cNvPicPr>
+          <p:nvPr/>
+        </p:nvPicPr>
+        <p:blipFill>
+          <a:blip r:embed="rId2">
+            <a:extLst>
+              <a:ext uri="{28A0092B-C50C-407E-A947-70E740481C1C}">
+                <a14:useLocalDpi xmlns:a14="http://schemas.microsoft.com/office/drawing/2010/main" val="0"/>
+              </a:ext>
+            </a:extLst>
+          </a:blip>
+          <a:stretch>
+            <a:fillRect/>
+          </a:stretch>
+        </p:blipFill>
+        <p:spPr>
+          <a:xfrm>
+            <a:off x="1239266" y="321062"/>
+            <a:ext cx="4315968" cy="2877312"/>
+          </a:xfrm>
+          <a:prstGeom prst="rect">
+            <a:avLst/>
+          </a:prstGeom>
+        </p:spPr>
+      </p:pic>
+      <p:sp>
+        <p:nvSpPr>
+          <p:cNvPr id="4" name="Rectangle 3">
+            <a:extLst>
+              <a:ext uri="{FF2B5EF4-FFF2-40B4-BE49-F238E27FC236}">
+                <a16:creationId xmlns:a16="http://schemas.microsoft.com/office/drawing/2014/main" id="{25C1DB9A-8697-39CD-3661-2C3093142F91}"/>
+              </a:ext>
+            </a:extLst>
+          </p:cNvPr>
+          <p:cNvSpPr/>
+          <p:nvPr/>
+        </p:nvSpPr>
+        <p:spPr>
+          <a:xfrm>
+            <a:off x="1762125" y="3990975"/>
+            <a:ext cx="3044825" cy="431800"/>
+          </a:xfrm>
+          <a:prstGeom prst="rect">
+            <a:avLst/>
+          </a:prstGeom>
+        </p:spPr>
+        <p:style>
+          <a:lnRef idx="2">
+            <a:schemeClr val="dk1"/>
+          </a:lnRef>
+          <a:fillRef idx="1">
+            <a:schemeClr val="lt1"/>
+          </a:fillRef>
+          <a:effectRef idx="0">
+            <a:schemeClr val="dk1"/>
+          </a:effectRef>
+          <a:fontRef idx="minor">
+            <a:schemeClr val="dk1"/>
+          </a:fontRef>
+        </p:style>
+        <p:txBody>
+          <a:bodyPr rtlCol="0" anchor="ctr"/>
+          <a:lstStyle/>
+          <a:p>
+            <a:pPr algn="ctr"/>
+            <a:endParaRPr lang="en-US" dirty="0"/>
+          </a:p>
+        </p:txBody>
+      </p:sp>
+      <p:sp>
+        <p:nvSpPr>
+          <p:cNvPr id="6" name="TextBox 5">
+            <a:extLst>
+              <a:ext uri="{FF2B5EF4-FFF2-40B4-BE49-F238E27FC236}">
+                <a16:creationId xmlns:a16="http://schemas.microsoft.com/office/drawing/2014/main" id="{FB3A7FC2-230A-1C5E-32FE-295AC7436336}"/>
+              </a:ext>
+            </a:extLst>
+          </p:cNvPr>
+          <p:cNvSpPr txBox="1"/>
+          <p:nvPr/>
+        </p:nvSpPr>
+        <p:spPr>
+          <a:xfrm>
+            <a:off x="1682750" y="4022209"/>
+            <a:ext cx="3429000" cy="369332"/>
+          </a:xfrm>
+          <a:prstGeom prst="rect">
+            <a:avLst/>
+          </a:prstGeom>
+          <a:noFill/>
+        </p:spPr>
+        <p:txBody>
+          <a:bodyPr wrap="square">
+            <a:spAutoFit/>
+          </a:bodyPr>
+          <a:lstStyle/>
+          <a:p>
+            <a:r>
+              <a:rPr lang="en-US" b="0" i="0" dirty="0">
+                <a:solidFill>
+                  <a:srgbClr val="000000"/>
+                </a:solidFill>
+                <a:effectLst/>
+                <a:latin typeface="Segoe UI Symbol" panose="020B0502040204020203" pitchFamily="34" charset="0"/>
+              </a:rPr>
+              <a:t>④      ③    ②          ①</a:t>
+            </a:r>
+            <a:endParaRPr lang="en-US" dirty="0"/>
+          </a:p>
+        </p:txBody>
+      </p:sp>
+      <p:cxnSp>
+        <p:nvCxnSpPr>
+          <p:cNvPr id="8" name="Straight Connector 7">
+            <a:extLst>
+              <a:ext uri="{FF2B5EF4-FFF2-40B4-BE49-F238E27FC236}">
+                <a16:creationId xmlns:a16="http://schemas.microsoft.com/office/drawing/2014/main" id="{9DBB554B-DE82-55DB-0348-FD6A9F550322}"/>
+              </a:ext>
+            </a:extLst>
+          </p:cNvPr>
+          <p:cNvCxnSpPr/>
+          <p:nvPr/>
+        </p:nvCxnSpPr>
+        <p:spPr>
+          <a:xfrm>
+            <a:off x="2138362" y="3990975"/>
+            <a:ext cx="0" cy="431800"/>
+          </a:xfrm>
+          <a:prstGeom prst="line">
+            <a:avLst/>
+          </a:prstGeom>
+        </p:spPr>
+        <p:style>
+          <a:lnRef idx="1">
+            <a:schemeClr val="dk1"/>
+          </a:lnRef>
+          <a:fillRef idx="0">
+            <a:schemeClr val="dk1"/>
+          </a:fillRef>
+          <a:effectRef idx="0">
+            <a:schemeClr val="dk1"/>
+          </a:effectRef>
+          <a:fontRef idx="minor">
+            <a:schemeClr val="tx1"/>
+          </a:fontRef>
+        </p:style>
+      </p:cxnSp>
+      <p:cxnSp>
+        <p:nvCxnSpPr>
+          <p:cNvPr id="9" name="Straight Connector 8">
+            <a:extLst>
+              <a:ext uri="{FF2B5EF4-FFF2-40B4-BE49-F238E27FC236}">
+                <a16:creationId xmlns:a16="http://schemas.microsoft.com/office/drawing/2014/main" id="{813AA7E7-53AA-8E46-5901-6E50E7661874}"/>
+              </a:ext>
+            </a:extLst>
+          </p:cNvPr>
+          <p:cNvCxnSpPr/>
+          <p:nvPr/>
+        </p:nvCxnSpPr>
+        <p:spPr>
+          <a:xfrm>
+            <a:off x="2207416" y="3987800"/>
+            <a:ext cx="0" cy="431800"/>
+          </a:xfrm>
+          <a:prstGeom prst="line">
+            <a:avLst/>
+          </a:prstGeom>
+        </p:spPr>
+        <p:style>
+          <a:lnRef idx="1">
+            <a:schemeClr val="dk1"/>
+          </a:lnRef>
+          <a:fillRef idx="0">
+            <a:schemeClr val="dk1"/>
+          </a:fillRef>
+          <a:effectRef idx="0">
+            <a:schemeClr val="dk1"/>
+          </a:effectRef>
+          <a:fontRef idx="minor">
+            <a:schemeClr val="tx1"/>
+          </a:fontRef>
+        </p:style>
+      </p:cxnSp>
+      <p:cxnSp>
+        <p:nvCxnSpPr>
+          <p:cNvPr id="10" name="Straight Connector 9">
+            <a:extLst>
+              <a:ext uri="{FF2B5EF4-FFF2-40B4-BE49-F238E27FC236}">
+                <a16:creationId xmlns:a16="http://schemas.microsoft.com/office/drawing/2014/main" id="{8C91F4CC-DC27-36CA-C367-E21FDC658796}"/>
+              </a:ext>
+            </a:extLst>
+          </p:cNvPr>
+          <p:cNvCxnSpPr/>
+          <p:nvPr/>
+        </p:nvCxnSpPr>
+        <p:spPr>
+          <a:xfrm>
+            <a:off x="2103439" y="3991768"/>
+            <a:ext cx="0" cy="431800"/>
+          </a:xfrm>
+          <a:prstGeom prst="line">
+            <a:avLst/>
+          </a:prstGeom>
+        </p:spPr>
+        <p:style>
+          <a:lnRef idx="1">
+            <a:schemeClr val="dk1"/>
+          </a:lnRef>
+          <a:fillRef idx="0">
+            <a:schemeClr val="dk1"/>
+          </a:fillRef>
+          <a:effectRef idx="0">
+            <a:schemeClr val="dk1"/>
+          </a:effectRef>
+          <a:fontRef idx="minor">
+            <a:schemeClr val="tx1"/>
+          </a:fontRef>
+        </p:style>
+      </p:cxnSp>
+      <p:cxnSp>
+        <p:nvCxnSpPr>
+          <p:cNvPr id="11" name="Straight Connector 10">
+            <a:extLst>
+              <a:ext uri="{FF2B5EF4-FFF2-40B4-BE49-F238E27FC236}">
+                <a16:creationId xmlns:a16="http://schemas.microsoft.com/office/drawing/2014/main" id="{3DFC232D-3A20-28BD-154D-69B687FDA817}"/>
+              </a:ext>
+            </a:extLst>
+          </p:cNvPr>
+          <p:cNvCxnSpPr/>
+          <p:nvPr/>
+        </p:nvCxnSpPr>
+        <p:spPr>
+          <a:xfrm>
+            <a:off x="2170113" y="3990975"/>
+            <a:ext cx="0" cy="431800"/>
+          </a:xfrm>
+          <a:prstGeom prst="line">
+            <a:avLst/>
+          </a:prstGeom>
+        </p:spPr>
+        <p:style>
+          <a:lnRef idx="1">
+            <a:schemeClr val="dk1"/>
+          </a:lnRef>
+          <a:fillRef idx="0">
+            <a:schemeClr val="dk1"/>
+          </a:fillRef>
+          <a:effectRef idx="0">
+            <a:schemeClr val="dk1"/>
+          </a:effectRef>
+          <a:fontRef idx="minor">
+            <a:schemeClr val="tx1"/>
+          </a:fontRef>
+        </p:style>
+      </p:cxnSp>
+      <p:cxnSp>
+        <p:nvCxnSpPr>
+          <p:cNvPr id="13" name="Straight Arrow Connector 12">
+            <a:extLst>
+              <a:ext uri="{FF2B5EF4-FFF2-40B4-BE49-F238E27FC236}">
+                <a16:creationId xmlns:a16="http://schemas.microsoft.com/office/drawing/2014/main" id="{B84AC9BD-EF19-0A62-73B5-45F8654C5A57}"/>
+              </a:ext>
+            </a:extLst>
+          </p:cNvPr>
+          <p:cNvCxnSpPr>
+            <a:cxnSpLocks/>
+          </p:cNvCxnSpPr>
+          <p:nvPr/>
+        </p:nvCxnSpPr>
+        <p:spPr>
+          <a:xfrm flipH="1">
+            <a:off x="1983581" y="4203700"/>
+            <a:ext cx="119858" cy="0"/>
+          </a:xfrm>
+          <a:prstGeom prst="straightConnector1">
+            <a:avLst/>
+          </a:prstGeom>
+          <a:ln>
+            <a:solidFill>
+              <a:schemeClr val="tx1"/>
+            </a:solidFill>
+            <a:tailEnd type="triangle"/>
+          </a:ln>
+        </p:spPr>
+        <p:style>
+          <a:lnRef idx="1">
+            <a:schemeClr val="accent1"/>
+          </a:lnRef>
+          <a:fillRef idx="0">
+            <a:schemeClr val="accent1"/>
+          </a:fillRef>
+          <a:effectRef idx="0">
+            <a:schemeClr val="accent1"/>
+          </a:effectRef>
+          <a:fontRef idx="minor">
+            <a:schemeClr val="tx1"/>
+          </a:fontRef>
+        </p:style>
+      </p:cxnSp>
+      <p:cxnSp>
+        <p:nvCxnSpPr>
+          <p:cNvPr id="15" name="Straight Connector 14">
+            <a:extLst>
+              <a:ext uri="{FF2B5EF4-FFF2-40B4-BE49-F238E27FC236}">
+                <a16:creationId xmlns:a16="http://schemas.microsoft.com/office/drawing/2014/main" id="{AE344C4E-C028-D7D6-CE56-1C7731EBFB14}"/>
+              </a:ext>
+            </a:extLst>
+          </p:cNvPr>
+          <p:cNvCxnSpPr/>
+          <p:nvPr/>
+        </p:nvCxnSpPr>
+        <p:spPr>
+          <a:xfrm>
+            <a:off x="2562225" y="3987800"/>
+            <a:ext cx="0" cy="431800"/>
+          </a:xfrm>
+          <a:prstGeom prst="line">
+            <a:avLst/>
+          </a:prstGeom>
+          <a:ln w="9525" cap="flat" cmpd="sng" algn="ctr">
+            <a:solidFill>
+              <a:schemeClr val="dk1"/>
+            </a:solidFill>
+            <a:prstDash val="dash"/>
+            <a:round/>
+            <a:headEnd type="none" w="med" len="med"/>
+            <a:tailEnd type="none" w="med" len="med"/>
+          </a:ln>
+        </p:spPr>
+        <p:style>
+          <a:lnRef idx="0">
+            <a:scrgbClr r="0" g="0" b="0"/>
+          </a:lnRef>
+          <a:fillRef idx="0">
+            <a:scrgbClr r="0" g="0" b="0"/>
+          </a:fillRef>
+          <a:effectRef idx="0">
+            <a:scrgbClr r="0" g="0" b="0"/>
+          </a:effectRef>
+          <a:fontRef idx="minor">
+            <a:schemeClr val="tx1"/>
+          </a:fontRef>
+        </p:style>
+      </p:cxnSp>
+      <p:cxnSp>
+        <p:nvCxnSpPr>
+          <p:cNvPr id="17" name="Straight Connector 16">
+            <a:extLst>
+              <a:ext uri="{FF2B5EF4-FFF2-40B4-BE49-F238E27FC236}">
+                <a16:creationId xmlns:a16="http://schemas.microsoft.com/office/drawing/2014/main" id="{7587FB00-B63B-1863-5B2A-5C31C79784DD}"/>
+              </a:ext>
+            </a:extLst>
+          </p:cNvPr>
+          <p:cNvCxnSpPr>
+            <a:cxnSpLocks/>
+          </p:cNvCxnSpPr>
+          <p:nvPr/>
+        </p:nvCxnSpPr>
+        <p:spPr>
+          <a:xfrm>
+            <a:off x="3094038" y="3990975"/>
+            <a:ext cx="0" cy="431800"/>
+          </a:xfrm>
+          <a:prstGeom prst="line">
+            <a:avLst/>
+          </a:prstGeom>
+        </p:spPr>
+        <p:style>
+          <a:lnRef idx="3">
+            <a:schemeClr val="dk1"/>
+          </a:lnRef>
+          <a:fillRef idx="0">
+            <a:schemeClr val="dk1"/>
+          </a:fillRef>
+          <a:effectRef idx="2">
+            <a:schemeClr val="dk1"/>
+          </a:effectRef>
+          <a:fontRef idx="minor">
+            <a:schemeClr val="tx1"/>
+          </a:fontRef>
+        </p:style>
+      </p:cxnSp>
+      <p:cxnSp>
+        <p:nvCxnSpPr>
+          <p:cNvPr id="19" name="Straight Arrow Connector 18">
+            <a:extLst>
+              <a:ext uri="{FF2B5EF4-FFF2-40B4-BE49-F238E27FC236}">
+                <a16:creationId xmlns:a16="http://schemas.microsoft.com/office/drawing/2014/main" id="{A02550F1-00EE-CB44-B3A5-B24C562EC5F4}"/>
+              </a:ext>
+            </a:extLst>
+          </p:cNvPr>
+          <p:cNvCxnSpPr>
+            <a:cxnSpLocks/>
+          </p:cNvCxnSpPr>
+          <p:nvPr/>
+        </p:nvCxnSpPr>
+        <p:spPr>
+          <a:xfrm>
+            <a:off x="2562225" y="4203700"/>
+            <a:ext cx="138112" cy="0"/>
+          </a:xfrm>
+          <a:prstGeom prst="straightConnector1">
+            <a:avLst/>
+          </a:prstGeom>
+          <a:ln>
+            <a:solidFill>
+              <a:schemeClr val="tx1"/>
+            </a:solidFill>
+            <a:tailEnd type="triangle"/>
+          </a:ln>
+        </p:spPr>
+        <p:style>
+          <a:lnRef idx="1">
+            <a:schemeClr val="accent1"/>
+          </a:lnRef>
+          <a:fillRef idx="0">
+            <a:schemeClr val="accent1"/>
+          </a:fillRef>
+          <a:effectRef idx="0">
+            <a:schemeClr val="accent1"/>
+          </a:effectRef>
+          <a:fontRef idx="minor">
+            <a:schemeClr val="tx1"/>
+          </a:fontRef>
+        </p:style>
+      </p:cxnSp>
+      <p:cxnSp>
+        <p:nvCxnSpPr>
+          <p:cNvPr id="21" name="Straight Arrow Connector 20">
+            <a:extLst>
+              <a:ext uri="{FF2B5EF4-FFF2-40B4-BE49-F238E27FC236}">
+                <a16:creationId xmlns:a16="http://schemas.microsoft.com/office/drawing/2014/main" id="{D8BEBEB9-C1A0-18C1-2898-3923768032BC}"/>
+              </a:ext>
+            </a:extLst>
+          </p:cNvPr>
+          <p:cNvCxnSpPr>
+            <a:cxnSpLocks/>
+          </p:cNvCxnSpPr>
+          <p:nvPr/>
+        </p:nvCxnSpPr>
+        <p:spPr>
+          <a:xfrm>
+            <a:off x="3094038" y="4203700"/>
+            <a:ext cx="233362" cy="0"/>
+          </a:xfrm>
+          <a:prstGeom prst="straightConnector1">
+            <a:avLst/>
+          </a:prstGeom>
+          <a:ln>
+            <a:solidFill>
+              <a:schemeClr val="tx1"/>
+            </a:solidFill>
+            <a:tailEnd type="triangle"/>
+          </a:ln>
+        </p:spPr>
+        <p:style>
+          <a:lnRef idx="1">
+            <a:schemeClr val="accent1"/>
+          </a:lnRef>
+          <a:fillRef idx="0">
+            <a:schemeClr val="accent1"/>
+          </a:fillRef>
+          <a:effectRef idx="0">
+            <a:schemeClr val="accent1"/>
+          </a:effectRef>
+          <a:fontRef idx="minor">
+            <a:schemeClr val="tx1"/>
+          </a:fontRef>
+        </p:style>
+      </p:cxnSp>
+      <p:sp>
+        <p:nvSpPr>
+          <p:cNvPr id="24" name="TextBox 23">
+            <a:extLst>
+              <a:ext uri="{FF2B5EF4-FFF2-40B4-BE49-F238E27FC236}">
+                <a16:creationId xmlns:a16="http://schemas.microsoft.com/office/drawing/2014/main" id="{89258866-61F3-2BCD-04BB-B064875847F7}"/>
+              </a:ext>
+            </a:extLst>
+          </p:cNvPr>
+          <p:cNvSpPr txBox="1"/>
+          <p:nvPr/>
+        </p:nvSpPr>
+        <p:spPr>
+          <a:xfrm>
+            <a:off x="1822667" y="3855515"/>
+            <a:ext cx="607859" cy="169277"/>
+          </a:xfrm>
+          <a:prstGeom prst="rect">
+            <a:avLst/>
+          </a:prstGeom>
+          <a:noFill/>
+        </p:spPr>
+        <p:txBody>
+          <a:bodyPr wrap="none" rtlCol="0">
+            <a:spAutoFit/>
+          </a:bodyPr>
+          <a:lstStyle/>
+          <a:p>
+            <a:r>
+              <a:rPr lang="en-US" sz="500" dirty="0">
+                <a:latin typeface="Times New Roman" panose="02020603050405020304" pitchFamily="18" charset="0"/>
+                <a:cs typeface="Times New Roman" panose="02020603050405020304" pitchFamily="18" charset="0"/>
+              </a:rPr>
+              <a:t>Expansion wave</a:t>
+            </a:r>
+          </a:p>
+        </p:txBody>
+      </p:sp>
+      <p:sp>
+        <p:nvSpPr>
+          <p:cNvPr id="25" name="TextBox 24">
+            <a:extLst>
+              <a:ext uri="{FF2B5EF4-FFF2-40B4-BE49-F238E27FC236}">
+                <a16:creationId xmlns:a16="http://schemas.microsoft.com/office/drawing/2014/main" id="{332FD325-1D6C-C8B8-9B19-8B674795FD43}"/>
+              </a:ext>
+            </a:extLst>
+          </p:cNvPr>
+          <p:cNvSpPr txBox="1"/>
+          <p:nvPr/>
+        </p:nvSpPr>
+        <p:spPr>
+          <a:xfrm>
+            <a:off x="2344984" y="3855515"/>
+            <a:ext cx="587020" cy="169277"/>
+          </a:xfrm>
+          <a:prstGeom prst="rect">
+            <a:avLst/>
+          </a:prstGeom>
+          <a:noFill/>
+        </p:spPr>
+        <p:txBody>
+          <a:bodyPr wrap="none" rtlCol="0">
+            <a:spAutoFit/>
+          </a:bodyPr>
+          <a:lstStyle/>
+          <a:p>
+            <a:r>
+              <a:rPr lang="en-US" sz="500" dirty="0">
+                <a:latin typeface="Times New Roman" panose="02020603050405020304" pitchFamily="18" charset="0"/>
+                <a:cs typeface="Times New Roman" panose="02020603050405020304" pitchFamily="18" charset="0"/>
+              </a:rPr>
+              <a:t>Contact surface</a:t>
+            </a:r>
+          </a:p>
+        </p:txBody>
+      </p:sp>
+      <p:sp>
+        <p:nvSpPr>
+          <p:cNvPr id="26" name="TextBox 25">
+            <a:extLst>
+              <a:ext uri="{FF2B5EF4-FFF2-40B4-BE49-F238E27FC236}">
+                <a16:creationId xmlns:a16="http://schemas.microsoft.com/office/drawing/2014/main" id="{FFC51A65-9178-5E93-F5ED-FFDDEBA41721}"/>
+              </a:ext>
+            </a:extLst>
+          </p:cNvPr>
+          <p:cNvSpPr txBox="1"/>
+          <p:nvPr/>
+        </p:nvSpPr>
+        <p:spPr>
+          <a:xfrm>
+            <a:off x="2915885" y="3855515"/>
+            <a:ext cx="497252" cy="169277"/>
+          </a:xfrm>
+          <a:prstGeom prst="rect">
+            <a:avLst/>
+          </a:prstGeom>
+          <a:noFill/>
+        </p:spPr>
+        <p:txBody>
+          <a:bodyPr wrap="none" rtlCol="0">
+            <a:spAutoFit/>
+          </a:bodyPr>
+          <a:lstStyle/>
+          <a:p>
+            <a:r>
+              <a:rPr lang="en-US" sz="500" dirty="0">
+                <a:latin typeface="Times New Roman" panose="02020603050405020304" pitchFamily="18" charset="0"/>
+                <a:cs typeface="Times New Roman" panose="02020603050405020304" pitchFamily="18" charset="0"/>
+              </a:rPr>
+              <a:t>Shock wave</a:t>
+            </a:r>
+          </a:p>
+        </p:txBody>
+      </p:sp>
+      <p:sp>
+        <p:nvSpPr>
+          <p:cNvPr id="31" name="TextBox 30">
+            <a:extLst>
+              <a:ext uri="{FF2B5EF4-FFF2-40B4-BE49-F238E27FC236}">
+                <a16:creationId xmlns:a16="http://schemas.microsoft.com/office/drawing/2014/main" id="{0E27049C-2C7C-A1BE-A929-C31FD6338703}"/>
+              </a:ext>
+            </a:extLst>
+          </p:cNvPr>
+          <p:cNvSpPr txBox="1"/>
+          <p:nvPr/>
+        </p:nvSpPr>
+        <p:spPr>
+          <a:xfrm>
+            <a:off x="2091479" y="4404750"/>
+            <a:ext cx="489236" cy="169277"/>
+          </a:xfrm>
+          <a:prstGeom prst="rect">
+            <a:avLst/>
+          </a:prstGeom>
+          <a:noFill/>
+        </p:spPr>
+        <p:txBody>
+          <a:bodyPr wrap="none" rtlCol="0">
+            <a:spAutoFit/>
+          </a:bodyPr>
+          <a:lstStyle/>
+          <a:p>
+            <a:r>
+              <a:rPr lang="en-US" sz="500" dirty="0">
+                <a:latin typeface="Times New Roman" panose="02020603050405020304" pitchFamily="18" charset="0"/>
+                <a:cs typeface="Times New Roman" panose="02020603050405020304" pitchFamily="18" charset="0"/>
+              </a:rPr>
+              <a:t>Diaphragm </a:t>
+            </a:r>
+          </a:p>
+        </p:txBody>
+      </p:sp>
+      <p:sp>
+        <p:nvSpPr>
+          <p:cNvPr id="32" name="Arc 31">
+            <a:extLst>
+              <a:ext uri="{FF2B5EF4-FFF2-40B4-BE49-F238E27FC236}">
+                <a16:creationId xmlns:a16="http://schemas.microsoft.com/office/drawing/2014/main" id="{C2DD6109-2C5A-31A7-2B4C-D63399B069AD}"/>
+              </a:ext>
+            </a:extLst>
+          </p:cNvPr>
+          <p:cNvSpPr/>
+          <p:nvPr/>
+        </p:nvSpPr>
+        <p:spPr>
+          <a:xfrm rot="16200000">
+            <a:off x="2248264" y="4370093"/>
+            <a:ext cx="218240" cy="99014"/>
+          </a:xfrm>
+          <a:prstGeom prst="arc">
+            <a:avLst/>
+          </a:prstGeom>
+        </p:spPr>
+        <p:style>
+          <a:lnRef idx="1">
+            <a:schemeClr val="dk1"/>
+          </a:lnRef>
+          <a:fillRef idx="0">
+            <a:schemeClr val="dk1"/>
+          </a:fillRef>
+          <a:effectRef idx="0">
+            <a:schemeClr val="dk1"/>
+          </a:effectRef>
+          <a:fontRef idx="minor">
+            <a:schemeClr val="tx1"/>
+          </a:fontRef>
+        </p:style>
+        <p:txBody>
+          <a:bodyPr rtlCol="0" anchor="ctr"/>
+          <a:lstStyle/>
+          <a:p>
+            <a:pPr algn="ctr"/>
+            <a:endParaRPr lang="en-US"/>
+          </a:p>
+        </p:txBody>
+      </p:sp>
+      <p:sp>
+        <p:nvSpPr>
+          <p:cNvPr id="33" name="Arc 32">
+            <a:extLst>
+              <a:ext uri="{FF2B5EF4-FFF2-40B4-BE49-F238E27FC236}">
+                <a16:creationId xmlns:a16="http://schemas.microsoft.com/office/drawing/2014/main" id="{B6FDBEFE-AA70-D550-0979-583DE07B8903}"/>
+              </a:ext>
+            </a:extLst>
+          </p:cNvPr>
+          <p:cNvSpPr/>
+          <p:nvPr/>
+        </p:nvSpPr>
+        <p:spPr>
+          <a:xfrm rot="16200000" flipH="1">
+            <a:off x="2252054" y="3940421"/>
+            <a:ext cx="218239" cy="99014"/>
+          </a:xfrm>
+          <a:prstGeom prst="arc">
+            <a:avLst/>
+          </a:prstGeom>
+        </p:spPr>
+        <p:style>
+          <a:lnRef idx="1">
+            <a:schemeClr val="dk1"/>
+          </a:lnRef>
+          <a:fillRef idx="0">
+            <a:schemeClr val="dk1"/>
+          </a:fillRef>
+          <a:effectRef idx="0">
+            <a:schemeClr val="dk1"/>
+          </a:effectRef>
+          <a:fontRef idx="minor">
+            <a:schemeClr val="tx1"/>
+          </a:fontRef>
+        </p:style>
+        <p:txBody>
+          <a:bodyPr rtlCol="0" anchor="ctr"/>
+          <a:lstStyle/>
+          <a:p>
+            <a:pPr algn="ctr"/>
+            <a:endParaRPr lang="en-US"/>
+          </a:p>
+        </p:txBody>
+      </p:sp>
+    </p:spTree>
+    <p:extLst>
+      <p:ext uri="{BB962C8B-B14F-4D97-AF65-F5344CB8AC3E}">
+        <p14:creationId xmlns:p14="http://schemas.microsoft.com/office/powerpoint/2010/main" val="3292555137"/>
       </p:ext>
     </p:extLst>
   </p:cSld>

--- a/papers/thesis/gfx/diagrams/Wisconsin_Shock_Tube.pptx
+++ b/papers/thesis/gfx/diagrams/Wisconsin_Shock_Tube.pptx
@@ -10,6 +10,7 @@
     <p:sldId id="258" r:id="rId4"/>
     <p:sldId id="259" r:id="rId5"/>
     <p:sldId id="260" r:id="rId6"/>
+    <p:sldId id="261" r:id="rId7"/>
   </p:sldIdLst>
   <p:sldSz cx="6858000" cy="9144000" type="letter"/>
   <p:notesSz cx="6858000" cy="9144000"/>
@@ -247,7 +248,7 @@
           <a:p>
             <a:fld id="{2A9E2E5C-F851-4CA1-A9D2-6A067EAD9855}" type="datetimeFigureOut">
               <a:rPr lang="en-US" smtClean="0"/>
-              <a:t>5/19/2023</a:t>
+              <a:t>5/29/2023</a:t>
             </a:fld>
             <a:endParaRPr lang="en-US"/>
           </a:p>
@@ -417,7 +418,7 @@
           <a:p>
             <a:fld id="{2A9E2E5C-F851-4CA1-A9D2-6A067EAD9855}" type="datetimeFigureOut">
               <a:rPr lang="en-US" smtClean="0"/>
-              <a:t>5/19/2023</a:t>
+              <a:t>5/29/2023</a:t>
             </a:fld>
             <a:endParaRPr lang="en-US"/>
           </a:p>
@@ -597,7 +598,7 @@
           <a:p>
             <a:fld id="{2A9E2E5C-F851-4CA1-A9D2-6A067EAD9855}" type="datetimeFigureOut">
               <a:rPr lang="en-US" smtClean="0"/>
-              <a:t>5/19/2023</a:t>
+              <a:t>5/29/2023</a:t>
             </a:fld>
             <a:endParaRPr lang="en-US"/>
           </a:p>
@@ -767,7 +768,7 @@
           <a:p>
             <a:fld id="{2A9E2E5C-F851-4CA1-A9D2-6A067EAD9855}" type="datetimeFigureOut">
               <a:rPr lang="en-US" smtClean="0"/>
-              <a:t>5/19/2023</a:t>
+              <a:t>5/29/2023</a:t>
             </a:fld>
             <a:endParaRPr lang="en-US"/>
           </a:p>
@@ -1011,7 +1012,7 @@
           <a:p>
             <a:fld id="{2A9E2E5C-F851-4CA1-A9D2-6A067EAD9855}" type="datetimeFigureOut">
               <a:rPr lang="en-US" smtClean="0"/>
-              <a:t>5/19/2023</a:t>
+              <a:t>5/29/2023</a:t>
             </a:fld>
             <a:endParaRPr lang="en-US"/>
           </a:p>
@@ -1243,7 +1244,7 @@
           <a:p>
             <a:fld id="{2A9E2E5C-F851-4CA1-A9D2-6A067EAD9855}" type="datetimeFigureOut">
               <a:rPr lang="en-US" smtClean="0"/>
-              <a:t>5/19/2023</a:t>
+              <a:t>5/29/2023</a:t>
             </a:fld>
             <a:endParaRPr lang="en-US"/>
           </a:p>
@@ -1610,7 +1611,7 @@
           <a:p>
             <a:fld id="{2A9E2E5C-F851-4CA1-A9D2-6A067EAD9855}" type="datetimeFigureOut">
               <a:rPr lang="en-US" smtClean="0"/>
-              <a:t>5/19/2023</a:t>
+              <a:t>5/29/2023</a:t>
             </a:fld>
             <a:endParaRPr lang="en-US"/>
           </a:p>
@@ -1728,7 +1729,7 @@
           <a:p>
             <a:fld id="{2A9E2E5C-F851-4CA1-A9D2-6A067EAD9855}" type="datetimeFigureOut">
               <a:rPr lang="en-US" smtClean="0"/>
-              <a:t>5/19/2023</a:t>
+              <a:t>5/29/2023</a:t>
             </a:fld>
             <a:endParaRPr lang="en-US"/>
           </a:p>
@@ -1823,7 +1824,7 @@
           <a:p>
             <a:fld id="{2A9E2E5C-F851-4CA1-A9D2-6A067EAD9855}" type="datetimeFigureOut">
               <a:rPr lang="en-US" smtClean="0"/>
-              <a:t>5/19/2023</a:t>
+              <a:t>5/29/2023</a:t>
             </a:fld>
             <a:endParaRPr lang="en-US"/>
           </a:p>
@@ -2100,7 +2101,7 @@
           <a:p>
             <a:fld id="{2A9E2E5C-F851-4CA1-A9D2-6A067EAD9855}" type="datetimeFigureOut">
               <a:rPr lang="en-US" smtClean="0"/>
-              <a:t>5/19/2023</a:t>
+              <a:t>5/29/2023</a:t>
             </a:fld>
             <a:endParaRPr lang="en-US"/>
           </a:p>
@@ -2357,7 +2358,7 @@
           <a:p>
             <a:fld id="{2A9E2E5C-F851-4CA1-A9D2-6A067EAD9855}" type="datetimeFigureOut">
               <a:rPr lang="en-US" smtClean="0"/>
-              <a:t>5/19/2023</a:t>
+              <a:t>5/29/2023</a:t>
             </a:fld>
             <a:endParaRPr lang="en-US"/>
           </a:p>
@@ -2570,7 +2571,7 @@
           <a:p>
             <a:fld id="{2A9E2E5C-F851-4CA1-A9D2-6A067EAD9855}" type="datetimeFigureOut">
               <a:rPr lang="en-US" smtClean="0"/>
-              <a:t>5/19/2023</a:t>
+              <a:t>5/29/2023</a:t>
             </a:fld>
             <a:endParaRPr lang="en-US"/>
           </a:p>
@@ -20028,6 +20029,143 @@
 </p:sld>
 </file>
 
+<file path=ppt/slides/slide6.xml><?xml version="1.0" encoding="utf-8"?>
+<p:sld xmlns:a="http://schemas.openxmlformats.org/drawingml/2006/main" xmlns:r="http://schemas.openxmlformats.org/officeDocument/2006/relationships" xmlns:p="http://schemas.openxmlformats.org/presentationml/2006/main">
+  <p:cSld>
+    <p:spTree>
+      <p:nvGrpSpPr>
+        <p:cNvPr id="1" name=""/>
+        <p:cNvGrpSpPr/>
+        <p:nvPr/>
+      </p:nvGrpSpPr>
+      <p:grpSpPr>
+        <a:xfrm>
+          <a:off x="0" y="0"/>
+          <a:ext cx="0" cy="0"/>
+          <a:chOff x="0" y="0"/>
+          <a:chExt cx="0" cy="0"/>
+        </a:xfrm>
+      </p:grpSpPr>
+      <p:sp>
+        <p:nvSpPr>
+          <p:cNvPr id="37" name="Oval 36">
+            <a:extLst>
+              <a:ext uri="{FF2B5EF4-FFF2-40B4-BE49-F238E27FC236}">
+                <a16:creationId xmlns:a16="http://schemas.microsoft.com/office/drawing/2014/main" id="{6D5645B2-21C9-8C88-9AFC-8CBD3192C0AD}"/>
+              </a:ext>
+            </a:extLst>
+          </p:cNvPr>
+          <p:cNvSpPr/>
+          <p:nvPr/>
+        </p:nvSpPr>
+        <p:spPr>
+          <a:xfrm>
+            <a:off x="509990" y="1091192"/>
+            <a:ext cx="3555060" cy="2029822"/>
+          </a:xfrm>
+          <a:prstGeom prst="ellipse">
+            <a:avLst/>
+          </a:prstGeom>
+          <a:solidFill>
+            <a:schemeClr val="accent1">
+              <a:lumMod val="40000"/>
+              <a:lumOff val="60000"/>
+            </a:schemeClr>
+          </a:solidFill>
+        </p:spPr>
+        <p:style>
+          <a:lnRef idx="2">
+            <a:schemeClr val="accent1">
+              <a:shade val="50000"/>
+            </a:schemeClr>
+          </a:lnRef>
+          <a:fillRef idx="1">
+            <a:schemeClr val="accent1"/>
+          </a:fillRef>
+          <a:effectRef idx="0">
+            <a:schemeClr val="accent1"/>
+          </a:effectRef>
+          <a:fontRef idx="minor">
+            <a:schemeClr val="lt1"/>
+          </a:fontRef>
+        </p:style>
+        <p:txBody>
+          <a:bodyPr rtlCol="0" anchor="ctr"/>
+          <a:lstStyle/>
+          <a:p>
+            <a:pPr algn="ctr"/>
+            <a:endParaRPr lang="en-US"/>
+          </a:p>
+        </p:txBody>
+      </p:sp>
+      <p:sp>
+        <p:nvSpPr>
+          <p:cNvPr id="38" name="Oval 37">
+            <a:extLst>
+              <a:ext uri="{FF2B5EF4-FFF2-40B4-BE49-F238E27FC236}">
+                <a16:creationId xmlns:a16="http://schemas.microsoft.com/office/drawing/2014/main" id="{22DDEC8D-63AC-DB2D-E08A-AE836DCF4119}"/>
+              </a:ext>
+            </a:extLst>
+          </p:cNvPr>
+          <p:cNvSpPr/>
+          <p:nvPr/>
+        </p:nvSpPr>
+        <p:spPr>
+          <a:xfrm>
+            <a:off x="766228" y="1798978"/>
+            <a:ext cx="3042055" cy="621473"/>
+          </a:xfrm>
+          <a:prstGeom prst="ellipse">
+            <a:avLst/>
+          </a:prstGeom>
+          <a:noFill/>
+          <a:ln w="254000">
+            <a:solidFill>
+              <a:schemeClr val="accent1">
+                <a:lumMod val="75000"/>
+              </a:schemeClr>
+            </a:solidFill>
+          </a:ln>
+          <a:effectLst/>
+        </p:spPr>
+        <p:style>
+          <a:lnRef idx="2">
+            <a:schemeClr val="accent1">
+              <a:shade val="50000"/>
+            </a:schemeClr>
+          </a:lnRef>
+          <a:fillRef idx="1">
+            <a:schemeClr val="accent1"/>
+          </a:fillRef>
+          <a:effectRef idx="0">
+            <a:schemeClr val="accent1"/>
+          </a:effectRef>
+          <a:fontRef idx="minor">
+            <a:schemeClr val="lt1"/>
+          </a:fontRef>
+        </p:style>
+        <p:txBody>
+          <a:bodyPr rtlCol="0" anchor="ctr"/>
+          <a:lstStyle/>
+          <a:p>
+            <a:pPr algn="ctr"/>
+            <a:endParaRPr lang="en-US"/>
+          </a:p>
+        </p:txBody>
+      </p:sp>
+    </p:spTree>
+    <p:extLst>
+      <p:ext uri="{BB962C8B-B14F-4D97-AF65-F5344CB8AC3E}">
+        <p14:creationId xmlns:p14="http://schemas.microsoft.com/office/powerpoint/2010/main" val="778924493"/>
+      </p:ext>
+    </p:extLst>
+  </p:cSld>
+  <p:clrMapOvr>
+    <a:masterClrMapping/>
+  </p:clrMapOvr>
+</p:sld>
+</file>
+
 <file path=ppt/theme/theme1.xml><?xml version="1.0" encoding="utf-8"?>
 <a:theme xmlns:a="http://schemas.openxmlformats.org/drawingml/2006/main" name="Office Theme">
   <a:themeElements>
